--- a/Diagnostics/local/Cori/figure_temp/New Microsoft PowerPoint Presentation (2).pptx
+++ b/Diagnostics/local/Cori/figure_temp/New Microsoft PowerPoint Presentation (2).pptx
@@ -2,12 +2,16 @@
 <file path=ppt/presentation.xml><?xml version="1.0" encoding="utf-8"?>
 <p:presentation xmlns:a="http://schemas.openxmlformats.org/drawingml/2006/main" xmlns:r="http://schemas.openxmlformats.org/officeDocument/2006/relationships" xmlns:p="http://schemas.openxmlformats.org/presentationml/2006/main" saveSubsetFonts="1">
   <p:sldMasterIdLst>
-    <p:sldMasterId id="2147483720" r:id="rId1"/>
+    <p:sldMasterId id="2147483732" r:id="rId1"/>
   </p:sldMasterIdLst>
+  <p:notesMasterIdLst>
+    <p:notesMasterId r:id="rId4"/>
+  </p:notesMasterIdLst>
   <p:sldIdLst>
     <p:sldId id="256" r:id="rId2"/>
+    <p:sldId id="257" r:id="rId3"/>
   </p:sldIdLst>
-  <p:sldSz cx="5486400" cy="2286000"/>
+  <p:sldSz cx="5486400" cy="3657600"/>
   <p:notesSz cx="6858000" cy="9144000"/>
   <p:defaultTextStyle>
     <a:defPPr>
@@ -104,7 +108,445 @@
       </a:defRPr>
     </a:lvl9pPr>
   </p:defaultTextStyle>
+  <p:extLst>
+    <p:ext uri="{EFAFB233-063F-42B5-8137-9DF3F51BA10A}">
+      <p15:sldGuideLst xmlns:p15="http://schemas.microsoft.com/office/powerpoint/2012/main"/>
+    </p:ext>
+  </p:extLst>
 </p:presentation>
+</file>
+
+<file path=ppt/notesMasters/notesMaster1.xml><?xml version="1.0" encoding="utf-8"?>
+<p:notesMaster xmlns:a="http://schemas.openxmlformats.org/drawingml/2006/main" xmlns:r="http://schemas.openxmlformats.org/officeDocument/2006/relationships" xmlns:p="http://schemas.openxmlformats.org/presentationml/2006/main">
+  <p:cSld>
+    <p:bg>
+      <p:bgRef idx="1001">
+        <a:schemeClr val="bg1"/>
+      </p:bgRef>
+    </p:bg>
+    <p:spTree>
+      <p:nvGrpSpPr>
+        <p:cNvPr id="1" name=""/>
+        <p:cNvGrpSpPr/>
+        <p:nvPr/>
+      </p:nvGrpSpPr>
+      <p:grpSpPr>
+        <a:xfrm>
+          <a:off x="0" y="0"/>
+          <a:ext cx="0" cy="0"/>
+          <a:chOff x="0" y="0"/>
+          <a:chExt cx="0" cy="0"/>
+        </a:xfrm>
+      </p:grpSpPr>
+      <p:sp>
+        <p:nvSpPr>
+          <p:cNvPr id="2" name="Header Placeholder 1"/>
+          <p:cNvSpPr>
+            <a:spLocks noGrp="1"/>
+          </p:cNvSpPr>
+          <p:nvPr>
+            <p:ph type="hdr" sz="quarter"/>
+          </p:nvPr>
+        </p:nvSpPr>
+        <p:spPr>
+          <a:xfrm>
+            <a:off x="0" y="0"/>
+            <a:ext cx="2971800" cy="458788"/>
+          </a:xfrm>
+          <a:prstGeom prst="rect">
+            <a:avLst/>
+          </a:prstGeom>
+        </p:spPr>
+        <p:txBody>
+          <a:bodyPr vert="horz" lIns="91440" tIns="45720" rIns="91440" bIns="45720" rtlCol="0"/>
+          <a:lstStyle>
+            <a:lvl1pPr algn="l">
+              <a:defRPr sz="1200"/>
+            </a:lvl1pPr>
+          </a:lstStyle>
+          <a:p>
+            <a:endParaRPr lang="en-US"/>
+          </a:p>
+        </p:txBody>
+      </p:sp>
+      <p:sp>
+        <p:nvSpPr>
+          <p:cNvPr id="3" name="Date Placeholder 2"/>
+          <p:cNvSpPr>
+            <a:spLocks noGrp="1"/>
+          </p:cNvSpPr>
+          <p:nvPr>
+            <p:ph type="dt" idx="1"/>
+          </p:nvPr>
+        </p:nvSpPr>
+        <p:spPr>
+          <a:xfrm>
+            <a:off x="3884613" y="0"/>
+            <a:ext cx="2971800" cy="458788"/>
+          </a:xfrm>
+          <a:prstGeom prst="rect">
+            <a:avLst/>
+          </a:prstGeom>
+        </p:spPr>
+        <p:txBody>
+          <a:bodyPr vert="horz" lIns="91440" tIns="45720" rIns="91440" bIns="45720" rtlCol="0"/>
+          <a:lstStyle>
+            <a:lvl1pPr algn="r">
+              <a:defRPr sz="1200"/>
+            </a:lvl1pPr>
+          </a:lstStyle>
+          <a:p>
+            <a:fld id="{EF01F5E3-F218-412E-8BC3-D55FF0C40A04}" type="datetimeFigureOut">
+              <a:rPr lang="en-US" smtClean="0"/>
+              <a:t>8/12/2022</a:t>
+            </a:fld>
+            <a:endParaRPr lang="en-US"/>
+          </a:p>
+        </p:txBody>
+      </p:sp>
+      <p:sp>
+        <p:nvSpPr>
+          <p:cNvPr id="4" name="Slide Image Placeholder 3"/>
+          <p:cNvSpPr>
+            <a:spLocks noGrp="1" noRot="1" noChangeAspect="1"/>
+          </p:cNvSpPr>
+          <p:nvPr>
+            <p:ph type="sldImg" idx="2"/>
+          </p:nvPr>
+        </p:nvSpPr>
+        <p:spPr>
+          <a:xfrm>
+            <a:off x="1114425" y="1143000"/>
+            <a:ext cx="4629150" cy="3086100"/>
+          </a:xfrm>
+          <a:prstGeom prst="rect">
+            <a:avLst/>
+          </a:prstGeom>
+          <a:noFill/>
+          <a:ln w="12700">
+            <a:solidFill>
+              <a:prstClr val="black"/>
+            </a:solidFill>
+          </a:ln>
+        </p:spPr>
+        <p:txBody>
+          <a:bodyPr vert="horz" lIns="91440" tIns="45720" rIns="91440" bIns="45720" rtlCol="0" anchor="ctr"/>
+          <a:lstStyle/>
+          <a:p>
+            <a:endParaRPr lang="en-US"/>
+          </a:p>
+        </p:txBody>
+      </p:sp>
+      <p:sp>
+        <p:nvSpPr>
+          <p:cNvPr id="5" name="Notes Placeholder 4"/>
+          <p:cNvSpPr>
+            <a:spLocks noGrp="1"/>
+          </p:cNvSpPr>
+          <p:nvPr>
+            <p:ph type="body" sz="quarter" idx="3"/>
+          </p:nvPr>
+        </p:nvSpPr>
+        <p:spPr>
+          <a:xfrm>
+            <a:off x="685800" y="4400550"/>
+            <a:ext cx="5486400" cy="3600450"/>
+          </a:xfrm>
+          <a:prstGeom prst="rect">
+            <a:avLst/>
+          </a:prstGeom>
+        </p:spPr>
+        <p:txBody>
+          <a:bodyPr vert="horz" lIns="91440" tIns="45720" rIns="91440" bIns="45720" rtlCol="0"/>
+          <a:lstStyle/>
+          <a:p>
+            <a:pPr lvl="0"/>
+            <a:r>
+              <a:rPr lang="en-US"/>
+              <a:t>Edit Master text styles</a:t>
+            </a:r>
+          </a:p>
+          <a:p>
+            <a:pPr lvl="1"/>
+            <a:r>
+              <a:rPr lang="en-US"/>
+              <a:t>Second level</a:t>
+            </a:r>
+          </a:p>
+          <a:p>
+            <a:pPr lvl="2"/>
+            <a:r>
+              <a:rPr lang="en-US"/>
+              <a:t>Third level</a:t>
+            </a:r>
+          </a:p>
+          <a:p>
+            <a:pPr lvl="3"/>
+            <a:r>
+              <a:rPr lang="en-US"/>
+              <a:t>Fourth level</a:t>
+            </a:r>
+          </a:p>
+          <a:p>
+            <a:pPr lvl="4"/>
+            <a:r>
+              <a:rPr lang="en-US"/>
+              <a:t>Fifth level</a:t>
+            </a:r>
+          </a:p>
+        </p:txBody>
+      </p:sp>
+      <p:sp>
+        <p:nvSpPr>
+          <p:cNvPr id="6" name="Footer Placeholder 5"/>
+          <p:cNvSpPr>
+            <a:spLocks noGrp="1"/>
+          </p:cNvSpPr>
+          <p:nvPr>
+            <p:ph type="ftr" sz="quarter" idx="4"/>
+          </p:nvPr>
+        </p:nvSpPr>
+        <p:spPr>
+          <a:xfrm>
+            <a:off x="0" y="8685213"/>
+            <a:ext cx="2971800" cy="458787"/>
+          </a:xfrm>
+          <a:prstGeom prst="rect">
+            <a:avLst/>
+          </a:prstGeom>
+        </p:spPr>
+        <p:txBody>
+          <a:bodyPr vert="horz" lIns="91440" tIns="45720" rIns="91440" bIns="45720" rtlCol="0" anchor="b"/>
+          <a:lstStyle>
+            <a:lvl1pPr algn="l">
+              <a:defRPr sz="1200"/>
+            </a:lvl1pPr>
+          </a:lstStyle>
+          <a:p>
+            <a:endParaRPr lang="en-US"/>
+          </a:p>
+        </p:txBody>
+      </p:sp>
+      <p:sp>
+        <p:nvSpPr>
+          <p:cNvPr id="7" name="Slide Number Placeholder 6"/>
+          <p:cNvSpPr>
+            <a:spLocks noGrp="1"/>
+          </p:cNvSpPr>
+          <p:nvPr>
+            <p:ph type="sldNum" sz="quarter" idx="5"/>
+          </p:nvPr>
+        </p:nvSpPr>
+        <p:spPr>
+          <a:xfrm>
+            <a:off x="3884613" y="8685213"/>
+            <a:ext cx="2971800" cy="458787"/>
+          </a:xfrm>
+          <a:prstGeom prst="rect">
+            <a:avLst/>
+          </a:prstGeom>
+        </p:spPr>
+        <p:txBody>
+          <a:bodyPr vert="horz" lIns="91440" tIns="45720" rIns="91440" bIns="45720" rtlCol="0" anchor="b"/>
+          <a:lstStyle>
+            <a:lvl1pPr algn="r">
+              <a:defRPr sz="1200"/>
+            </a:lvl1pPr>
+          </a:lstStyle>
+          <a:p>
+            <a:fld id="{AFD65F47-2FD9-43BB-BA8A-4A01C26ED9AC}" type="slidenum">
+              <a:rPr lang="en-US" smtClean="0"/>
+              <a:t>‹#›</a:t>
+            </a:fld>
+            <a:endParaRPr lang="en-US"/>
+          </a:p>
+        </p:txBody>
+      </p:sp>
+    </p:spTree>
+    <p:extLst>
+      <p:ext uri="{BB962C8B-B14F-4D97-AF65-F5344CB8AC3E}">
+        <p14:creationId xmlns:p14="http://schemas.microsoft.com/office/powerpoint/2010/main" val="3780017709"/>
+      </p:ext>
+    </p:extLst>
+  </p:cSld>
+  <p:clrMap bg1="lt1" tx1="dk1" bg2="lt2" tx2="dk2" accent1="accent1" accent2="accent2" accent3="accent3" accent4="accent4" accent5="accent5" accent6="accent6" hlink="hlink" folHlink="folHlink"/>
+  <p:notesStyle>
+    <a:lvl1pPr marL="0" algn="l" defTabSz="914400" rtl="0" eaLnBrk="1" latinLnBrk="0" hangingPunct="1">
+      <a:defRPr sz="1200" kern="1200">
+        <a:solidFill>
+          <a:schemeClr val="tx1"/>
+        </a:solidFill>
+        <a:latin typeface="+mn-lt"/>
+        <a:ea typeface="+mn-ea"/>
+        <a:cs typeface="+mn-cs"/>
+      </a:defRPr>
+    </a:lvl1pPr>
+    <a:lvl2pPr marL="457200" algn="l" defTabSz="914400" rtl="0" eaLnBrk="1" latinLnBrk="0" hangingPunct="1">
+      <a:defRPr sz="1200" kern="1200">
+        <a:solidFill>
+          <a:schemeClr val="tx1"/>
+        </a:solidFill>
+        <a:latin typeface="+mn-lt"/>
+        <a:ea typeface="+mn-ea"/>
+        <a:cs typeface="+mn-cs"/>
+      </a:defRPr>
+    </a:lvl2pPr>
+    <a:lvl3pPr marL="914400" algn="l" defTabSz="914400" rtl="0" eaLnBrk="1" latinLnBrk="0" hangingPunct="1">
+      <a:defRPr sz="1200" kern="1200">
+        <a:solidFill>
+          <a:schemeClr val="tx1"/>
+        </a:solidFill>
+        <a:latin typeface="+mn-lt"/>
+        <a:ea typeface="+mn-ea"/>
+        <a:cs typeface="+mn-cs"/>
+      </a:defRPr>
+    </a:lvl3pPr>
+    <a:lvl4pPr marL="1371600" algn="l" defTabSz="914400" rtl="0" eaLnBrk="1" latinLnBrk="0" hangingPunct="1">
+      <a:defRPr sz="1200" kern="1200">
+        <a:solidFill>
+          <a:schemeClr val="tx1"/>
+        </a:solidFill>
+        <a:latin typeface="+mn-lt"/>
+        <a:ea typeface="+mn-ea"/>
+        <a:cs typeface="+mn-cs"/>
+      </a:defRPr>
+    </a:lvl4pPr>
+    <a:lvl5pPr marL="1828800" algn="l" defTabSz="914400" rtl="0" eaLnBrk="1" latinLnBrk="0" hangingPunct="1">
+      <a:defRPr sz="1200" kern="1200">
+        <a:solidFill>
+          <a:schemeClr val="tx1"/>
+        </a:solidFill>
+        <a:latin typeface="+mn-lt"/>
+        <a:ea typeface="+mn-ea"/>
+        <a:cs typeface="+mn-cs"/>
+      </a:defRPr>
+    </a:lvl5pPr>
+    <a:lvl6pPr marL="2286000" algn="l" defTabSz="914400" rtl="0" eaLnBrk="1" latinLnBrk="0" hangingPunct="1">
+      <a:defRPr sz="1200" kern="1200">
+        <a:solidFill>
+          <a:schemeClr val="tx1"/>
+        </a:solidFill>
+        <a:latin typeface="+mn-lt"/>
+        <a:ea typeface="+mn-ea"/>
+        <a:cs typeface="+mn-cs"/>
+      </a:defRPr>
+    </a:lvl6pPr>
+    <a:lvl7pPr marL="2743200" algn="l" defTabSz="914400" rtl="0" eaLnBrk="1" latinLnBrk="0" hangingPunct="1">
+      <a:defRPr sz="1200" kern="1200">
+        <a:solidFill>
+          <a:schemeClr val="tx1"/>
+        </a:solidFill>
+        <a:latin typeface="+mn-lt"/>
+        <a:ea typeface="+mn-ea"/>
+        <a:cs typeface="+mn-cs"/>
+      </a:defRPr>
+    </a:lvl7pPr>
+    <a:lvl8pPr marL="3200400" algn="l" defTabSz="914400" rtl="0" eaLnBrk="1" latinLnBrk="0" hangingPunct="1">
+      <a:defRPr sz="1200" kern="1200">
+        <a:solidFill>
+          <a:schemeClr val="tx1"/>
+        </a:solidFill>
+        <a:latin typeface="+mn-lt"/>
+        <a:ea typeface="+mn-ea"/>
+        <a:cs typeface="+mn-cs"/>
+      </a:defRPr>
+    </a:lvl8pPr>
+    <a:lvl9pPr marL="3657600" algn="l" defTabSz="914400" rtl="0" eaLnBrk="1" latinLnBrk="0" hangingPunct="1">
+      <a:defRPr sz="1200" kern="1200">
+        <a:solidFill>
+          <a:schemeClr val="tx1"/>
+        </a:solidFill>
+        <a:latin typeface="+mn-lt"/>
+        <a:ea typeface="+mn-ea"/>
+        <a:cs typeface="+mn-cs"/>
+      </a:defRPr>
+    </a:lvl9pPr>
+  </p:notesStyle>
+</p:notesMaster>
+</file>
+
+<file path=ppt/notesSlides/notesSlide1.xml><?xml version="1.0" encoding="utf-8"?>
+<p:notes xmlns:a="http://schemas.openxmlformats.org/drawingml/2006/main" xmlns:r="http://schemas.openxmlformats.org/officeDocument/2006/relationships" xmlns:p="http://schemas.openxmlformats.org/presentationml/2006/main">
+  <p:cSld>
+    <p:spTree>
+      <p:nvGrpSpPr>
+        <p:cNvPr id="1" name=""/>
+        <p:cNvGrpSpPr/>
+        <p:nvPr/>
+      </p:nvGrpSpPr>
+      <p:grpSpPr>
+        <a:xfrm>
+          <a:off x="0" y="0"/>
+          <a:ext cx="0" cy="0"/>
+          <a:chOff x="0" y="0"/>
+          <a:chExt cx="0" cy="0"/>
+        </a:xfrm>
+      </p:grpSpPr>
+      <p:sp>
+        <p:nvSpPr>
+          <p:cNvPr id="2" name="Slide Image Placeholder 1"/>
+          <p:cNvSpPr>
+            <a:spLocks noGrp="1" noRot="1" noChangeAspect="1"/>
+          </p:cNvSpPr>
+          <p:nvPr>
+            <p:ph type="sldImg"/>
+          </p:nvPr>
+        </p:nvSpPr>
+        <p:spPr/>
+      </p:sp>
+      <p:sp>
+        <p:nvSpPr>
+          <p:cNvPr id="3" name="Notes Placeholder 2"/>
+          <p:cNvSpPr>
+            <a:spLocks noGrp="1"/>
+          </p:cNvSpPr>
+          <p:nvPr>
+            <p:ph type="body" idx="1"/>
+          </p:nvPr>
+        </p:nvSpPr>
+        <p:spPr/>
+        <p:txBody>
+          <a:bodyPr/>
+          <a:lstStyle/>
+          <a:p>
+            <a:endParaRPr lang="en-US" dirty="0"/>
+          </a:p>
+        </p:txBody>
+      </p:sp>
+      <p:sp>
+        <p:nvSpPr>
+          <p:cNvPr id="4" name="Slide Number Placeholder 3"/>
+          <p:cNvSpPr>
+            <a:spLocks noGrp="1"/>
+          </p:cNvSpPr>
+          <p:nvPr>
+            <p:ph type="sldNum" sz="quarter" idx="5"/>
+          </p:nvPr>
+        </p:nvSpPr>
+        <p:spPr/>
+        <p:txBody>
+          <a:bodyPr/>
+          <a:lstStyle/>
+          <a:p>
+            <a:fld id="{AFD65F47-2FD9-43BB-BA8A-4A01C26ED9AC}" type="slidenum">
+              <a:rPr lang="en-US" smtClean="0"/>
+              <a:t>2</a:t>
+            </a:fld>
+            <a:endParaRPr lang="en-US"/>
+          </a:p>
+        </p:txBody>
+      </p:sp>
+    </p:spTree>
+    <p:extLst>
+      <p:ext uri="{BB962C8B-B14F-4D97-AF65-F5344CB8AC3E}">
+        <p14:creationId xmlns:p14="http://schemas.microsoft.com/office/powerpoint/2010/main" val="1008825765"/>
+      </p:ext>
+    </p:extLst>
+  </p:cSld>
+  <p:clrMapOvr>
+    <a:masterClrMapping/>
+  </p:clrMapOvr>
+</p:notes>
 </file>
 
 <file path=ppt/slideLayouts/slideLayout1.xml><?xml version="1.0" encoding="utf-8"?>
@@ -136,15 +578,15 @@
         </p:nvSpPr>
         <p:spPr>
           <a:xfrm>
-            <a:off x="685800" y="374121"/>
-            <a:ext cx="4114800" cy="795867"/>
+            <a:off x="411480" y="598593"/>
+            <a:ext cx="4663440" cy="1273387"/>
           </a:xfrm>
         </p:spPr>
         <p:txBody>
           <a:bodyPr anchor="b"/>
           <a:lstStyle>
             <a:lvl1pPr algn="ctr">
-              <a:defRPr sz="2000"/>
+              <a:defRPr sz="3200"/>
             </a:lvl1pPr>
           </a:lstStyle>
           <a:p>
@@ -168,8 +610,8 @@
         </p:nvSpPr>
         <p:spPr>
           <a:xfrm>
-            <a:off x="685800" y="1200679"/>
-            <a:ext cx="4114800" cy="551921"/>
+            <a:off x="685800" y="1921087"/>
+            <a:ext cx="4114800" cy="883073"/>
           </a:xfrm>
         </p:spPr>
         <p:txBody>
@@ -177,39 +619,39 @@
           <a:lstStyle>
             <a:lvl1pPr marL="0" indent="0" algn="ctr">
               <a:buNone/>
-              <a:defRPr sz="800"/>
+              <a:defRPr sz="1280"/>
             </a:lvl1pPr>
-            <a:lvl2pPr marL="152385" indent="0" algn="ctr">
-              <a:buNone/>
-              <a:defRPr sz="667"/>
+            <a:lvl2pPr marL="243825" indent="0" algn="ctr">
+              <a:buNone/>
+              <a:defRPr sz="1067"/>
             </a:lvl2pPr>
-            <a:lvl3pPr marL="304770" indent="0" algn="ctr">
-              <a:buNone/>
-              <a:defRPr sz="600"/>
+            <a:lvl3pPr marL="487650" indent="0" algn="ctr">
+              <a:buNone/>
+              <a:defRPr sz="960"/>
             </a:lvl3pPr>
-            <a:lvl4pPr marL="457154" indent="0" algn="ctr">
-              <a:buNone/>
-              <a:defRPr sz="533"/>
+            <a:lvl4pPr marL="731474" indent="0" algn="ctr">
+              <a:buNone/>
+              <a:defRPr sz="853"/>
             </a:lvl4pPr>
-            <a:lvl5pPr marL="609539" indent="0" algn="ctr">
-              <a:buNone/>
-              <a:defRPr sz="533"/>
+            <a:lvl5pPr marL="975299" indent="0" algn="ctr">
+              <a:buNone/>
+              <a:defRPr sz="853"/>
             </a:lvl5pPr>
-            <a:lvl6pPr marL="761924" indent="0" algn="ctr">
-              <a:buNone/>
-              <a:defRPr sz="533"/>
+            <a:lvl6pPr marL="1219124" indent="0" algn="ctr">
+              <a:buNone/>
+              <a:defRPr sz="853"/>
             </a:lvl6pPr>
-            <a:lvl7pPr marL="914309" indent="0" algn="ctr">
-              <a:buNone/>
-              <a:defRPr sz="533"/>
+            <a:lvl7pPr marL="1462949" indent="0" algn="ctr">
+              <a:buNone/>
+              <a:defRPr sz="853"/>
             </a:lvl7pPr>
-            <a:lvl8pPr marL="1066693" indent="0" algn="ctr">
-              <a:buNone/>
-              <a:defRPr sz="533"/>
+            <a:lvl8pPr marL="1706773" indent="0" algn="ctr">
+              <a:buNone/>
+              <a:defRPr sz="853"/>
             </a:lvl8pPr>
-            <a:lvl9pPr marL="1219078" indent="0" algn="ctr">
-              <a:buNone/>
-              <a:defRPr sz="533"/>
+            <a:lvl9pPr marL="1950598" indent="0" algn="ctr">
+              <a:buNone/>
+              <a:defRPr sz="853"/>
             </a:lvl9pPr>
           </a:lstStyle>
           <a:p>
@@ -238,7 +680,7 @@
           <a:p>
             <a:fld id="{D7255102-6478-444A-A334-5416F04ED077}" type="datetimeFigureOut">
               <a:rPr lang="en-US" smtClean="0"/>
-              <a:t>8/3/2022</a:t>
+              <a:t>8/12/2022</a:t>
             </a:fld>
             <a:endParaRPr lang="en-US"/>
           </a:p>
@@ -289,7 +731,7 @@
     </p:spTree>
     <p:extLst>
       <p:ext uri="{BB962C8B-B14F-4D97-AF65-F5344CB8AC3E}">
-        <p14:creationId xmlns:p14="http://schemas.microsoft.com/office/powerpoint/2010/main" val="1659939646"/>
+        <p14:creationId xmlns:p14="http://schemas.microsoft.com/office/powerpoint/2010/main" val="2597491283"/>
       </p:ext>
     </p:extLst>
   </p:cSld>
@@ -408,7 +850,7 @@
           <a:p>
             <a:fld id="{D7255102-6478-444A-A334-5416F04ED077}" type="datetimeFigureOut">
               <a:rPr lang="en-US" smtClean="0"/>
-              <a:t>8/3/2022</a:t>
+              <a:t>8/12/2022</a:t>
             </a:fld>
             <a:endParaRPr lang="en-US"/>
           </a:p>
@@ -459,7 +901,7 @@
     </p:spTree>
     <p:extLst>
       <p:ext uri="{BB962C8B-B14F-4D97-AF65-F5344CB8AC3E}">
-        <p14:creationId xmlns:p14="http://schemas.microsoft.com/office/powerpoint/2010/main" val="1928222658"/>
+        <p14:creationId xmlns:p14="http://schemas.microsoft.com/office/powerpoint/2010/main" val="2150351632"/>
       </p:ext>
     </p:extLst>
   </p:cSld>
@@ -498,8 +940,8 @@
         </p:nvSpPr>
         <p:spPr>
           <a:xfrm>
-            <a:off x="3926205" y="121709"/>
-            <a:ext cx="1183005" cy="1937279"/>
+            <a:off x="3926205" y="194733"/>
+            <a:ext cx="1183005" cy="3099647"/>
           </a:xfrm>
         </p:spPr>
         <p:txBody>
@@ -526,8 +968,8 @@
         </p:nvSpPr>
         <p:spPr>
           <a:xfrm>
-            <a:off x="377190" y="121709"/>
-            <a:ext cx="3480435" cy="1937279"/>
+            <a:off x="377190" y="194733"/>
+            <a:ext cx="3480435" cy="3099647"/>
           </a:xfrm>
         </p:spPr>
         <p:txBody>
@@ -588,7 +1030,7 @@
           <a:p>
             <a:fld id="{D7255102-6478-444A-A334-5416F04ED077}" type="datetimeFigureOut">
               <a:rPr lang="en-US" smtClean="0"/>
-              <a:t>8/3/2022</a:t>
+              <a:t>8/12/2022</a:t>
             </a:fld>
             <a:endParaRPr lang="en-US"/>
           </a:p>
@@ -639,7 +1081,7 @@
     </p:spTree>
     <p:extLst>
       <p:ext uri="{BB962C8B-B14F-4D97-AF65-F5344CB8AC3E}">
-        <p14:creationId xmlns:p14="http://schemas.microsoft.com/office/powerpoint/2010/main" val="1788158222"/>
+        <p14:creationId xmlns:p14="http://schemas.microsoft.com/office/powerpoint/2010/main" val="3607282332"/>
       </p:ext>
     </p:extLst>
   </p:cSld>
@@ -758,7 +1200,7 @@
           <a:p>
             <a:fld id="{D7255102-6478-444A-A334-5416F04ED077}" type="datetimeFigureOut">
               <a:rPr lang="en-US" smtClean="0"/>
-              <a:t>8/3/2022</a:t>
+              <a:t>8/12/2022</a:t>
             </a:fld>
             <a:endParaRPr lang="en-US"/>
           </a:p>
@@ -809,7 +1251,7 @@
     </p:spTree>
     <p:extLst>
       <p:ext uri="{BB962C8B-B14F-4D97-AF65-F5344CB8AC3E}">
-        <p14:creationId xmlns:p14="http://schemas.microsoft.com/office/powerpoint/2010/main" val="3753896525"/>
+        <p14:creationId xmlns:p14="http://schemas.microsoft.com/office/powerpoint/2010/main" val="4148012698"/>
       </p:ext>
     </p:extLst>
   </p:cSld>
@@ -848,15 +1290,15 @@
         </p:nvSpPr>
         <p:spPr>
           <a:xfrm>
-            <a:off x="374333" y="569913"/>
-            <a:ext cx="4732020" cy="950912"/>
+            <a:off x="374333" y="911861"/>
+            <a:ext cx="4732020" cy="1521460"/>
           </a:xfrm>
         </p:spPr>
         <p:txBody>
           <a:bodyPr anchor="b"/>
           <a:lstStyle>
             <a:lvl1pPr>
-              <a:defRPr sz="2000"/>
+              <a:defRPr sz="3200"/>
             </a:lvl1pPr>
           </a:lstStyle>
           <a:p>
@@ -880,8 +1322,8 @@
         </p:nvSpPr>
         <p:spPr>
           <a:xfrm>
-            <a:off x="374333" y="1529821"/>
-            <a:ext cx="4732020" cy="500062"/>
+            <a:off x="374333" y="2447714"/>
+            <a:ext cx="4732020" cy="800100"/>
           </a:xfrm>
         </p:spPr>
         <p:txBody>
@@ -889,17 +1331,15 @@
           <a:lstStyle>
             <a:lvl1pPr marL="0" indent="0">
               <a:buNone/>
-              <a:defRPr sz="800">
+              <a:defRPr sz="1280">
                 <a:solidFill>
-                  <a:schemeClr val="tx1">
-                    <a:tint val="75000"/>
-                  </a:schemeClr>
+                  <a:schemeClr val="tx1"/>
                 </a:solidFill>
               </a:defRPr>
             </a:lvl1pPr>
-            <a:lvl2pPr marL="152385" indent="0">
-              <a:buNone/>
-              <a:defRPr sz="667">
+            <a:lvl2pPr marL="243825" indent="0">
+              <a:buNone/>
+              <a:defRPr sz="1067">
                 <a:solidFill>
                   <a:schemeClr val="tx1">
                     <a:tint val="75000"/>
@@ -907,9 +1347,9 @@
                 </a:solidFill>
               </a:defRPr>
             </a:lvl2pPr>
-            <a:lvl3pPr marL="304770" indent="0">
-              <a:buNone/>
-              <a:defRPr sz="600">
+            <a:lvl3pPr marL="487650" indent="0">
+              <a:buNone/>
+              <a:defRPr sz="960">
                 <a:solidFill>
                   <a:schemeClr val="tx1">
                     <a:tint val="75000"/>
@@ -917,9 +1357,9 @@
                 </a:solidFill>
               </a:defRPr>
             </a:lvl3pPr>
-            <a:lvl4pPr marL="457154" indent="0">
-              <a:buNone/>
-              <a:defRPr sz="533">
+            <a:lvl4pPr marL="731474" indent="0">
+              <a:buNone/>
+              <a:defRPr sz="853">
                 <a:solidFill>
                   <a:schemeClr val="tx1">
                     <a:tint val="75000"/>
@@ -927,9 +1367,9 @@
                 </a:solidFill>
               </a:defRPr>
             </a:lvl4pPr>
-            <a:lvl5pPr marL="609539" indent="0">
-              <a:buNone/>
-              <a:defRPr sz="533">
+            <a:lvl5pPr marL="975299" indent="0">
+              <a:buNone/>
+              <a:defRPr sz="853">
                 <a:solidFill>
                   <a:schemeClr val="tx1">
                     <a:tint val="75000"/>
@@ -937,9 +1377,9 @@
                 </a:solidFill>
               </a:defRPr>
             </a:lvl5pPr>
-            <a:lvl6pPr marL="761924" indent="0">
-              <a:buNone/>
-              <a:defRPr sz="533">
+            <a:lvl6pPr marL="1219124" indent="0">
+              <a:buNone/>
+              <a:defRPr sz="853">
                 <a:solidFill>
                   <a:schemeClr val="tx1">
                     <a:tint val="75000"/>
@@ -947,9 +1387,9 @@
                 </a:solidFill>
               </a:defRPr>
             </a:lvl6pPr>
-            <a:lvl7pPr marL="914309" indent="0">
-              <a:buNone/>
-              <a:defRPr sz="533">
+            <a:lvl7pPr marL="1462949" indent="0">
+              <a:buNone/>
+              <a:defRPr sz="853">
                 <a:solidFill>
                   <a:schemeClr val="tx1">
                     <a:tint val="75000"/>
@@ -957,9 +1397,9 @@
                 </a:solidFill>
               </a:defRPr>
             </a:lvl7pPr>
-            <a:lvl8pPr marL="1066693" indent="0">
-              <a:buNone/>
-              <a:defRPr sz="533">
+            <a:lvl8pPr marL="1706773" indent="0">
+              <a:buNone/>
+              <a:defRPr sz="853">
                 <a:solidFill>
                   <a:schemeClr val="tx1">
                     <a:tint val="75000"/>
@@ -967,9 +1407,9 @@
                 </a:solidFill>
               </a:defRPr>
             </a:lvl8pPr>
-            <a:lvl9pPr marL="1219078" indent="0">
-              <a:buNone/>
-              <a:defRPr sz="533">
+            <a:lvl9pPr marL="1950598" indent="0">
+              <a:buNone/>
+              <a:defRPr sz="853">
                 <a:solidFill>
                   <a:schemeClr val="tx1">
                     <a:tint val="75000"/>
@@ -1004,7 +1444,7 @@
           <a:p>
             <a:fld id="{D7255102-6478-444A-A334-5416F04ED077}" type="datetimeFigureOut">
               <a:rPr lang="en-US" smtClean="0"/>
-              <a:t>8/3/2022</a:t>
+              <a:t>8/12/2022</a:t>
             </a:fld>
             <a:endParaRPr lang="en-US"/>
           </a:p>
@@ -1055,7 +1495,7 @@
     </p:spTree>
     <p:extLst>
       <p:ext uri="{BB962C8B-B14F-4D97-AF65-F5344CB8AC3E}">
-        <p14:creationId xmlns:p14="http://schemas.microsoft.com/office/powerpoint/2010/main" val="1832698137"/>
+        <p14:creationId xmlns:p14="http://schemas.microsoft.com/office/powerpoint/2010/main" val="2835441286"/>
       </p:ext>
     </p:extLst>
   </p:cSld>
@@ -1117,8 +1557,8 @@
         </p:nvSpPr>
         <p:spPr>
           <a:xfrm>
-            <a:off x="377190" y="608542"/>
-            <a:ext cx="2331720" cy="1450446"/>
+            <a:off x="377190" y="973666"/>
+            <a:ext cx="2331720" cy="2320714"/>
           </a:xfrm>
         </p:spPr>
         <p:txBody>
@@ -1174,8 +1614,8 @@
         </p:nvSpPr>
         <p:spPr>
           <a:xfrm>
-            <a:off x="2777490" y="608542"/>
-            <a:ext cx="2331720" cy="1450446"/>
+            <a:off x="2777490" y="973666"/>
+            <a:ext cx="2331720" cy="2320714"/>
           </a:xfrm>
         </p:spPr>
         <p:txBody>
@@ -1236,7 +1676,7 @@
           <a:p>
             <a:fld id="{D7255102-6478-444A-A334-5416F04ED077}" type="datetimeFigureOut">
               <a:rPr lang="en-US" smtClean="0"/>
-              <a:t>8/3/2022</a:t>
+              <a:t>8/12/2022</a:t>
             </a:fld>
             <a:endParaRPr lang="en-US"/>
           </a:p>
@@ -1287,7 +1727,7 @@
     </p:spTree>
     <p:extLst>
       <p:ext uri="{BB962C8B-B14F-4D97-AF65-F5344CB8AC3E}">
-        <p14:creationId xmlns:p14="http://schemas.microsoft.com/office/powerpoint/2010/main" val="1777334565"/>
+        <p14:creationId xmlns:p14="http://schemas.microsoft.com/office/powerpoint/2010/main" val="1196879544"/>
       </p:ext>
     </p:extLst>
   </p:cSld>
@@ -1326,8 +1766,8 @@
         </p:nvSpPr>
         <p:spPr>
           <a:xfrm>
-            <a:off x="377905" y="121709"/>
-            <a:ext cx="4732020" cy="441854"/>
+            <a:off x="377905" y="194734"/>
+            <a:ext cx="4732020" cy="706967"/>
           </a:xfrm>
         </p:spPr>
         <p:txBody>
@@ -1354,8 +1794,8 @@
         </p:nvSpPr>
         <p:spPr>
           <a:xfrm>
-            <a:off x="377905" y="560388"/>
-            <a:ext cx="2321004" cy="274637"/>
+            <a:off x="377905" y="896620"/>
+            <a:ext cx="2321004" cy="439420"/>
           </a:xfrm>
         </p:spPr>
         <p:txBody>
@@ -1363,39 +1803,39 @@
           <a:lstStyle>
             <a:lvl1pPr marL="0" indent="0">
               <a:buNone/>
-              <a:defRPr sz="800" b="1"/>
+              <a:defRPr sz="1280" b="1"/>
             </a:lvl1pPr>
-            <a:lvl2pPr marL="152385" indent="0">
-              <a:buNone/>
-              <a:defRPr sz="667" b="1"/>
+            <a:lvl2pPr marL="243825" indent="0">
+              <a:buNone/>
+              <a:defRPr sz="1067" b="1"/>
             </a:lvl2pPr>
-            <a:lvl3pPr marL="304770" indent="0">
-              <a:buNone/>
-              <a:defRPr sz="600" b="1"/>
+            <a:lvl3pPr marL="487650" indent="0">
+              <a:buNone/>
+              <a:defRPr sz="960" b="1"/>
             </a:lvl3pPr>
-            <a:lvl4pPr marL="457154" indent="0">
-              <a:buNone/>
-              <a:defRPr sz="533" b="1"/>
+            <a:lvl4pPr marL="731474" indent="0">
+              <a:buNone/>
+              <a:defRPr sz="853" b="1"/>
             </a:lvl4pPr>
-            <a:lvl5pPr marL="609539" indent="0">
-              <a:buNone/>
-              <a:defRPr sz="533" b="1"/>
+            <a:lvl5pPr marL="975299" indent="0">
+              <a:buNone/>
+              <a:defRPr sz="853" b="1"/>
             </a:lvl5pPr>
-            <a:lvl6pPr marL="761924" indent="0">
-              <a:buNone/>
-              <a:defRPr sz="533" b="1"/>
+            <a:lvl6pPr marL="1219124" indent="0">
+              <a:buNone/>
+              <a:defRPr sz="853" b="1"/>
             </a:lvl6pPr>
-            <a:lvl7pPr marL="914309" indent="0">
-              <a:buNone/>
-              <a:defRPr sz="533" b="1"/>
+            <a:lvl7pPr marL="1462949" indent="0">
+              <a:buNone/>
+              <a:defRPr sz="853" b="1"/>
             </a:lvl7pPr>
-            <a:lvl8pPr marL="1066693" indent="0">
-              <a:buNone/>
-              <a:defRPr sz="533" b="1"/>
+            <a:lvl8pPr marL="1706773" indent="0">
+              <a:buNone/>
+              <a:defRPr sz="853" b="1"/>
             </a:lvl8pPr>
-            <a:lvl9pPr marL="1219078" indent="0">
-              <a:buNone/>
-              <a:defRPr sz="533" b="1"/>
+            <a:lvl9pPr marL="1950598" indent="0">
+              <a:buNone/>
+              <a:defRPr sz="853" b="1"/>
             </a:lvl9pPr>
           </a:lstStyle>
           <a:p>
@@ -1419,8 +1859,8 @@
         </p:nvSpPr>
         <p:spPr>
           <a:xfrm>
-            <a:off x="377905" y="835025"/>
-            <a:ext cx="2321004" cy="1228196"/>
+            <a:off x="377905" y="1336040"/>
+            <a:ext cx="2321004" cy="1965114"/>
           </a:xfrm>
         </p:spPr>
         <p:txBody>
@@ -1476,8 +1916,8 @@
         </p:nvSpPr>
         <p:spPr>
           <a:xfrm>
-            <a:off x="2777490" y="560388"/>
-            <a:ext cx="2332435" cy="274637"/>
+            <a:off x="2777490" y="896620"/>
+            <a:ext cx="2332435" cy="439420"/>
           </a:xfrm>
         </p:spPr>
         <p:txBody>
@@ -1485,39 +1925,39 @@
           <a:lstStyle>
             <a:lvl1pPr marL="0" indent="0">
               <a:buNone/>
-              <a:defRPr sz="800" b="1"/>
+              <a:defRPr sz="1280" b="1"/>
             </a:lvl1pPr>
-            <a:lvl2pPr marL="152385" indent="0">
-              <a:buNone/>
-              <a:defRPr sz="667" b="1"/>
+            <a:lvl2pPr marL="243825" indent="0">
+              <a:buNone/>
+              <a:defRPr sz="1067" b="1"/>
             </a:lvl2pPr>
-            <a:lvl3pPr marL="304770" indent="0">
-              <a:buNone/>
-              <a:defRPr sz="600" b="1"/>
+            <a:lvl3pPr marL="487650" indent="0">
+              <a:buNone/>
+              <a:defRPr sz="960" b="1"/>
             </a:lvl3pPr>
-            <a:lvl4pPr marL="457154" indent="0">
-              <a:buNone/>
-              <a:defRPr sz="533" b="1"/>
+            <a:lvl4pPr marL="731474" indent="0">
+              <a:buNone/>
+              <a:defRPr sz="853" b="1"/>
             </a:lvl4pPr>
-            <a:lvl5pPr marL="609539" indent="0">
-              <a:buNone/>
-              <a:defRPr sz="533" b="1"/>
+            <a:lvl5pPr marL="975299" indent="0">
+              <a:buNone/>
+              <a:defRPr sz="853" b="1"/>
             </a:lvl5pPr>
-            <a:lvl6pPr marL="761924" indent="0">
-              <a:buNone/>
-              <a:defRPr sz="533" b="1"/>
+            <a:lvl6pPr marL="1219124" indent="0">
+              <a:buNone/>
+              <a:defRPr sz="853" b="1"/>
             </a:lvl6pPr>
-            <a:lvl7pPr marL="914309" indent="0">
-              <a:buNone/>
-              <a:defRPr sz="533" b="1"/>
+            <a:lvl7pPr marL="1462949" indent="0">
+              <a:buNone/>
+              <a:defRPr sz="853" b="1"/>
             </a:lvl7pPr>
-            <a:lvl8pPr marL="1066693" indent="0">
-              <a:buNone/>
-              <a:defRPr sz="533" b="1"/>
+            <a:lvl8pPr marL="1706773" indent="0">
+              <a:buNone/>
+              <a:defRPr sz="853" b="1"/>
             </a:lvl8pPr>
-            <a:lvl9pPr marL="1219078" indent="0">
-              <a:buNone/>
-              <a:defRPr sz="533" b="1"/>
+            <a:lvl9pPr marL="1950598" indent="0">
+              <a:buNone/>
+              <a:defRPr sz="853" b="1"/>
             </a:lvl9pPr>
           </a:lstStyle>
           <a:p>
@@ -1541,8 +1981,8 @@
         </p:nvSpPr>
         <p:spPr>
           <a:xfrm>
-            <a:off x="2777490" y="835025"/>
-            <a:ext cx="2332435" cy="1228196"/>
+            <a:off x="2777490" y="1336040"/>
+            <a:ext cx="2332435" cy="1965114"/>
           </a:xfrm>
         </p:spPr>
         <p:txBody>
@@ -1603,7 +2043,7 @@
           <a:p>
             <a:fld id="{D7255102-6478-444A-A334-5416F04ED077}" type="datetimeFigureOut">
               <a:rPr lang="en-US" smtClean="0"/>
-              <a:t>8/3/2022</a:t>
+              <a:t>8/12/2022</a:t>
             </a:fld>
             <a:endParaRPr lang="en-US"/>
           </a:p>
@@ -1654,7 +2094,7 @@
     </p:spTree>
     <p:extLst>
       <p:ext uri="{BB962C8B-B14F-4D97-AF65-F5344CB8AC3E}">
-        <p14:creationId xmlns:p14="http://schemas.microsoft.com/office/powerpoint/2010/main" val="458336276"/>
+        <p14:creationId xmlns:p14="http://schemas.microsoft.com/office/powerpoint/2010/main" val="266385019"/>
       </p:ext>
     </p:extLst>
   </p:cSld>
@@ -1721,7 +2161,7 @@
           <a:p>
             <a:fld id="{D7255102-6478-444A-A334-5416F04ED077}" type="datetimeFigureOut">
               <a:rPr lang="en-US" smtClean="0"/>
-              <a:t>8/3/2022</a:t>
+              <a:t>8/12/2022</a:t>
             </a:fld>
             <a:endParaRPr lang="en-US"/>
           </a:p>
@@ -1772,7 +2212,7 @@
     </p:spTree>
     <p:extLst>
       <p:ext uri="{BB962C8B-B14F-4D97-AF65-F5344CB8AC3E}">
-        <p14:creationId xmlns:p14="http://schemas.microsoft.com/office/powerpoint/2010/main" val="943739472"/>
+        <p14:creationId xmlns:p14="http://schemas.microsoft.com/office/powerpoint/2010/main" val="2254481739"/>
       </p:ext>
     </p:extLst>
   </p:cSld>
@@ -1816,7 +2256,7 @@
           <a:p>
             <a:fld id="{D7255102-6478-444A-A334-5416F04ED077}" type="datetimeFigureOut">
               <a:rPr lang="en-US" smtClean="0"/>
-              <a:t>8/3/2022</a:t>
+              <a:t>8/12/2022</a:t>
             </a:fld>
             <a:endParaRPr lang="en-US"/>
           </a:p>
@@ -1867,7 +2307,7 @@
     </p:spTree>
     <p:extLst>
       <p:ext uri="{BB962C8B-B14F-4D97-AF65-F5344CB8AC3E}">
-        <p14:creationId xmlns:p14="http://schemas.microsoft.com/office/powerpoint/2010/main" val="157250234"/>
+        <p14:creationId xmlns:p14="http://schemas.microsoft.com/office/powerpoint/2010/main" val="2780789717"/>
       </p:ext>
     </p:extLst>
   </p:cSld>
@@ -1906,15 +2346,15 @@
         </p:nvSpPr>
         <p:spPr>
           <a:xfrm>
-            <a:off x="377905" y="152400"/>
-            <a:ext cx="1769507" cy="533400"/>
+            <a:off x="377905" y="243840"/>
+            <a:ext cx="1769507" cy="853440"/>
           </a:xfrm>
         </p:spPr>
         <p:txBody>
           <a:bodyPr anchor="b"/>
           <a:lstStyle>
             <a:lvl1pPr>
-              <a:defRPr sz="1067"/>
+              <a:defRPr sz="1707"/>
             </a:lvl1pPr>
           </a:lstStyle>
           <a:p>
@@ -1938,39 +2378,39 @@
         </p:nvSpPr>
         <p:spPr>
           <a:xfrm>
-            <a:off x="2332435" y="329142"/>
-            <a:ext cx="2777490" cy="1624542"/>
+            <a:off x="2332435" y="526627"/>
+            <a:ext cx="2777490" cy="2599267"/>
           </a:xfrm>
         </p:spPr>
         <p:txBody>
           <a:bodyPr/>
           <a:lstStyle>
             <a:lvl1pPr>
-              <a:defRPr sz="1067"/>
+              <a:defRPr sz="1707"/>
             </a:lvl1pPr>
             <a:lvl2pPr>
-              <a:defRPr sz="933"/>
+              <a:defRPr sz="1493"/>
             </a:lvl2pPr>
             <a:lvl3pPr>
-              <a:defRPr sz="800"/>
+              <a:defRPr sz="1280"/>
             </a:lvl3pPr>
             <a:lvl4pPr>
-              <a:defRPr sz="667"/>
+              <a:defRPr sz="1067"/>
             </a:lvl4pPr>
             <a:lvl5pPr>
-              <a:defRPr sz="667"/>
+              <a:defRPr sz="1067"/>
             </a:lvl5pPr>
             <a:lvl6pPr>
-              <a:defRPr sz="667"/>
+              <a:defRPr sz="1067"/>
             </a:lvl6pPr>
             <a:lvl7pPr>
-              <a:defRPr sz="667"/>
+              <a:defRPr sz="1067"/>
             </a:lvl7pPr>
             <a:lvl8pPr>
-              <a:defRPr sz="667"/>
+              <a:defRPr sz="1067"/>
             </a:lvl8pPr>
             <a:lvl9pPr>
-              <a:defRPr sz="667"/>
+              <a:defRPr sz="1067"/>
             </a:lvl9pPr>
           </a:lstStyle>
           <a:p>
@@ -2023,8 +2463,8 @@
         </p:nvSpPr>
         <p:spPr>
           <a:xfrm>
-            <a:off x="377905" y="685800"/>
-            <a:ext cx="1769507" cy="1270529"/>
+            <a:off x="377905" y="1097280"/>
+            <a:ext cx="1769507" cy="2032847"/>
           </a:xfrm>
         </p:spPr>
         <p:txBody>
@@ -2032,39 +2472,39 @@
           <a:lstStyle>
             <a:lvl1pPr marL="0" indent="0">
               <a:buNone/>
+              <a:defRPr sz="853"/>
+            </a:lvl1pPr>
+            <a:lvl2pPr marL="243825" indent="0">
+              <a:buNone/>
+              <a:defRPr sz="747"/>
+            </a:lvl2pPr>
+            <a:lvl3pPr marL="487650" indent="0">
+              <a:buNone/>
+              <a:defRPr sz="640"/>
+            </a:lvl3pPr>
+            <a:lvl4pPr marL="731474" indent="0">
+              <a:buNone/>
               <a:defRPr sz="533"/>
-            </a:lvl1pPr>
-            <a:lvl2pPr marL="152385" indent="0">
-              <a:buNone/>
-              <a:defRPr sz="467"/>
-            </a:lvl2pPr>
-            <a:lvl3pPr marL="304770" indent="0">
-              <a:buNone/>
-              <a:defRPr sz="400"/>
-            </a:lvl3pPr>
-            <a:lvl4pPr marL="457154" indent="0">
-              <a:buNone/>
-              <a:defRPr sz="333"/>
             </a:lvl4pPr>
-            <a:lvl5pPr marL="609539" indent="0">
-              <a:buNone/>
-              <a:defRPr sz="333"/>
+            <a:lvl5pPr marL="975299" indent="0">
+              <a:buNone/>
+              <a:defRPr sz="533"/>
             </a:lvl5pPr>
-            <a:lvl6pPr marL="761924" indent="0">
-              <a:buNone/>
-              <a:defRPr sz="333"/>
+            <a:lvl6pPr marL="1219124" indent="0">
+              <a:buNone/>
+              <a:defRPr sz="533"/>
             </a:lvl6pPr>
-            <a:lvl7pPr marL="914309" indent="0">
-              <a:buNone/>
-              <a:defRPr sz="333"/>
+            <a:lvl7pPr marL="1462949" indent="0">
+              <a:buNone/>
+              <a:defRPr sz="533"/>
             </a:lvl7pPr>
-            <a:lvl8pPr marL="1066693" indent="0">
-              <a:buNone/>
-              <a:defRPr sz="333"/>
+            <a:lvl8pPr marL="1706773" indent="0">
+              <a:buNone/>
+              <a:defRPr sz="533"/>
             </a:lvl8pPr>
-            <a:lvl9pPr marL="1219078" indent="0">
-              <a:buNone/>
-              <a:defRPr sz="333"/>
+            <a:lvl9pPr marL="1950598" indent="0">
+              <a:buNone/>
+              <a:defRPr sz="533"/>
             </a:lvl9pPr>
           </a:lstStyle>
           <a:p>
@@ -2093,7 +2533,7 @@
           <a:p>
             <a:fld id="{D7255102-6478-444A-A334-5416F04ED077}" type="datetimeFigureOut">
               <a:rPr lang="en-US" smtClean="0"/>
-              <a:t>8/3/2022</a:t>
+              <a:t>8/12/2022</a:t>
             </a:fld>
             <a:endParaRPr lang="en-US"/>
           </a:p>
@@ -2144,7 +2584,7 @@
     </p:spTree>
     <p:extLst>
       <p:ext uri="{BB962C8B-B14F-4D97-AF65-F5344CB8AC3E}">
-        <p14:creationId xmlns:p14="http://schemas.microsoft.com/office/powerpoint/2010/main" val="2881848878"/>
+        <p14:creationId xmlns:p14="http://schemas.microsoft.com/office/powerpoint/2010/main" val="1523419855"/>
       </p:ext>
     </p:extLst>
   </p:cSld>
@@ -2183,15 +2623,15 @@
         </p:nvSpPr>
         <p:spPr>
           <a:xfrm>
-            <a:off x="377905" y="152400"/>
-            <a:ext cx="1769507" cy="533400"/>
+            <a:off x="377905" y="243840"/>
+            <a:ext cx="1769507" cy="853440"/>
           </a:xfrm>
         </p:spPr>
         <p:txBody>
           <a:bodyPr anchor="b"/>
           <a:lstStyle>
             <a:lvl1pPr>
-              <a:defRPr sz="1067"/>
+              <a:defRPr sz="1707"/>
             </a:lvl1pPr>
           </a:lstStyle>
           <a:p>
@@ -2215,8 +2655,8 @@
         </p:nvSpPr>
         <p:spPr>
           <a:xfrm>
-            <a:off x="2332435" y="329142"/>
-            <a:ext cx="2777490" cy="1624542"/>
+            <a:off x="2332435" y="526627"/>
+            <a:ext cx="2777490" cy="2599267"/>
           </a:xfrm>
         </p:spPr>
         <p:txBody>
@@ -2224,39 +2664,39 @@
           <a:lstStyle>
             <a:lvl1pPr marL="0" indent="0">
               <a:buNone/>
+              <a:defRPr sz="1707"/>
+            </a:lvl1pPr>
+            <a:lvl2pPr marL="243825" indent="0">
+              <a:buNone/>
+              <a:defRPr sz="1493"/>
+            </a:lvl2pPr>
+            <a:lvl3pPr marL="487650" indent="0">
+              <a:buNone/>
+              <a:defRPr sz="1280"/>
+            </a:lvl3pPr>
+            <a:lvl4pPr marL="731474" indent="0">
+              <a:buNone/>
               <a:defRPr sz="1067"/>
-            </a:lvl1pPr>
-            <a:lvl2pPr marL="152385" indent="0">
-              <a:buNone/>
-              <a:defRPr sz="933"/>
-            </a:lvl2pPr>
-            <a:lvl3pPr marL="304770" indent="0">
-              <a:buNone/>
-              <a:defRPr sz="800"/>
-            </a:lvl3pPr>
-            <a:lvl4pPr marL="457154" indent="0">
-              <a:buNone/>
-              <a:defRPr sz="667"/>
             </a:lvl4pPr>
-            <a:lvl5pPr marL="609539" indent="0">
-              <a:buNone/>
-              <a:defRPr sz="667"/>
+            <a:lvl5pPr marL="975299" indent="0">
+              <a:buNone/>
+              <a:defRPr sz="1067"/>
             </a:lvl5pPr>
-            <a:lvl6pPr marL="761924" indent="0">
-              <a:buNone/>
-              <a:defRPr sz="667"/>
+            <a:lvl6pPr marL="1219124" indent="0">
+              <a:buNone/>
+              <a:defRPr sz="1067"/>
             </a:lvl6pPr>
-            <a:lvl7pPr marL="914309" indent="0">
-              <a:buNone/>
-              <a:defRPr sz="667"/>
+            <a:lvl7pPr marL="1462949" indent="0">
+              <a:buNone/>
+              <a:defRPr sz="1067"/>
             </a:lvl7pPr>
-            <a:lvl8pPr marL="1066693" indent="0">
-              <a:buNone/>
-              <a:defRPr sz="667"/>
+            <a:lvl8pPr marL="1706773" indent="0">
+              <a:buNone/>
+              <a:defRPr sz="1067"/>
             </a:lvl8pPr>
-            <a:lvl9pPr marL="1219078" indent="0">
-              <a:buNone/>
-              <a:defRPr sz="667"/>
+            <a:lvl9pPr marL="1950598" indent="0">
+              <a:buNone/>
+              <a:defRPr sz="1067"/>
             </a:lvl9pPr>
           </a:lstStyle>
           <a:p>
@@ -2280,8 +2720,8 @@
         </p:nvSpPr>
         <p:spPr>
           <a:xfrm>
-            <a:off x="377905" y="685800"/>
-            <a:ext cx="1769507" cy="1270529"/>
+            <a:off x="377905" y="1097280"/>
+            <a:ext cx="1769507" cy="2032847"/>
           </a:xfrm>
         </p:spPr>
         <p:txBody>
@@ -2289,39 +2729,39 @@
           <a:lstStyle>
             <a:lvl1pPr marL="0" indent="0">
               <a:buNone/>
+              <a:defRPr sz="853"/>
+            </a:lvl1pPr>
+            <a:lvl2pPr marL="243825" indent="0">
+              <a:buNone/>
+              <a:defRPr sz="747"/>
+            </a:lvl2pPr>
+            <a:lvl3pPr marL="487650" indent="0">
+              <a:buNone/>
+              <a:defRPr sz="640"/>
+            </a:lvl3pPr>
+            <a:lvl4pPr marL="731474" indent="0">
+              <a:buNone/>
               <a:defRPr sz="533"/>
-            </a:lvl1pPr>
-            <a:lvl2pPr marL="152385" indent="0">
-              <a:buNone/>
-              <a:defRPr sz="467"/>
-            </a:lvl2pPr>
-            <a:lvl3pPr marL="304770" indent="0">
-              <a:buNone/>
-              <a:defRPr sz="400"/>
-            </a:lvl3pPr>
-            <a:lvl4pPr marL="457154" indent="0">
-              <a:buNone/>
-              <a:defRPr sz="333"/>
             </a:lvl4pPr>
-            <a:lvl5pPr marL="609539" indent="0">
-              <a:buNone/>
-              <a:defRPr sz="333"/>
+            <a:lvl5pPr marL="975299" indent="0">
+              <a:buNone/>
+              <a:defRPr sz="533"/>
             </a:lvl5pPr>
-            <a:lvl6pPr marL="761924" indent="0">
-              <a:buNone/>
-              <a:defRPr sz="333"/>
+            <a:lvl6pPr marL="1219124" indent="0">
+              <a:buNone/>
+              <a:defRPr sz="533"/>
             </a:lvl6pPr>
-            <a:lvl7pPr marL="914309" indent="0">
-              <a:buNone/>
-              <a:defRPr sz="333"/>
+            <a:lvl7pPr marL="1462949" indent="0">
+              <a:buNone/>
+              <a:defRPr sz="533"/>
             </a:lvl7pPr>
-            <a:lvl8pPr marL="1066693" indent="0">
-              <a:buNone/>
-              <a:defRPr sz="333"/>
+            <a:lvl8pPr marL="1706773" indent="0">
+              <a:buNone/>
+              <a:defRPr sz="533"/>
             </a:lvl8pPr>
-            <a:lvl9pPr marL="1219078" indent="0">
-              <a:buNone/>
-              <a:defRPr sz="333"/>
+            <a:lvl9pPr marL="1950598" indent="0">
+              <a:buNone/>
+              <a:defRPr sz="533"/>
             </a:lvl9pPr>
           </a:lstStyle>
           <a:p>
@@ -2350,7 +2790,7 @@
           <a:p>
             <a:fld id="{D7255102-6478-444A-A334-5416F04ED077}" type="datetimeFigureOut">
               <a:rPr lang="en-US" smtClean="0"/>
-              <a:t>8/3/2022</a:t>
+              <a:t>8/12/2022</a:t>
             </a:fld>
             <a:endParaRPr lang="en-US"/>
           </a:p>
@@ -2401,7 +2841,7 @@
     </p:spTree>
     <p:extLst>
       <p:ext uri="{BB962C8B-B14F-4D97-AF65-F5344CB8AC3E}">
-        <p14:creationId xmlns:p14="http://schemas.microsoft.com/office/powerpoint/2010/main" val="1462875958"/>
+        <p14:creationId xmlns:p14="http://schemas.microsoft.com/office/powerpoint/2010/main" val="3501908405"/>
       </p:ext>
     </p:extLst>
   </p:cSld>
@@ -2445,8 +2885,8 @@
         </p:nvSpPr>
         <p:spPr>
           <a:xfrm>
-            <a:off x="377190" y="121709"/>
-            <a:ext cx="4732020" cy="441854"/>
+            <a:off x="377190" y="194734"/>
+            <a:ext cx="4732020" cy="706967"/>
           </a:xfrm>
           <a:prstGeom prst="rect">
             <a:avLst/>
@@ -2478,8 +2918,8 @@
         </p:nvSpPr>
         <p:spPr>
           <a:xfrm>
-            <a:off x="377190" y="608542"/>
-            <a:ext cx="4732020" cy="1450446"/>
+            <a:off x="377190" y="973666"/>
+            <a:ext cx="4732020" cy="2320714"/>
           </a:xfrm>
           <a:prstGeom prst="rect">
             <a:avLst/>
@@ -2540,8 +2980,8 @@
         </p:nvSpPr>
         <p:spPr>
           <a:xfrm>
-            <a:off x="377190" y="2118784"/>
-            <a:ext cx="1234440" cy="121708"/>
+            <a:off x="377190" y="3390054"/>
+            <a:ext cx="1234440" cy="194733"/>
           </a:xfrm>
           <a:prstGeom prst="rect">
             <a:avLst/>
@@ -2551,7 +2991,7 @@
           <a:bodyPr vert="horz" lIns="91440" tIns="45720" rIns="91440" bIns="45720" rtlCol="0" anchor="ctr"/>
           <a:lstStyle>
             <a:lvl1pPr algn="l">
-              <a:defRPr sz="400">
+              <a:defRPr sz="640">
                 <a:solidFill>
                   <a:schemeClr val="tx1">
                     <a:tint val="75000"/>
@@ -2563,7 +3003,7 @@
           <a:p>
             <a:fld id="{D7255102-6478-444A-A334-5416F04ED077}" type="datetimeFigureOut">
               <a:rPr lang="en-US" smtClean="0"/>
-              <a:t>8/3/2022</a:t>
+              <a:t>8/12/2022</a:t>
             </a:fld>
             <a:endParaRPr lang="en-US"/>
           </a:p>
@@ -2581,8 +3021,8 @@
         </p:nvSpPr>
         <p:spPr>
           <a:xfrm>
-            <a:off x="1817370" y="2118784"/>
-            <a:ext cx="1851660" cy="121708"/>
+            <a:off x="1817370" y="3390054"/>
+            <a:ext cx="1851660" cy="194733"/>
           </a:xfrm>
           <a:prstGeom prst="rect">
             <a:avLst/>
@@ -2592,7 +3032,7 @@
           <a:bodyPr vert="horz" lIns="91440" tIns="45720" rIns="91440" bIns="45720" rtlCol="0" anchor="ctr"/>
           <a:lstStyle>
             <a:lvl1pPr algn="ctr">
-              <a:defRPr sz="400">
+              <a:defRPr sz="640">
                 <a:solidFill>
                   <a:schemeClr val="tx1">
                     <a:tint val="75000"/>
@@ -2618,8 +3058,8 @@
         </p:nvSpPr>
         <p:spPr>
           <a:xfrm>
-            <a:off x="3874770" y="2118784"/>
-            <a:ext cx="1234440" cy="121708"/>
+            <a:off x="3874770" y="3390054"/>
+            <a:ext cx="1234440" cy="194733"/>
           </a:xfrm>
           <a:prstGeom prst="rect">
             <a:avLst/>
@@ -2629,7 +3069,7 @@
           <a:bodyPr vert="horz" lIns="91440" tIns="45720" rIns="91440" bIns="45720" rtlCol="0" anchor="ctr"/>
           <a:lstStyle>
             <a:lvl1pPr algn="r">
-              <a:defRPr sz="400">
+              <a:defRPr sz="640">
                 <a:solidFill>
                   <a:schemeClr val="tx1">
                     <a:tint val="75000"/>
@@ -2650,27 +3090,27 @@
     </p:spTree>
     <p:extLst>
       <p:ext uri="{BB962C8B-B14F-4D97-AF65-F5344CB8AC3E}">
-        <p14:creationId xmlns:p14="http://schemas.microsoft.com/office/powerpoint/2010/main" val="3752282364"/>
+        <p14:creationId xmlns:p14="http://schemas.microsoft.com/office/powerpoint/2010/main" val="3703962665"/>
       </p:ext>
     </p:extLst>
   </p:cSld>
   <p:clrMap bg1="lt1" tx1="dk1" bg2="lt2" tx2="dk2" accent1="accent1" accent2="accent2" accent3="accent3" accent4="accent4" accent5="accent5" accent6="accent6" hlink="hlink" folHlink="folHlink"/>
   <p:sldLayoutIdLst>
-    <p:sldLayoutId id="2147483721" r:id="rId1"/>
-    <p:sldLayoutId id="2147483722" r:id="rId2"/>
-    <p:sldLayoutId id="2147483723" r:id="rId3"/>
-    <p:sldLayoutId id="2147483724" r:id="rId4"/>
-    <p:sldLayoutId id="2147483725" r:id="rId5"/>
-    <p:sldLayoutId id="2147483726" r:id="rId6"/>
-    <p:sldLayoutId id="2147483727" r:id="rId7"/>
-    <p:sldLayoutId id="2147483728" r:id="rId8"/>
-    <p:sldLayoutId id="2147483729" r:id="rId9"/>
-    <p:sldLayoutId id="2147483730" r:id="rId10"/>
-    <p:sldLayoutId id="2147483731" r:id="rId11"/>
+    <p:sldLayoutId id="2147483733" r:id="rId1"/>
+    <p:sldLayoutId id="2147483734" r:id="rId2"/>
+    <p:sldLayoutId id="2147483735" r:id="rId3"/>
+    <p:sldLayoutId id="2147483736" r:id="rId4"/>
+    <p:sldLayoutId id="2147483737" r:id="rId5"/>
+    <p:sldLayoutId id="2147483738" r:id="rId6"/>
+    <p:sldLayoutId id="2147483739" r:id="rId7"/>
+    <p:sldLayoutId id="2147483740" r:id="rId8"/>
+    <p:sldLayoutId id="2147483741" r:id="rId9"/>
+    <p:sldLayoutId id="2147483742" r:id="rId10"/>
+    <p:sldLayoutId id="2147483743" r:id="rId11"/>
   </p:sldLayoutIdLst>
   <p:txStyles>
     <p:titleStyle>
-      <a:lvl1pPr algn="l" defTabSz="304770" rtl="0" eaLnBrk="1" latinLnBrk="0" hangingPunct="1">
+      <a:lvl1pPr algn="l" defTabSz="487650" rtl="0" eaLnBrk="1" latinLnBrk="0" hangingPunct="1">
         <a:lnSpc>
           <a:spcPct val="90000"/>
         </a:lnSpc>
@@ -2678,7 +3118,7 @@
           <a:spcPct val="0"/>
         </a:spcBef>
         <a:buNone/>
-        <a:defRPr sz="1467" kern="1200">
+        <a:defRPr sz="2347" kern="1200">
           <a:solidFill>
             <a:schemeClr val="tx1"/>
           </a:solidFill>
@@ -2689,16 +3129,16 @@
       </a:lvl1pPr>
     </p:titleStyle>
     <p:bodyStyle>
-      <a:lvl1pPr marL="76192" indent="-76192" algn="l" defTabSz="304770" rtl="0" eaLnBrk="1" latinLnBrk="0" hangingPunct="1">
+      <a:lvl1pPr marL="121912" indent="-121912" algn="l" defTabSz="487650" rtl="0" eaLnBrk="1" latinLnBrk="0" hangingPunct="1">
         <a:lnSpc>
           <a:spcPct val="90000"/>
         </a:lnSpc>
         <a:spcBef>
-          <a:spcPts val="333"/>
+          <a:spcPts val="533"/>
         </a:spcBef>
         <a:buFont typeface="Arial" panose="020B0604020202020204" pitchFamily="34" charset="0"/>
         <a:buChar char="•"/>
-        <a:defRPr sz="933" kern="1200">
+        <a:defRPr sz="1493" kern="1200">
           <a:solidFill>
             <a:schemeClr val="tx1"/>
           </a:solidFill>
@@ -2707,16 +3147,16 @@
           <a:cs typeface="+mn-cs"/>
         </a:defRPr>
       </a:lvl1pPr>
-      <a:lvl2pPr marL="228577" indent="-76192" algn="l" defTabSz="304770" rtl="0" eaLnBrk="1" latinLnBrk="0" hangingPunct="1">
+      <a:lvl2pPr marL="365737" indent="-121912" algn="l" defTabSz="487650" rtl="0" eaLnBrk="1" latinLnBrk="0" hangingPunct="1">
         <a:lnSpc>
           <a:spcPct val="90000"/>
         </a:lnSpc>
         <a:spcBef>
-          <a:spcPts val="167"/>
+          <a:spcPts val="267"/>
         </a:spcBef>
         <a:buFont typeface="Arial" panose="020B0604020202020204" pitchFamily="34" charset="0"/>
         <a:buChar char="•"/>
-        <a:defRPr sz="800" kern="1200">
+        <a:defRPr sz="1280" kern="1200">
           <a:solidFill>
             <a:schemeClr val="tx1"/>
           </a:solidFill>
@@ -2725,16 +3165,16 @@
           <a:cs typeface="+mn-cs"/>
         </a:defRPr>
       </a:lvl2pPr>
-      <a:lvl3pPr marL="380962" indent="-76192" algn="l" defTabSz="304770" rtl="0" eaLnBrk="1" latinLnBrk="0" hangingPunct="1">
+      <a:lvl3pPr marL="609562" indent="-121912" algn="l" defTabSz="487650" rtl="0" eaLnBrk="1" latinLnBrk="0" hangingPunct="1">
         <a:lnSpc>
           <a:spcPct val="90000"/>
         </a:lnSpc>
         <a:spcBef>
-          <a:spcPts val="167"/>
+          <a:spcPts val="267"/>
         </a:spcBef>
         <a:buFont typeface="Arial" panose="020B0604020202020204" pitchFamily="34" charset="0"/>
         <a:buChar char="•"/>
-        <a:defRPr sz="667" kern="1200">
+        <a:defRPr sz="1067" kern="1200">
           <a:solidFill>
             <a:schemeClr val="tx1"/>
           </a:solidFill>
@@ -2743,16 +3183,16 @@
           <a:cs typeface="+mn-cs"/>
         </a:defRPr>
       </a:lvl3pPr>
-      <a:lvl4pPr marL="533347" indent="-76192" algn="l" defTabSz="304770" rtl="0" eaLnBrk="1" latinLnBrk="0" hangingPunct="1">
+      <a:lvl4pPr marL="853387" indent="-121912" algn="l" defTabSz="487650" rtl="0" eaLnBrk="1" latinLnBrk="0" hangingPunct="1">
         <a:lnSpc>
           <a:spcPct val="90000"/>
         </a:lnSpc>
         <a:spcBef>
-          <a:spcPts val="167"/>
+          <a:spcPts val="267"/>
         </a:spcBef>
         <a:buFont typeface="Arial" panose="020B0604020202020204" pitchFamily="34" charset="0"/>
         <a:buChar char="•"/>
-        <a:defRPr sz="600" kern="1200">
+        <a:defRPr sz="960" kern="1200">
           <a:solidFill>
             <a:schemeClr val="tx1"/>
           </a:solidFill>
@@ -2761,16 +3201,16 @@
           <a:cs typeface="+mn-cs"/>
         </a:defRPr>
       </a:lvl4pPr>
-      <a:lvl5pPr marL="685731" indent="-76192" algn="l" defTabSz="304770" rtl="0" eaLnBrk="1" latinLnBrk="0" hangingPunct="1">
+      <a:lvl5pPr marL="1097211" indent="-121912" algn="l" defTabSz="487650" rtl="0" eaLnBrk="1" latinLnBrk="0" hangingPunct="1">
         <a:lnSpc>
           <a:spcPct val="90000"/>
         </a:lnSpc>
         <a:spcBef>
-          <a:spcPts val="167"/>
+          <a:spcPts val="267"/>
         </a:spcBef>
         <a:buFont typeface="Arial" panose="020B0604020202020204" pitchFamily="34" charset="0"/>
         <a:buChar char="•"/>
-        <a:defRPr sz="600" kern="1200">
+        <a:defRPr sz="960" kern="1200">
           <a:solidFill>
             <a:schemeClr val="tx1"/>
           </a:solidFill>
@@ -2779,16 +3219,16 @@
           <a:cs typeface="+mn-cs"/>
         </a:defRPr>
       </a:lvl5pPr>
-      <a:lvl6pPr marL="838116" indent="-76192" algn="l" defTabSz="304770" rtl="0" eaLnBrk="1" latinLnBrk="0" hangingPunct="1">
+      <a:lvl6pPr marL="1341036" indent="-121912" algn="l" defTabSz="487650" rtl="0" eaLnBrk="1" latinLnBrk="0" hangingPunct="1">
         <a:lnSpc>
           <a:spcPct val="90000"/>
         </a:lnSpc>
         <a:spcBef>
-          <a:spcPts val="167"/>
+          <a:spcPts val="267"/>
         </a:spcBef>
         <a:buFont typeface="Arial" panose="020B0604020202020204" pitchFamily="34" charset="0"/>
         <a:buChar char="•"/>
-        <a:defRPr sz="600" kern="1200">
+        <a:defRPr sz="960" kern="1200">
           <a:solidFill>
             <a:schemeClr val="tx1"/>
           </a:solidFill>
@@ -2797,16 +3237,16 @@
           <a:cs typeface="+mn-cs"/>
         </a:defRPr>
       </a:lvl6pPr>
-      <a:lvl7pPr marL="990501" indent="-76192" algn="l" defTabSz="304770" rtl="0" eaLnBrk="1" latinLnBrk="0" hangingPunct="1">
+      <a:lvl7pPr marL="1584861" indent="-121912" algn="l" defTabSz="487650" rtl="0" eaLnBrk="1" latinLnBrk="0" hangingPunct="1">
         <a:lnSpc>
           <a:spcPct val="90000"/>
         </a:lnSpc>
         <a:spcBef>
-          <a:spcPts val="167"/>
+          <a:spcPts val="267"/>
         </a:spcBef>
         <a:buFont typeface="Arial" panose="020B0604020202020204" pitchFamily="34" charset="0"/>
         <a:buChar char="•"/>
-        <a:defRPr sz="600" kern="1200">
+        <a:defRPr sz="960" kern="1200">
           <a:solidFill>
             <a:schemeClr val="tx1"/>
           </a:solidFill>
@@ -2815,16 +3255,16 @@
           <a:cs typeface="+mn-cs"/>
         </a:defRPr>
       </a:lvl7pPr>
-      <a:lvl8pPr marL="1142886" indent="-76192" algn="l" defTabSz="304770" rtl="0" eaLnBrk="1" latinLnBrk="0" hangingPunct="1">
+      <a:lvl8pPr marL="1828686" indent="-121912" algn="l" defTabSz="487650" rtl="0" eaLnBrk="1" latinLnBrk="0" hangingPunct="1">
         <a:lnSpc>
           <a:spcPct val="90000"/>
         </a:lnSpc>
         <a:spcBef>
-          <a:spcPts val="167"/>
+          <a:spcPts val="267"/>
         </a:spcBef>
         <a:buFont typeface="Arial" panose="020B0604020202020204" pitchFamily="34" charset="0"/>
         <a:buChar char="•"/>
-        <a:defRPr sz="600" kern="1200">
+        <a:defRPr sz="960" kern="1200">
           <a:solidFill>
             <a:schemeClr val="tx1"/>
           </a:solidFill>
@@ -2833,16 +3273,16 @@
           <a:cs typeface="+mn-cs"/>
         </a:defRPr>
       </a:lvl8pPr>
-      <a:lvl9pPr marL="1295270" indent="-76192" algn="l" defTabSz="304770" rtl="0" eaLnBrk="1" latinLnBrk="0" hangingPunct="1">
+      <a:lvl9pPr marL="2072510" indent="-121912" algn="l" defTabSz="487650" rtl="0" eaLnBrk="1" latinLnBrk="0" hangingPunct="1">
         <a:lnSpc>
           <a:spcPct val="90000"/>
         </a:lnSpc>
         <a:spcBef>
-          <a:spcPts val="167"/>
+          <a:spcPts val="267"/>
         </a:spcBef>
         <a:buFont typeface="Arial" panose="020B0604020202020204" pitchFamily="34" charset="0"/>
         <a:buChar char="•"/>
-        <a:defRPr sz="600" kern="1200">
+        <a:defRPr sz="960" kern="1200">
           <a:solidFill>
             <a:schemeClr val="tx1"/>
           </a:solidFill>
@@ -2856,8 +3296,8 @@
       <a:defPPr>
         <a:defRPr lang="en-US"/>
       </a:defPPr>
-      <a:lvl1pPr marL="0" algn="l" defTabSz="304770" rtl="0" eaLnBrk="1" latinLnBrk="0" hangingPunct="1">
-        <a:defRPr sz="600" kern="1200">
+      <a:lvl1pPr marL="0" algn="l" defTabSz="487650" rtl="0" eaLnBrk="1" latinLnBrk="0" hangingPunct="1">
+        <a:defRPr sz="960" kern="1200">
           <a:solidFill>
             <a:schemeClr val="tx1"/>
           </a:solidFill>
@@ -2866,8 +3306,8 @@
           <a:cs typeface="+mn-cs"/>
         </a:defRPr>
       </a:lvl1pPr>
-      <a:lvl2pPr marL="152385" algn="l" defTabSz="304770" rtl="0" eaLnBrk="1" latinLnBrk="0" hangingPunct="1">
-        <a:defRPr sz="600" kern="1200">
+      <a:lvl2pPr marL="243825" algn="l" defTabSz="487650" rtl="0" eaLnBrk="1" latinLnBrk="0" hangingPunct="1">
+        <a:defRPr sz="960" kern="1200">
           <a:solidFill>
             <a:schemeClr val="tx1"/>
           </a:solidFill>
@@ -2876,8 +3316,8 @@
           <a:cs typeface="+mn-cs"/>
         </a:defRPr>
       </a:lvl2pPr>
-      <a:lvl3pPr marL="304770" algn="l" defTabSz="304770" rtl="0" eaLnBrk="1" latinLnBrk="0" hangingPunct="1">
-        <a:defRPr sz="600" kern="1200">
+      <a:lvl3pPr marL="487650" algn="l" defTabSz="487650" rtl="0" eaLnBrk="1" latinLnBrk="0" hangingPunct="1">
+        <a:defRPr sz="960" kern="1200">
           <a:solidFill>
             <a:schemeClr val="tx1"/>
           </a:solidFill>
@@ -2886,8 +3326,8 @@
           <a:cs typeface="+mn-cs"/>
         </a:defRPr>
       </a:lvl3pPr>
-      <a:lvl4pPr marL="457154" algn="l" defTabSz="304770" rtl="0" eaLnBrk="1" latinLnBrk="0" hangingPunct="1">
-        <a:defRPr sz="600" kern="1200">
+      <a:lvl4pPr marL="731474" algn="l" defTabSz="487650" rtl="0" eaLnBrk="1" latinLnBrk="0" hangingPunct="1">
+        <a:defRPr sz="960" kern="1200">
           <a:solidFill>
             <a:schemeClr val="tx1"/>
           </a:solidFill>
@@ -2896,8 +3336,8 @@
           <a:cs typeface="+mn-cs"/>
         </a:defRPr>
       </a:lvl4pPr>
-      <a:lvl5pPr marL="609539" algn="l" defTabSz="304770" rtl="0" eaLnBrk="1" latinLnBrk="0" hangingPunct="1">
-        <a:defRPr sz="600" kern="1200">
+      <a:lvl5pPr marL="975299" algn="l" defTabSz="487650" rtl="0" eaLnBrk="1" latinLnBrk="0" hangingPunct="1">
+        <a:defRPr sz="960" kern="1200">
           <a:solidFill>
             <a:schemeClr val="tx1"/>
           </a:solidFill>
@@ -2906,8 +3346,8 @@
           <a:cs typeface="+mn-cs"/>
         </a:defRPr>
       </a:lvl5pPr>
-      <a:lvl6pPr marL="761924" algn="l" defTabSz="304770" rtl="0" eaLnBrk="1" latinLnBrk="0" hangingPunct="1">
-        <a:defRPr sz="600" kern="1200">
+      <a:lvl6pPr marL="1219124" algn="l" defTabSz="487650" rtl="0" eaLnBrk="1" latinLnBrk="0" hangingPunct="1">
+        <a:defRPr sz="960" kern="1200">
           <a:solidFill>
             <a:schemeClr val="tx1"/>
           </a:solidFill>
@@ -2916,8 +3356,8 @@
           <a:cs typeface="+mn-cs"/>
         </a:defRPr>
       </a:lvl6pPr>
-      <a:lvl7pPr marL="914309" algn="l" defTabSz="304770" rtl="0" eaLnBrk="1" latinLnBrk="0" hangingPunct="1">
-        <a:defRPr sz="600" kern="1200">
+      <a:lvl7pPr marL="1462949" algn="l" defTabSz="487650" rtl="0" eaLnBrk="1" latinLnBrk="0" hangingPunct="1">
+        <a:defRPr sz="960" kern="1200">
           <a:solidFill>
             <a:schemeClr val="tx1"/>
           </a:solidFill>
@@ -2926,8 +3366,8 @@
           <a:cs typeface="+mn-cs"/>
         </a:defRPr>
       </a:lvl7pPr>
-      <a:lvl8pPr marL="1066693" algn="l" defTabSz="304770" rtl="0" eaLnBrk="1" latinLnBrk="0" hangingPunct="1">
-        <a:defRPr sz="600" kern="1200">
+      <a:lvl8pPr marL="1706773" algn="l" defTabSz="487650" rtl="0" eaLnBrk="1" latinLnBrk="0" hangingPunct="1">
+        <a:defRPr sz="960" kern="1200">
           <a:solidFill>
             <a:schemeClr val="tx1"/>
           </a:solidFill>
@@ -2936,8 +3376,8 @@
           <a:cs typeface="+mn-cs"/>
         </a:defRPr>
       </a:lvl8pPr>
-      <a:lvl9pPr marL="1219078" algn="l" defTabSz="304770" rtl="0" eaLnBrk="1" latinLnBrk="0" hangingPunct="1">
-        <a:defRPr sz="600" kern="1200">
+      <a:lvl9pPr marL="1950598" algn="l" defTabSz="487650" rtl="0" eaLnBrk="1" latinLnBrk="0" hangingPunct="1">
+        <a:defRPr sz="960" kern="1200">
           <a:solidFill>
             <a:schemeClr val="tx1"/>
           </a:solidFill>
@@ -2990,7 +3430,7 @@
         </p:blipFill>
         <p:spPr>
           <a:xfrm>
-            <a:off x="38429" y="59520"/>
+            <a:off x="38429" y="745320"/>
             <a:ext cx="1420114" cy="1018580"/>
           </a:xfrm>
           <a:prstGeom prst="rect">
@@ -3020,7 +3460,7 @@
         </p:blipFill>
         <p:spPr>
           <a:xfrm>
-            <a:off x="2772126" y="103031"/>
+            <a:off x="2772126" y="788832"/>
             <a:ext cx="1275388" cy="926051"/>
           </a:xfrm>
           <a:prstGeom prst="rect">
@@ -3050,7 +3490,7 @@
         </p:blipFill>
         <p:spPr>
           <a:xfrm>
-            <a:off x="2725096" y="1216572"/>
+            <a:off x="2725097" y="1902372"/>
             <a:ext cx="1322419" cy="991280"/>
           </a:xfrm>
           <a:prstGeom prst="rect">
@@ -3080,7 +3520,7 @@
         </p:blipFill>
         <p:spPr>
           <a:xfrm>
-            <a:off x="0" y="1171883"/>
+            <a:off x="0" y="1857683"/>
             <a:ext cx="1542958" cy="1110236"/>
           </a:xfrm>
           <a:prstGeom prst="rect">
@@ -3116,7 +3556,7 @@
         </p:blipFill>
         <p:spPr>
           <a:xfrm>
-            <a:off x="4094545" y="36454"/>
+            <a:off x="4094546" y="722254"/>
             <a:ext cx="1353427" cy="992626"/>
           </a:xfrm>
           <a:prstGeom prst="rect">
@@ -3152,7 +3592,7 @@
         </p:blipFill>
         <p:spPr>
           <a:xfrm>
-            <a:off x="4047514" y="1216573"/>
+            <a:off x="4047514" y="1902373"/>
             <a:ext cx="1452852" cy="1065546"/>
           </a:xfrm>
           <a:prstGeom prst="rect">
@@ -3182,7 +3622,7 @@
         </p:blipFill>
         <p:spPr>
           <a:xfrm>
-            <a:off x="1563427" y="103031"/>
+            <a:off x="1563427" y="788832"/>
             <a:ext cx="1179774" cy="931559"/>
           </a:xfrm>
           <a:prstGeom prst="rect">
@@ -3212,7 +3652,7 @@
         </p:blipFill>
         <p:spPr>
           <a:xfrm>
-            <a:off x="1535729" y="1216049"/>
+            <a:off x="1535729" y="1901849"/>
             <a:ext cx="1189366" cy="991804"/>
           </a:xfrm>
           <a:prstGeom prst="rect">
@@ -3224,6 +3664,774 @@
     <p:extLst>
       <p:ext uri="{BB962C8B-B14F-4D97-AF65-F5344CB8AC3E}">
         <p14:creationId xmlns:p14="http://schemas.microsoft.com/office/powerpoint/2010/main" val="1326940194"/>
+      </p:ext>
+    </p:extLst>
+  </p:cSld>
+  <p:clrMapOvr>
+    <a:masterClrMapping/>
+  </p:clrMapOvr>
+</p:sld>
+</file>
+
+<file path=ppt/slides/slide2.xml><?xml version="1.0" encoding="utf-8"?>
+<p:sld xmlns:a="http://schemas.openxmlformats.org/drawingml/2006/main" xmlns:r="http://schemas.openxmlformats.org/officeDocument/2006/relationships" xmlns:p="http://schemas.openxmlformats.org/presentationml/2006/main">
+  <p:cSld>
+    <p:spTree>
+      <p:nvGrpSpPr>
+        <p:cNvPr id="1" name=""/>
+        <p:cNvGrpSpPr/>
+        <p:nvPr/>
+      </p:nvGrpSpPr>
+      <p:grpSpPr>
+        <a:xfrm>
+          <a:off x="0" y="0"/>
+          <a:ext cx="0" cy="0"/>
+          <a:chOff x="0" y="0"/>
+          <a:chExt cx="0" cy="0"/>
+        </a:xfrm>
+      </p:grpSpPr>
+      <p:pic>
+        <p:nvPicPr>
+          <p:cNvPr id="5" name="Picture 4">
+            <a:extLst>
+              <a:ext uri="{FF2B5EF4-FFF2-40B4-BE49-F238E27FC236}">
+                <a16:creationId xmlns:a16="http://schemas.microsoft.com/office/drawing/2014/main" id="{447FF812-9952-41DC-A017-DFE79ED49402}"/>
+              </a:ext>
+            </a:extLst>
+          </p:cNvPr>
+          <p:cNvPicPr>
+            <a:picLocks noChangeAspect="1"/>
+          </p:cNvPicPr>
+          <p:nvPr/>
+        </p:nvPicPr>
+        <p:blipFill>
+          <a:blip r:embed="rId3"/>
+          <a:stretch>
+            <a:fillRect/>
+          </a:stretch>
+        </p:blipFill>
+        <p:spPr>
+          <a:xfrm>
+            <a:off x="0" y="204341"/>
+            <a:ext cx="1145334" cy="857153"/>
+          </a:xfrm>
+          <a:prstGeom prst="rect">
+            <a:avLst/>
+          </a:prstGeom>
+        </p:spPr>
+      </p:pic>
+      <p:pic>
+        <p:nvPicPr>
+          <p:cNvPr id="7" name="Picture 6">
+            <a:extLst>
+              <a:ext uri="{FF2B5EF4-FFF2-40B4-BE49-F238E27FC236}">
+                <a16:creationId xmlns:a16="http://schemas.microsoft.com/office/drawing/2014/main" id="{C906962C-D35A-4420-9B8C-E437E923DBC4}"/>
+              </a:ext>
+            </a:extLst>
+          </p:cNvPr>
+          <p:cNvPicPr>
+            <a:picLocks noChangeAspect="1"/>
+          </p:cNvPicPr>
+          <p:nvPr/>
+        </p:nvPicPr>
+        <p:blipFill>
+          <a:blip r:embed="rId4"/>
+          <a:stretch>
+            <a:fillRect/>
+          </a:stretch>
+        </p:blipFill>
+        <p:spPr>
+          <a:xfrm>
+            <a:off x="1327826" y="248080"/>
+            <a:ext cx="1172947" cy="857153"/>
+          </a:xfrm>
+          <a:prstGeom prst="rect">
+            <a:avLst/>
+          </a:prstGeom>
+        </p:spPr>
+      </p:pic>
+      <p:pic>
+        <p:nvPicPr>
+          <p:cNvPr id="8" name="Picture 7">
+            <a:extLst>
+              <a:ext uri="{FF2B5EF4-FFF2-40B4-BE49-F238E27FC236}">
+                <a16:creationId xmlns:a16="http://schemas.microsoft.com/office/drawing/2014/main" id="{CE775836-D8D0-43B7-8309-68A8DE5DDC7E}"/>
+              </a:ext>
+            </a:extLst>
+          </p:cNvPr>
+          <p:cNvPicPr>
+            <a:picLocks noChangeAspect="1"/>
+          </p:cNvPicPr>
+          <p:nvPr/>
+        </p:nvPicPr>
+        <p:blipFill>
+          <a:blip r:embed="rId5"/>
+          <a:stretch>
+            <a:fillRect/>
+          </a:stretch>
+        </p:blipFill>
+        <p:spPr>
+          <a:xfrm>
+            <a:off x="2543482" y="284595"/>
+            <a:ext cx="1144738" cy="857153"/>
+          </a:xfrm>
+          <a:prstGeom prst="rect">
+            <a:avLst/>
+          </a:prstGeom>
+        </p:spPr>
+      </p:pic>
+      <mc:AlternateContent xmlns:mc="http://schemas.openxmlformats.org/markup-compatibility/2006">
+        <mc:Choice xmlns:a14="http://schemas.microsoft.com/office/drawing/2010/main" Requires="a14">
+          <p:sp>
+            <p:nvSpPr>
+              <p:cNvPr id="11" name="TextBox 10">
+                <a:extLst>
+                  <a:ext uri="{FF2B5EF4-FFF2-40B4-BE49-F238E27FC236}">
+                    <a16:creationId xmlns:a16="http://schemas.microsoft.com/office/drawing/2014/main" id="{C3D27287-05C4-412F-BD7B-9F2767784D59}"/>
+                  </a:ext>
+                </a:extLst>
+              </p:cNvPr>
+              <p:cNvSpPr txBox="1"/>
+              <p:nvPr/>
+            </p:nvSpPr>
+            <p:spPr>
+              <a:xfrm>
+                <a:off x="43595" y="14150"/>
+                <a:ext cx="1145334" cy="241476"/>
+              </a:xfrm>
+              <a:prstGeom prst="rect">
+                <a:avLst/>
+              </a:prstGeom>
+              <a:noFill/>
+            </p:spPr>
+            <p:txBody>
+              <a:bodyPr wrap="square" rtlCol="0">
+                <a:spAutoFit/>
+              </a:bodyPr>
+              <a:lstStyle/>
+              <a:p>
+                <a14:m>
+                  <m:oMathPara xmlns:m="http://schemas.openxmlformats.org/officeDocument/2006/math">
+                    <m:oMathParaPr>
+                      <m:jc m:val="centerGroup"/>
+                    </m:oMathParaPr>
+                    <m:oMath xmlns:m="http://schemas.openxmlformats.org/officeDocument/2006/math">
+                      <m:sSub>
+                        <m:sSubPr>
+                          <m:ctrlPr>
+                            <a:rPr lang="en-US" sz="900" i="1" dirty="0">
+                              <a:latin typeface="Cambria Math" panose="02040503050406030204" pitchFamily="18" charset="0"/>
+                              <a:cs typeface="Times New Roman" panose="02020603050405020304" pitchFamily="18" charset="0"/>
+                            </a:rPr>
+                          </m:ctrlPr>
+                        </m:sSubPr>
+                        <m:e>
+                          <m:r>
+                            <a:rPr lang="en-US" sz="900" i="1" dirty="0">
+                              <a:latin typeface="Cambria Math" panose="02040503050406030204" pitchFamily="18" charset="0"/>
+                              <a:cs typeface="Times New Roman" panose="02020603050405020304" pitchFamily="18" charset="0"/>
+                            </a:rPr>
+                            <m:t>𝜔</m:t>
+                          </m:r>
+                        </m:e>
+                        <m:sub>
+                          <m:r>
+                            <a:rPr lang="en-US" sz="900" i="1" dirty="0">
+                              <a:latin typeface="Cambria Math" panose="02040503050406030204" pitchFamily="18" charset="0"/>
+                              <a:cs typeface="Times New Roman" panose="02020603050405020304" pitchFamily="18" charset="0"/>
+                            </a:rPr>
+                            <m:t>𝑝𝑒</m:t>
+                          </m:r>
+                        </m:sub>
+                      </m:sSub>
+                      <m:r>
+                        <a:rPr lang="en-US" sz="900" i="1" dirty="0">
+                          <a:latin typeface="Cambria Math" panose="02040503050406030204" pitchFamily="18" charset="0"/>
+                          <a:cs typeface="Times New Roman" panose="02020603050405020304" pitchFamily="18" charset="0"/>
+                        </a:rPr>
+                        <m:t>𝑡</m:t>
+                      </m:r>
+                      <m:r>
+                        <a:rPr lang="en-US" sz="900" i="1" dirty="0">
+                          <a:latin typeface="Cambria Math" panose="02040503050406030204" pitchFamily="18" charset="0"/>
+                          <a:cs typeface="Times New Roman" panose="02020603050405020304" pitchFamily="18" charset="0"/>
+                        </a:rPr>
+                        <m:t> =750 </m:t>
+                      </m:r>
+                    </m:oMath>
+                  </m:oMathPara>
+                </a14:m>
+                <a:endParaRPr lang="en-US" sz="1200" dirty="0">
+                  <a:latin typeface="Times New Roman" panose="02020603050405020304" pitchFamily="18" charset="0"/>
+                  <a:cs typeface="Times New Roman" panose="02020603050405020304" pitchFamily="18" charset="0"/>
+                </a:endParaRPr>
+              </a:p>
+            </p:txBody>
+          </p:sp>
+        </mc:Choice>
+        <mc:Fallback>
+          <p:sp>
+            <p:nvSpPr>
+              <p:cNvPr id="11" name="TextBox 10">
+                <a:extLst>
+                  <a:ext uri="{FF2B5EF4-FFF2-40B4-BE49-F238E27FC236}">
+                    <a16:creationId xmlns:a16="http://schemas.microsoft.com/office/drawing/2014/main" id="{C3D27287-05C4-412F-BD7B-9F2767784D59}"/>
+                  </a:ext>
+                </a:extLst>
+              </p:cNvPr>
+              <p:cNvSpPr txBox="1">
+                <a:spLocks noRot="1" noChangeAspect="1" noMove="1" noResize="1" noEditPoints="1" noAdjustHandles="1" noChangeArrowheads="1" noChangeShapeType="1" noTextEdit="1"/>
+              </p:cNvSpPr>
+              <p:nvPr/>
+            </p:nvSpPr>
+            <p:spPr>
+              <a:xfrm>
+                <a:off x="43595" y="14150"/>
+                <a:ext cx="1145334" cy="241476"/>
+              </a:xfrm>
+              <a:prstGeom prst="rect">
+                <a:avLst/>
+              </a:prstGeom>
+              <a:blipFill>
+                <a:blip r:embed="rId6"/>
+                <a:stretch>
+                  <a:fillRect/>
+                </a:stretch>
+              </a:blipFill>
+            </p:spPr>
+            <p:txBody>
+              <a:bodyPr/>
+              <a:lstStyle/>
+              <a:p>
+                <a:r>
+                  <a:rPr lang="en-US">
+                    <a:noFill/>
+                  </a:rPr>
+                  <a:t> </a:t>
+                </a:r>
+              </a:p>
+            </p:txBody>
+          </p:sp>
+        </mc:Fallback>
+      </mc:AlternateContent>
+      <mc:AlternateContent xmlns:mc="http://schemas.openxmlformats.org/markup-compatibility/2006">
+        <mc:Choice xmlns:a14="http://schemas.microsoft.com/office/drawing/2010/main" Requires="a14">
+          <p:sp>
+            <p:nvSpPr>
+              <p:cNvPr id="12" name="TextBox 11">
+                <a:extLst>
+                  <a:ext uri="{FF2B5EF4-FFF2-40B4-BE49-F238E27FC236}">
+                    <a16:creationId xmlns:a16="http://schemas.microsoft.com/office/drawing/2014/main" id="{CE3191CF-8C8A-4BE3-94EB-AA2641D2E712}"/>
+                  </a:ext>
+                </a:extLst>
+              </p:cNvPr>
+              <p:cNvSpPr txBox="1"/>
+              <p:nvPr/>
+            </p:nvSpPr>
+            <p:spPr>
+              <a:xfrm>
+                <a:off x="1373214" y="29849"/>
+                <a:ext cx="1145334" cy="241476"/>
+              </a:xfrm>
+              <a:prstGeom prst="rect">
+                <a:avLst/>
+              </a:prstGeom>
+              <a:noFill/>
+            </p:spPr>
+            <p:txBody>
+              <a:bodyPr wrap="square" rtlCol="0">
+                <a:spAutoFit/>
+              </a:bodyPr>
+              <a:lstStyle/>
+              <a:p>
+                <a14:m>
+                  <m:oMathPara xmlns:m="http://schemas.openxmlformats.org/officeDocument/2006/math">
+                    <m:oMathParaPr>
+                      <m:jc m:val="centerGroup"/>
+                    </m:oMathParaPr>
+                    <m:oMath xmlns:m="http://schemas.openxmlformats.org/officeDocument/2006/math">
+                      <m:sSub>
+                        <m:sSubPr>
+                          <m:ctrlPr>
+                            <a:rPr lang="en-US" sz="900" i="1" dirty="0">
+                              <a:latin typeface="Cambria Math" panose="02040503050406030204" pitchFamily="18" charset="0"/>
+                              <a:cs typeface="Times New Roman" panose="02020603050405020304" pitchFamily="18" charset="0"/>
+                            </a:rPr>
+                          </m:ctrlPr>
+                        </m:sSubPr>
+                        <m:e>
+                          <m:r>
+                            <a:rPr lang="en-US" sz="900" i="1" dirty="0">
+                              <a:latin typeface="Cambria Math" panose="02040503050406030204" pitchFamily="18" charset="0"/>
+                              <a:cs typeface="Times New Roman" panose="02020603050405020304" pitchFamily="18" charset="0"/>
+                            </a:rPr>
+                            <m:t>𝜔</m:t>
+                          </m:r>
+                        </m:e>
+                        <m:sub>
+                          <m:r>
+                            <a:rPr lang="en-US" sz="900" i="1" dirty="0">
+                              <a:latin typeface="Cambria Math" panose="02040503050406030204" pitchFamily="18" charset="0"/>
+                              <a:cs typeface="Times New Roman" panose="02020603050405020304" pitchFamily="18" charset="0"/>
+                            </a:rPr>
+                            <m:t>𝑝𝑒</m:t>
+                          </m:r>
+                        </m:sub>
+                      </m:sSub>
+                      <m:r>
+                        <a:rPr lang="en-US" sz="900" i="1" dirty="0">
+                          <a:latin typeface="Cambria Math" panose="02040503050406030204" pitchFamily="18" charset="0"/>
+                          <a:cs typeface="Times New Roman" panose="02020603050405020304" pitchFamily="18" charset="0"/>
+                        </a:rPr>
+                        <m:t>𝑡</m:t>
+                      </m:r>
+                      <m:r>
+                        <a:rPr lang="en-US" sz="900" i="1" dirty="0">
+                          <a:latin typeface="Cambria Math" panose="02040503050406030204" pitchFamily="18" charset="0"/>
+                          <a:cs typeface="Times New Roman" panose="02020603050405020304" pitchFamily="18" charset="0"/>
+                        </a:rPr>
+                        <m:t> = 1800 </m:t>
+                      </m:r>
+                    </m:oMath>
+                  </m:oMathPara>
+                </a14:m>
+                <a:endParaRPr lang="en-US" sz="1200" dirty="0">
+                  <a:latin typeface="Times New Roman" panose="02020603050405020304" pitchFamily="18" charset="0"/>
+                  <a:cs typeface="Times New Roman" panose="02020603050405020304" pitchFamily="18" charset="0"/>
+                </a:endParaRPr>
+              </a:p>
+            </p:txBody>
+          </p:sp>
+        </mc:Choice>
+        <mc:Fallback>
+          <p:sp>
+            <p:nvSpPr>
+              <p:cNvPr id="12" name="TextBox 11">
+                <a:extLst>
+                  <a:ext uri="{FF2B5EF4-FFF2-40B4-BE49-F238E27FC236}">
+                    <a16:creationId xmlns:a16="http://schemas.microsoft.com/office/drawing/2014/main" id="{CE3191CF-8C8A-4BE3-94EB-AA2641D2E712}"/>
+                  </a:ext>
+                </a:extLst>
+              </p:cNvPr>
+              <p:cNvSpPr txBox="1">
+                <a:spLocks noRot="1" noChangeAspect="1" noMove="1" noResize="1" noEditPoints="1" noAdjustHandles="1" noChangeArrowheads="1" noChangeShapeType="1" noTextEdit="1"/>
+              </p:cNvSpPr>
+              <p:nvPr/>
+            </p:nvSpPr>
+            <p:spPr>
+              <a:xfrm>
+                <a:off x="1373214" y="29849"/>
+                <a:ext cx="1145334" cy="241476"/>
+              </a:xfrm>
+              <a:prstGeom prst="rect">
+                <a:avLst/>
+              </a:prstGeom>
+              <a:blipFill>
+                <a:blip r:embed="rId7"/>
+                <a:stretch>
+                  <a:fillRect/>
+                </a:stretch>
+              </a:blipFill>
+            </p:spPr>
+            <p:txBody>
+              <a:bodyPr/>
+              <a:lstStyle/>
+              <a:p>
+                <a:r>
+                  <a:rPr lang="en-US">
+                    <a:noFill/>
+                  </a:rPr>
+                  <a:t> </a:t>
+                </a:r>
+              </a:p>
+            </p:txBody>
+          </p:sp>
+        </mc:Fallback>
+      </mc:AlternateContent>
+      <mc:AlternateContent xmlns:mc="http://schemas.openxmlformats.org/markup-compatibility/2006">
+        <mc:Choice xmlns:a14="http://schemas.microsoft.com/office/drawing/2010/main" Requires="a14">
+          <p:sp>
+            <p:nvSpPr>
+              <p:cNvPr id="13" name="TextBox 12">
+                <a:extLst>
+                  <a:ext uri="{FF2B5EF4-FFF2-40B4-BE49-F238E27FC236}">
+                    <a16:creationId xmlns:a16="http://schemas.microsoft.com/office/drawing/2014/main" id="{18BF4428-485F-45A2-8F53-19DE1902BB45}"/>
+                  </a:ext>
+                </a:extLst>
+              </p:cNvPr>
+              <p:cNvSpPr txBox="1"/>
+              <p:nvPr/>
+            </p:nvSpPr>
+            <p:spPr>
+              <a:xfrm>
+                <a:off x="2546161" y="56317"/>
+                <a:ext cx="1145334" cy="241476"/>
+              </a:xfrm>
+              <a:prstGeom prst="rect">
+                <a:avLst/>
+              </a:prstGeom>
+              <a:noFill/>
+            </p:spPr>
+            <p:txBody>
+              <a:bodyPr wrap="square" rtlCol="0">
+                <a:spAutoFit/>
+              </a:bodyPr>
+              <a:lstStyle/>
+              <a:p>
+                <a14:m>
+                  <m:oMathPara xmlns:m="http://schemas.openxmlformats.org/officeDocument/2006/math">
+                    <m:oMathParaPr>
+                      <m:jc m:val="centerGroup"/>
+                    </m:oMathParaPr>
+                    <m:oMath xmlns:m="http://schemas.openxmlformats.org/officeDocument/2006/math">
+                      <m:sSub>
+                        <m:sSubPr>
+                          <m:ctrlPr>
+                            <a:rPr lang="en-US" sz="900" i="1" dirty="0">
+                              <a:latin typeface="Cambria Math" panose="02040503050406030204" pitchFamily="18" charset="0"/>
+                              <a:cs typeface="Times New Roman" panose="02020603050405020304" pitchFamily="18" charset="0"/>
+                            </a:rPr>
+                          </m:ctrlPr>
+                        </m:sSubPr>
+                        <m:e>
+                          <m:r>
+                            <a:rPr lang="en-US" sz="900" i="1" dirty="0">
+                              <a:latin typeface="Cambria Math" panose="02040503050406030204" pitchFamily="18" charset="0"/>
+                              <a:cs typeface="Times New Roman" panose="02020603050405020304" pitchFamily="18" charset="0"/>
+                            </a:rPr>
+                            <m:t>𝜔</m:t>
+                          </m:r>
+                        </m:e>
+                        <m:sub>
+                          <m:r>
+                            <a:rPr lang="en-US" sz="900" i="1" dirty="0">
+                              <a:latin typeface="Cambria Math" panose="02040503050406030204" pitchFamily="18" charset="0"/>
+                              <a:cs typeface="Times New Roman" panose="02020603050405020304" pitchFamily="18" charset="0"/>
+                            </a:rPr>
+                            <m:t>𝑝𝑒</m:t>
+                          </m:r>
+                        </m:sub>
+                      </m:sSub>
+                      <m:r>
+                        <a:rPr lang="en-US" sz="900" i="1" dirty="0">
+                          <a:latin typeface="Cambria Math" panose="02040503050406030204" pitchFamily="18" charset="0"/>
+                          <a:cs typeface="Times New Roman" panose="02020603050405020304" pitchFamily="18" charset="0"/>
+                        </a:rPr>
+                        <m:t>𝑡</m:t>
+                      </m:r>
+                      <m:r>
+                        <a:rPr lang="en-US" sz="900" i="1" dirty="0">
+                          <a:latin typeface="Cambria Math" panose="02040503050406030204" pitchFamily="18" charset="0"/>
+                          <a:cs typeface="Times New Roman" panose="02020603050405020304" pitchFamily="18" charset="0"/>
+                        </a:rPr>
+                        <m:t> =2400 </m:t>
+                      </m:r>
+                    </m:oMath>
+                  </m:oMathPara>
+                </a14:m>
+                <a:endParaRPr lang="en-US" sz="1200" dirty="0">
+                  <a:latin typeface="Times New Roman" panose="02020603050405020304" pitchFamily="18" charset="0"/>
+                  <a:cs typeface="Times New Roman" panose="02020603050405020304" pitchFamily="18" charset="0"/>
+                </a:endParaRPr>
+              </a:p>
+            </p:txBody>
+          </p:sp>
+        </mc:Choice>
+        <mc:Fallback>
+          <p:sp>
+            <p:nvSpPr>
+              <p:cNvPr id="13" name="TextBox 12">
+                <a:extLst>
+                  <a:ext uri="{FF2B5EF4-FFF2-40B4-BE49-F238E27FC236}">
+                    <a16:creationId xmlns:a16="http://schemas.microsoft.com/office/drawing/2014/main" id="{18BF4428-485F-45A2-8F53-19DE1902BB45}"/>
+                  </a:ext>
+                </a:extLst>
+              </p:cNvPr>
+              <p:cNvSpPr txBox="1">
+                <a:spLocks noRot="1" noChangeAspect="1" noMove="1" noResize="1" noEditPoints="1" noAdjustHandles="1" noChangeArrowheads="1" noChangeShapeType="1" noTextEdit="1"/>
+              </p:cNvSpPr>
+              <p:nvPr/>
+            </p:nvSpPr>
+            <p:spPr>
+              <a:xfrm>
+                <a:off x="2546161" y="56317"/>
+                <a:ext cx="1145334" cy="241476"/>
+              </a:xfrm>
+              <a:prstGeom prst="rect">
+                <a:avLst/>
+              </a:prstGeom>
+              <a:blipFill>
+                <a:blip r:embed="rId8"/>
+                <a:stretch>
+                  <a:fillRect/>
+                </a:stretch>
+              </a:blipFill>
+            </p:spPr>
+            <p:txBody>
+              <a:bodyPr/>
+              <a:lstStyle/>
+              <a:p>
+                <a:r>
+                  <a:rPr lang="en-US">
+                    <a:noFill/>
+                  </a:rPr>
+                  <a:t> </a:t>
+                </a:r>
+              </a:p>
+            </p:txBody>
+          </p:sp>
+        </mc:Fallback>
+      </mc:AlternateContent>
+      <p:pic>
+        <p:nvPicPr>
+          <p:cNvPr id="14" name="Picture 13">
+            <a:extLst>
+              <a:ext uri="{FF2B5EF4-FFF2-40B4-BE49-F238E27FC236}">
+                <a16:creationId xmlns:a16="http://schemas.microsoft.com/office/drawing/2014/main" id="{E643B57C-CC62-4EFF-ACD2-A3E8C4096AAC}"/>
+              </a:ext>
+            </a:extLst>
+          </p:cNvPr>
+          <p:cNvPicPr>
+            <a:picLocks noChangeAspect="1"/>
+          </p:cNvPicPr>
+          <p:nvPr/>
+        </p:nvPicPr>
+        <p:blipFill>
+          <a:blip r:embed="rId9"/>
+          <a:stretch>
+            <a:fillRect/>
+          </a:stretch>
+        </p:blipFill>
+        <p:spPr>
+          <a:xfrm>
+            <a:off x="1276528" y="1178760"/>
+            <a:ext cx="1224245" cy="902387"/>
+          </a:xfrm>
+          <a:prstGeom prst="rect">
+            <a:avLst/>
+          </a:prstGeom>
+        </p:spPr>
+      </p:pic>
+      <p:pic>
+        <p:nvPicPr>
+          <p:cNvPr id="15" name="Picture 14">
+            <a:extLst>
+              <a:ext uri="{FF2B5EF4-FFF2-40B4-BE49-F238E27FC236}">
+                <a16:creationId xmlns:a16="http://schemas.microsoft.com/office/drawing/2014/main" id="{560E9376-F95B-4417-998C-80FBFB85203E}"/>
+              </a:ext>
+            </a:extLst>
+          </p:cNvPr>
+          <p:cNvPicPr>
+            <a:picLocks noChangeAspect="1"/>
+          </p:cNvPicPr>
+          <p:nvPr/>
+        </p:nvPicPr>
+        <p:blipFill>
+          <a:blip r:embed="rId10"/>
+          <a:stretch>
+            <a:fillRect/>
+          </a:stretch>
+        </p:blipFill>
+        <p:spPr>
+          <a:xfrm>
+            <a:off x="-14850" y="1148197"/>
+            <a:ext cx="1301364" cy="963510"/>
+          </a:xfrm>
+          <a:prstGeom prst="rect">
+            <a:avLst/>
+          </a:prstGeom>
+        </p:spPr>
+      </p:pic>
+      <p:pic>
+        <p:nvPicPr>
+          <p:cNvPr id="17" name="Picture 16">
+            <a:extLst>
+              <a:ext uri="{FF2B5EF4-FFF2-40B4-BE49-F238E27FC236}">
+                <a16:creationId xmlns:a16="http://schemas.microsoft.com/office/drawing/2014/main" id="{27C3BDD0-98DE-4A6B-A8E8-930A72EC3E33}"/>
+              </a:ext>
+            </a:extLst>
+          </p:cNvPr>
+          <p:cNvPicPr>
+            <a:picLocks noChangeAspect="1"/>
+          </p:cNvPicPr>
+          <p:nvPr/>
+        </p:nvPicPr>
+        <p:blipFill>
+          <a:blip r:embed="rId11"/>
+          <a:stretch>
+            <a:fillRect/>
+          </a:stretch>
+        </p:blipFill>
+        <p:spPr>
+          <a:xfrm>
+            <a:off x="2608935" y="1221737"/>
+            <a:ext cx="1128057" cy="816429"/>
+          </a:xfrm>
+          <a:prstGeom prst="rect">
+            <a:avLst/>
+          </a:prstGeom>
+        </p:spPr>
+      </p:pic>
+      <p:pic>
+        <p:nvPicPr>
+          <p:cNvPr id="18" name="Picture 17">
+            <a:extLst>
+              <a:ext uri="{FF2B5EF4-FFF2-40B4-BE49-F238E27FC236}">
+                <a16:creationId xmlns:a16="http://schemas.microsoft.com/office/drawing/2014/main" id="{E9951EB7-A44E-41CD-9D00-D316971BC978}"/>
+              </a:ext>
+            </a:extLst>
+          </p:cNvPr>
+          <p:cNvPicPr>
+            <a:picLocks noChangeAspect="1"/>
+          </p:cNvPicPr>
+          <p:nvPr/>
+        </p:nvPicPr>
+        <p:blipFill>
+          <a:blip r:embed="rId12"/>
+          <a:stretch>
+            <a:fillRect/>
+          </a:stretch>
+        </p:blipFill>
+        <p:spPr>
+          <a:xfrm>
+            <a:off x="2619771" y="2309808"/>
+            <a:ext cx="1127541" cy="826137"/>
+          </a:xfrm>
+          <a:prstGeom prst="rect">
+            <a:avLst/>
+          </a:prstGeom>
+        </p:spPr>
+      </p:pic>
+      <p:pic>
+        <p:nvPicPr>
+          <p:cNvPr id="20" name="Picture 19">
+            <a:extLst>
+              <a:ext uri="{FF2B5EF4-FFF2-40B4-BE49-F238E27FC236}">
+                <a16:creationId xmlns:a16="http://schemas.microsoft.com/office/drawing/2014/main" id="{5BAD4EEC-9441-4B62-B5CD-24EDE8E1A520}"/>
+              </a:ext>
+            </a:extLst>
+          </p:cNvPr>
+          <p:cNvPicPr>
+            <a:picLocks noChangeAspect="1"/>
+          </p:cNvPicPr>
+          <p:nvPr/>
+        </p:nvPicPr>
+        <p:blipFill>
+          <a:blip r:embed="rId13"/>
+          <a:stretch>
+            <a:fillRect/>
+          </a:stretch>
+        </p:blipFill>
+        <p:spPr>
+          <a:xfrm>
+            <a:off x="1276528" y="2289862"/>
+            <a:ext cx="1217142" cy="892571"/>
+          </a:xfrm>
+          <a:prstGeom prst="rect">
+            <a:avLst/>
+          </a:prstGeom>
+        </p:spPr>
+      </p:pic>
+      <p:pic>
+        <p:nvPicPr>
+          <p:cNvPr id="21" name="Picture 20">
+            <a:extLst>
+              <a:ext uri="{FF2B5EF4-FFF2-40B4-BE49-F238E27FC236}">
+                <a16:creationId xmlns:a16="http://schemas.microsoft.com/office/drawing/2014/main" id="{4220CD36-12EE-4652-AA9B-DCEF2DAC2D51}"/>
+              </a:ext>
+            </a:extLst>
+          </p:cNvPr>
+          <p:cNvPicPr>
+            <a:picLocks noChangeAspect="1"/>
+          </p:cNvPicPr>
+          <p:nvPr/>
+        </p:nvPicPr>
+        <p:blipFill>
+          <a:blip r:embed="rId14"/>
+          <a:stretch>
+            <a:fillRect/>
+          </a:stretch>
+        </p:blipFill>
+        <p:spPr>
+          <a:xfrm>
+            <a:off x="44919" y="2271684"/>
+            <a:ext cx="1231609" cy="902387"/>
+          </a:xfrm>
+          <a:prstGeom prst="rect">
+            <a:avLst/>
+          </a:prstGeom>
+        </p:spPr>
+      </p:pic>
+      <p:pic>
+        <p:nvPicPr>
+          <p:cNvPr id="23" name="Picture 22">
+            <a:extLst>
+              <a:ext uri="{FF2B5EF4-FFF2-40B4-BE49-F238E27FC236}">
+                <a16:creationId xmlns:a16="http://schemas.microsoft.com/office/drawing/2014/main" id="{8129196B-855A-4D9E-964C-25F428231A32}"/>
+              </a:ext>
+            </a:extLst>
+          </p:cNvPr>
+          <p:cNvPicPr>
+            <a:picLocks noChangeAspect="1"/>
+          </p:cNvPicPr>
+          <p:nvPr/>
+        </p:nvPicPr>
+        <p:blipFill>
+          <a:blip r:embed="rId15">
+            <a:extLst>
+              <a:ext uri="{28A0092B-C50C-407E-A947-70E740481C1C}">
+                <a14:useLocalDpi xmlns:a14="http://schemas.microsoft.com/office/drawing/2010/main" val="0"/>
+              </a:ext>
+            </a:extLst>
+          </a:blip>
+          <a:stretch>
+            <a:fillRect/>
+          </a:stretch>
+        </p:blipFill>
+        <p:spPr>
+          <a:xfrm>
+            <a:off x="3732382" y="1520216"/>
+            <a:ext cx="1224246" cy="1035900"/>
+          </a:xfrm>
+          <a:prstGeom prst="rect">
+            <a:avLst/>
+          </a:prstGeom>
+        </p:spPr>
+      </p:pic>
+      <p:pic>
+        <p:nvPicPr>
+          <p:cNvPr id="24" name="Picture 23">
+            <a:extLst>
+              <a:ext uri="{FF2B5EF4-FFF2-40B4-BE49-F238E27FC236}">
+                <a16:creationId xmlns:a16="http://schemas.microsoft.com/office/drawing/2014/main" id="{76C6835E-4390-4120-B0D3-0FEBBCD48824}"/>
+              </a:ext>
+            </a:extLst>
+          </p:cNvPr>
+          <p:cNvPicPr>
+            <a:picLocks noChangeAspect="1"/>
+          </p:cNvPicPr>
+          <p:nvPr/>
+        </p:nvPicPr>
+        <p:blipFill>
+          <a:blip r:embed="rId16"/>
+          <a:stretch>
+            <a:fillRect/>
+          </a:stretch>
+        </p:blipFill>
+        <p:spPr>
+          <a:xfrm>
+            <a:off x="3946818" y="442083"/>
+            <a:ext cx="1231609" cy="996607"/>
+          </a:xfrm>
+          <a:prstGeom prst="rect">
+            <a:avLst/>
+          </a:prstGeom>
+        </p:spPr>
+      </p:pic>
+    </p:spTree>
+    <p:extLst>
+      <p:ext uri="{BB962C8B-B14F-4D97-AF65-F5344CB8AC3E}">
+        <p14:creationId xmlns:p14="http://schemas.microsoft.com/office/powerpoint/2010/main" val="645845618"/>
       </p:ext>
     </p:extLst>
   </p:cSld>
@@ -3492,4 +4700,299 @@
     </a:ext>
   </a:extLst>
 </a:theme>
+</file>
+
+<file path=ppt/theme/theme2.xml><?xml version="1.0" encoding="utf-8"?>
+<a:theme xmlns:a="http://schemas.openxmlformats.org/drawingml/2006/main" name="Office Theme">
+  <a:themeElements>
+    <a:clrScheme name="Office">
+      <a:dk1>
+        <a:sysClr val="windowText" lastClr="000000"/>
+      </a:dk1>
+      <a:lt1>
+        <a:sysClr val="window" lastClr="FFFFFF"/>
+      </a:lt1>
+      <a:dk2>
+        <a:srgbClr val="44546A"/>
+      </a:dk2>
+      <a:lt2>
+        <a:srgbClr val="E7E6E6"/>
+      </a:lt2>
+      <a:accent1>
+        <a:srgbClr val="4472C4"/>
+      </a:accent1>
+      <a:accent2>
+        <a:srgbClr val="ED7D31"/>
+      </a:accent2>
+      <a:accent3>
+        <a:srgbClr val="A5A5A5"/>
+      </a:accent3>
+      <a:accent4>
+        <a:srgbClr val="FFC000"/>
+      </a:accent4>
+      <a:accent5>
+        <a:srgbClr val="5B9BD5"/>
+      </a:accent5>
+      <a:accent6>
+        <a:srgbClr val="70AD47"/>
+      </a:accent6>
+      <a:hlink>
+        <a:srgbClr val="0563C1"/>
+      </a:hlink>
+      <a:folHlink>
+        <a:srgbClr val="954F72"/>
+      </a:folHlink>
+    </a:clrScheme>
+    <a:fontScheme name="Office">
+      <a:majorFont>
+        <a:latin typeface="Calibri Light" panose="020F0302020204030204"/>
+        <a:ea typeface=""/>
+        <a:cs typeface=""/>
+        <a:font script="Jpan" typeface="游ゴシック Light"/>
+        <a:font script="Hang" typeface="맑은 고딕"/>
+        <a:font script="Hans" typeface="等线 Light"/>
+        <a:font script="Hant" typeface="新細明體"/>
+        <a:font script="Arab" typeface="Times New Roman"/>
+        <a:font script="Hebr" typeface="Times New Roman"/>
+        <a:font script="Thai" typeface="Angsana New"/>
+        <a:font script="Ethi" typeface="Nyala"/>
+        <a:font script="Beng" typeface="Vrinda"/>
+        <a:font script="Gujr" typeface="Shruti"/>
+        <a:font script="Khmr" typeface="MoolBoran"/>
+        <a:font script="Knda" typeface="Tunga"/>
+        <a:font script="Guru" typeface="Raavi"/>
+        <a:font script="Cans" typeface="Euphemia"/>
+        <a:font script="Cher" typeface="Plantagenet Cherokee"/>
+        <a:font script="Yiii" typeface="Microsoft Yi Baiti"/>
+        <a:font script="Tibt" typeface="Microsoft Himalaya"/>
+        <a:font script="Thaa" typeface="MV Boli"/>
+        <a:font script="Deva" typeface="Mangal"/>
+        <a:font script="Telu" typeface="Gautami"/>
+        <a:font script="Taml" typeface="Latha"/>
+        <a:font script="Syrc" typeface="Estrangelo Edessa"/>
+        <a:font script="Orya" typeface="Kalinga"/>
+        <a:font script="Mlym" typeface="Kartika"/>
+        <a:font script="Laoo" typeface="DokChampa"/>
+        <a:font script="Sinh" typeface="Iskoola Pota"/>
+        <a:font script="Mong" typeface="Mongolian Baiti"/>
+        <a:font script="Viet" typeface="Times New Roman"/>
+        <a:font script="Uigh" typeface="Microsoft Uighur"/>
+        <a:font script="Geor" typeface="Sylfaen"/>
+        <a:font script="Armn" typeface="Arial"/>
+        <a:font script="Bugi" typeface="Leelawadee UI"/>
+        <a:font script="Bopo" typeface="Microsoft JhengHei"/>
+        <a:font script="Java" typeface="Javanese Text"/>
+        <a:font script="Lisu" typeface="Segoe UI"/>
+        <a:font script="Mymr" typeface="Myanmar Text"/>
+        <a:font script="Nkoo" typeface="Ebrima"/>
+        <a:font script="Olck" typeface="Nirmala UI"/>
+        <a:font script="Osma" typeface="Ebrima"/>
+        <a:font script="Phag" typeface="Phagspa"/>
+        <a:font script="Syrn" typeface="Estrangelo Edessa"/>
+        <a:font script="Syrj" typeface="Estrangelo Edessa"/>
+        <a:font script="Syre" typeface="Estrangelo Edessa"/>
+        <a:font script="Sora" typeface="Nirmala UI"/>
+        <a:font script="Tale" typeface="Microsoft Tai Le"/>
+        <a:font script="Talu" typeface="Microsoft New Tai Lue"/>
+        <a:font script="Tfng" typeface="Ebrima"/>
+      </a:majorFont>
+      <a:minorFont>
+        <a:latin typeface="Calibri" panose="020F0502020204030204"/>
+        <a:ea typeface=""/>
+        <a:cs typeface=""/>
+        <a:font script="Jpan" typeface="游ゴシック"/>
+        <a:font script="Hang" typeface="맑은 고딕"/>
+        <a:font script="Hans" typeface="等线"/>
+        <a:font script="Hant" typeface="新細明體"/>
+        <a:font script="Arab" typeface="Arial"/>
+        <a:font script="Hebr" typeface="Arial"/>
+        <a:font script="Thai" typeface="Cordia New"/>
+        <a:font script="Ethi" typeface="Nyala"/>
+        <a:font script="Beng" typeface="Vrinda"/>
+        <a:font script="Gujr" typeface="Shruti"/>
+        <a:font script="Khmr" typeface="DaunPenh"/>
+        <a:font script="Knda" typeface="Tunga"/>
+        <a:font script="Guru" typeface="Raavi"/>
+        <a:font script="Cans" typeface="Euphemia"/>
+        <a:font script="Cher" typeface="Plantagenet Cherokee"/>
+        <a:font script="Yiii" typeface="Microsoft Yi Baiti"/>
+        <a:font script="Tibt" typeface="Microsoft Himalaya"/>
+        <a:font script="Thaa" typeface="MV Boli"/>
+        <a:font script="Deva" typeface="Mangal"/>
+        <a:font script="Telu" typeface="Gautami"/>
+        <a:font script="Taml" typeface="Latha"/>
+        <a:font script="Syrc" typeface="Estrangelo Edessa"/>
+        <a:font script="Orya" typeface="Kalinga"/>
+        <a:font script="Mlym" typeface="Kartika"/>
+        <a:font script="Laoo" typeface="DokChampa"/>
+        <a:font script="Sinh" typeface="Iskoola Pota"/>
+        <a:font script="Mong" typeface="Mongolian Baiti"/>
+        <a:font script="Viet" typeface="Arial"/>
+        <a:font script="Uigh" typeface="Microsoft Uighur"/>
+        <a:font script="Geor" typeface="Sylfaen"/>
+        <a:font script="Armn" typeface="Arial"/>
+        <a:font script="Bugi" typeface="Leelawadee UI"/>
+        <a:font script="Bopo" typeface="Microsoft JhengHei"/>
+        <a:font script="Java" typeface="Javanese Text"/>
+        <a:font script="Lisu" typeface="Segoe UI"/>
+        <a:font script="Mymr" typeface="Myanmar Text"/>
+        <a:font script="Nkoo" typeface="Ebrima"/>
+        <a:font script="Olck" typeface="Nirmala UI"/>
+        <a:font script="Osma" typeface="Ebrima"/>
+        <a:font script="Phag" typeface="Phagspa"/>
+        <a:font script="Syrn" typeface="Estrangelo Edessa"/>
+        <a:font script="Syrj" typeface="Estrangelo Edessa"/>
+        <a:font script="Syre" typeface="Estrangelo Edessa"/>
+        <a:font script="Sora" typeface="Nirmala UI"/>
+        <a:font script="Tale" typeface="Microsoft Tai Le"/>
+        <a:font script="Talu" typeface="Microsoft New Tai Lue"/>
+        <a:font script="Tfng" typeface="Ebrima"/>
+      </a:minorFont>
+    </a:fontScheme>
+    <a:fmtScheme name="Office">
+      <a:fillStyleLst>
+        <a:solidFill>
+          <a:schemeClr val="phClr"/>
+        </a:solidFill>
+        <a:gradFill rotWithShape="1">
+          <a:gsLst>
+            <a:gs pos="0">
+              <a:schemeClr val="phClr">
+                <a:lumMod val="110000"/>
+                <a:satMod val="105000"/>
+                <a:tint val="67000"/>
+              </a:schemeClr>
+            </a:gs>
+            <a:gs pos="50000">
+              <a:schemeClr val="phClr">
+                <a:lumMod val="105000"/>
+                <a:satMod val="103000"/>
+                <a:tint val="73000"/>
+              </a:schemeClr>
+            </a:gs>
+            <a:gs pos="100000">
+              <a:schemeClr val="phClr">
+                <a:lumMod val="105000"/>
+                <a:satMod val="109000"/>
+                <a:tint val="81000"/>
+              </a:schemeClr>
+            </a:gs>
+          </a:gsLst>
+          <a:lin ang="5400000" scaled="0"/>
+        </a:gradFill>
+        <a:gradFill rotWithShape="1">
+          <a:gsLst>
+            <a:gs pos="0">
+              <a:schemeClr val="phClr">
+                <a:satMod val="103000"/>
+                <a:lumMod val="102000"/>
+                <a:tint val="94000"/>
+              </a:schemeClr>
+            </a:gs>
+            <a:gs pos="50000">
+              <a:schemeClr val="phClr">
+                <a:satMod val="110000"/>
+                <a:lumMod val="100000"/>
+                <a:shade val="100000"/>
+              </a:schemeClr>
+            </a:gs>
+            <a:gs pos="100000">
+              <a:schemeClr val="phClr">
+                <a:lumMod val="99000"/>
+                <a:satMod val="120000"/>
+                <a:shade val="78000"/>
+              </a:schemeClr>
+            </a:gs>
+          </a:gsLst>
+          <a:lin ang="5400000" scaled="0"/>
+        </a:gradFill>
+      </a:fillStyleLst>
+      <a:lnStyleLst>
+        <a:ln w="6350" cap="flat" cmpd="sng" algn="ctr">
+          <a:solidFill>
+            <a:schemeClr val="phClr"/>
+          </a:solidFill>
+          <a:prstDash val="solid"/>
+          <a:miter lim="800000"/>
+        </a:ln>
+        <a:ln w="12700" cap="flat" cmpd="sng" algn="ctr">
+          <a:solidFill>
+            <a:schemeClr val="phClr"/>
+          </a:solidFill>
+          <a:prstDash val="solid"/>
+          <a:miter lim="800000"/>
+        </a:ln>
+        <a:ln w="19050" cap="flat" cmpd="sng" algn="ctr">
+          <a:solidFill>
+            <a:schemeClr val="phClr"/>
+          </a:solidFill>
+          <a:prstDash val="solid"/>
+          <a:miter lim="800000"/>
+        </a:ln>
+      </a:lnStyleLst>
+      <a:effectStyleLst>
+        <a:effectStyle>
+          <a:effectLst/>
+        </a:effectStyle>
+        <a:effectStyle>
+          <a:effectLst/>
+        </a:effectStyle>
+        <a:effectStyle>
+          <a:effectLst>
+            <a:outerShdw blurRad="57150" dist="19050" dir="5400000" algn="ctr" rotWithShape="0">
+              <a:srgbClr val="000000">
+                <a:alpha val="63000"/>
+              </a:srgbClr>
+            </a:outerShdw>
+          </a:effectLst>
+        </a:effectStyle>
+      </a:effectStyleLst>
+      <a:bgFillStyleLst>
+        <a:solidFill>
+          <a:schemeClr val="phClr"/>
+        </a:solidFill>
+        <a:solidFill>
+          <a:schemeClr val="phClr">
+            <a:tint val="95000"/>
+            <a:satMod val="170000"/>
+          </a:schemeClr>
+        </a:solidFill>
+        <a:gradFill rotWithShape="1">
+          <a:gsLst>
+            <a:gs pos="0">
+              <a:schemeClr val="phClr">
+                <a:tint val="93000"/>
+                <a:satMod val="150000"/>
+                <a:shade val="98000"/>
+                <a:lumMod val="102000"/>
+              </a:schemeClr>
+            </a:gs>
+            <a:gs pos="50000">
+              <a:schemeClr val="phClr">
+                <a:tint val="98000"/>
+                <a:satMod val="130000"/>
+                <a:shade val="90000"/>
+                <a:lumMod val="103000"/>
+              </a:schemeClr>
+            </a:gs>
+            <a:gs pos="100000">
+              <a:schemeClr val="phClr">
+                <a:shade val="63000"/>
+                <a:satMod val="120000"/>
+              </a:schemeClr>
+            </a:gs>
+          </a:gsLst>
+          <a:lin ang="5400000" scaled="0"/>
+        </a:gradFill>
+      </a:bgFillStyleLst>
+    </a:fmtScheme>
+  </a:themeElements>
+  <a:objectDefaults/>
+  <a:extraClrSchemeLst/>
+  <a:extLst>
+    <a:ext uri="{05A4C25C-085E-4340-85A3-A5531E510DB2}">
+      <thm15:themeFamily xmlns:thm15="http://schemas.microsoft.com/office/thememl/2012/main" name="Office Theme" id="{62F939B6-93AF-4DB8-9C6B-D6C7DFDC589F}" vid="{4A3C46E8-61CC-4603-A589-7422A47A8E4A}"/>
+    </a:ext>
+  </a:extLst>
+</a:theme>
 </file>
--- a/Diagnostics/local/Cori/figure_temp/New Microsoft PowerPoint Presentation (2).pptx
+++ b/Diagnostics/local/Cori/figure_temp/New Microsoft PowerPoint Presentation (2).pptx
@@ -2,16 +2,15 @@
 <file path=ppt/presentation.xml><?xml version="1.0" encoding="utf-8"?>
 <p:presentation xmlns:a="http://schemas.openxmlformats.org/drawingml/2006/main" xmlns:r="http://schemas.openxmlformats.org/officeDocument/2006/relationships" xmlns:p="http://schemas.openxmlformats.org/presentationml/2006/main" saveSubsetFonts="1">
   <p:sldMasterIdLst>
-    <p:sldMasterId id="2147483732" r:id="rId1"/>
+    <p:sldMasterId id="2147483768" r:id="rId1"/>
   </p:sldMasterIdLst>
   <p:notesMasterIdLst>
-    <p:notesMasterId r:id="rId4"/>
+    <p:notesMasterId r:id="rId3"/>
   </p:notesMasterIdLst>
   <p:sldIdLst>
-    <p:sldId id="256" r:id="rId2"/>
-    <p:sldId id="257" r:id="rId3"/>
+    <p:sldId id="257" r:id="rId2"/>
   </p:sldIdLst>
-  <p:sldSz cx="5486400" cy="3657600"/>
+  <p:sldSz cx="13258800" cy="7315200"/>
   <p:notesSz cx="6858000" cy="9144000"/>
   <p:defaultTextStyle>
     <a:defPPr>
@@ -198,7 +197,7 @@
           <a:p>
             <a:fld id="{EF01F5E3-F218-412E-8BC3-D55FF0C40A04}" type="datetimeFigureOut">
               <a:rPr lang="en-US" smtClean="0"/>
-              <a:t>8/12/2022</a:t>
+              <a:t>8/16/2022</a:t>
             </a:fld>
             <a:endParaRPr lang="en-US"/>
           </a:p>
@@ -216,8 +215,8 @@
         </p:nvSpPr>
         <p:spPr>
           <a:xfrm>
-            <a:off x="1114425" y="1143000"/>
-            <a:ext cx="4629150" cy="3086100"/>
+            <a:off x="633413" y="1143000"/>
+            <a:ext cx="5591175" cy="3086100"/>
           </a:xfrm>
           <a:prstGeom prst="rect">
             <a:avLst/>
@@ -371,8 +370,8 @@
   </p:cSld>
   <p:clrMap bg1="lt1" tx1="dk1" bg2="lt2" tx2="dk2" accent1="accent1" accent2="accent2" accent3="accent3" accent4="accent4" accent5="accent5" accent6="accent6" hlink="hlink" folHlink="folHlink"/>
   <p:notesStyle>
-    <a:lvl1pPr marL="0" algn="l" defTabSz="914400" rtl="0" eaLnBrk="1" latinLnBrk="0" hangingPunct="1">
-      <a:defRPr sz="1200" kern="1200">
+    <a:lvl1pPr marL="0" algn="l" defTabSz="1920240" rtl="0" eaLnBrk="1" latinLnBrk="0" hangingPunct="1">
+      <a:defRPr sz="2520" kern="1200">
         <a:solidFill>
           <a:schemeClr val="tx1"/>
         </a:solidFill>
@@ -381,8 +380,8 @@
         <a:cs typeface="+mn-cs"/>
       </a:defRPr>
     </a:lvl1pPr>
-    <a:lvl2pPr marL="457200" algn="l" defTabSz="914400" rtl="0" eaLnBrk="1" latinLnBrk="0" hangingPunct="1">
-      <a:defRPr sz="1200" kern="1200">
+    <a:lvl2pPr marL="960120" algn="l" defTabSz="1920240" rtl="0" eaLnBrk="1" latinLnBrk="0" hangingPunct="1">
+      <a:defRPr sz="2520" kern="1200">
         <a:solidFill>
           <a:schemeClr val="tx1"/>
         </a:solidFill>
@@ -391,8 +390,8 @@
         <a:cs typeface="+mn-cs"/>
       </a:defRPr>
     </a:lvl2pPr>
-    <a:lvl3pPr marL="914400" algn="l" defTabSz="914400" rtl="0" eaLnBrk="1" latinLnBrk="0" hangingPunct="1">
-      <a:defRPr sz="1200" kern="1200">
+    <a:lvl3pPr marL="1920240" algn="l" defTabSz="1920240" rtl="0" eaLnBrk="1" latinLnBrk="0" hangingPunct="1">
+      <a:defRPr sz="2520" kern="1200">
         <a:solidFill>
           <a:schemeClr val="tx1"/>
         </a:solidFill>
@@ -401,8 +400,8 @@
         <a:cs typeface="+mn-cs"/>
       </a:defRPr>
     </a:lvl3pPr>
-    <a:lvl4pPr marL="1371600" algn="l" defTabSz="914400" rtl="0" eaLnBrk="1" latinLnBrk="0" hangingPunct="1">
-      <a:defRPr sz="1200" kern="1200">
+    <a:lvl4pPr marL="2880360" algn="l" defTabSz="1920240" rtl="0" eaLnBrk="1" latinLnBrk="0" hangingPunct="1">
+      <a:defRPr sz="2520" kern="1200">
         <a:solidFill>
           <a:schemeClr val="tx1"/>
         </a:solidFill>
@@ -411,8 +410,8 @@
         <a:cs typeface="+mn-cs"/>
       </a:defRPr>
     </a:lvl4pPr>
-    <a:lvl5pPr marL="1828800" algn="l" defTabSz="914400" rtl="0" eaLnBrk="1" latinLnBrk="0" hangingPunct="1">
-      <a:defRPr sz="1200" kern="1200">
+    <a:lvl5pPr marL="3840480" algn="l" defTabSz="1920240" rtl="0" eaLnBrk="1" latinLnBrk="0" hangingPunct="1">
+      <a:defRPr sz="2520" kern="1200">
         <a:solidFill>
           <a:schemeClr val="tx1"/>
         </a:solidFill>
@@ -421,8 +420,8 @@
         <a:cs typeface="+mn-cs"/>
       </a:defRPr>
     </a:lvl5pPr>
-    <a:lvl6pPr marL="2286000" algn="l" defTabSz="914400" rtl="0" eaLnBrk="1" latinLnBrk="0" hangingPunct="1">
-      <a:defRPr sz="1200" kern="1200">
+    <a:lvl6pPr marL="4800600" algn="l" defTabSz="1920240" rtl="0" eaLnBrk="1" latinLnBrk="0" hangingPunct="1">
+      <a:defRPr sz="2520" kern="1200">
         <a:solidFill>
           <a:schemeClr val="tx1"/>
         </a:solidFill>
@@ -431,8 +430,8 @@
         <a:cs typeface="+mn-cs"/>
       </a:defRPr>
     </a:lvl6pPr>
-    <a:lvl7pPr marL="2743200" algn="l" defTabSz="914400" rtl="0" eaLnBrk="1" latinLnBrk="0" hangingPunct="1">
-      <a:defRPr sz="1200" kern="1200">
+    <a:lvl7pPr marL="5760720" algn="l" defTabSz="1920240" rtl="0" eaLnBrk="1" latinLnBrk="0" hangingPunct="1">
+      <a:defRPr sz="2520" kern="1200">
         <a:solidFill>
           <a:schemeClr val="tx1"/>
         </a:solidFill>
@@ -441,8 +440,8 @@
         <a:cs typeface="+mn-cs"/>
       </a:defRPr>
     </a:lvl7pPr>
-    <a:lvl8pPr marL="3200400" algn="l" defTabSz="914400" rtl="0" eaLnBrk="1" latinLnBrk="0" hangingPunct="1">
-      <a:defRPr sz="1200" kern="1200">
+    <a:lvl8pPr marL="6720840" algn="l" defTabSz="1920240" rtl="0" eaLnBrk="1" latinLnBrk="0" hangingPunct="1">
+      <a:defRPr sz="2520" kern="1200">
         <a:solidFill>
           <a:schemeClr val="tx1"/>
         </a:solidFill>
@@ -451,8 +450,8 @@
         <a:cs typeface="+mn-cs"/>
       </a:defRPr>
     </a:lvl8pPr>
-    <a:lvl9pPr marL="3657600" algn="l" defTabSz="914400" rtl="0" eaLnBrk="1" latinLnBrk="0" hangingPunct="1">
-      <a:defRPr sz="1200" kern="1200">
+    <a:lvl9pPr marL="7680960" algn="l" defTabSz="1920240" rtl="0" eaLnBrk="1" latinLnBrk="0" hangingPunct="1">
+      <a:defRPr sz="2520" kern="1200">
         <a:solidFill>
           <a:schemeClr val="tx1"/>
         </a:solidFill>
@@ -492,7 +491,12 @@
             <p:ph type="sldImg"/>
           </p:nvPr>
         </p:nvSpPr>
-        <p:spPr/>
+        <p:spPr>
+          <a:xfrm>
+            <a:off x="633413" y="1143000"/>
+            <a:ext cx="5591175" cy="3086100"/>
+          </a:xfrm>
+        </p:spPr>
       </p:sp>
       <p:sp>
         <p:nvSpPr>
@@ -530,7 +534,7 @@
           <a:p>
             <a:fld id="{AFD65F47-2FD9-43BB-BA8A-4A01C26ED9AC}" type="slidenum">
               <a:rPr lang="en-US" smtClean="0"/>
-              <a:t>2</a:t>
+              <a:t>1</a:t>
             </a:fld>
             <a:endParaRPr lang="en-US"/>
           </a:p>
@@ -578,15 +582,15 @@
         </p:nvSpPr>
         <p:spPr>
           <a:xfrm>
-            <a:off x="411480" y="598593"/>
-            <a:ext cx="4663440" cy="1273387"/>
+            <a:off x="1657350" y="1197187"/>
+            <a:ext cx="9944100" cy="2546773"/>
           </a:xfrm>
         </p:spPr>
         <p:txBody>
           <a:bodyPr anchor="b"/>
           <a:lstStyle>
             <a:lvl1pPr algn="ctr">
-              <a:defRPr sz="3200"/>
+              <a:defRPr sz="6400"/>
             </a:lvl1pPr>
           </a:lstStyle>
           <a:p>
@@ -610,8 +614,8 @@
         </p:nvSpPr>
         <p:spPr>
           <a:xfrm>
-            <a:off x="685800" y="1921087"/>
-            <a:ext cx="4114800" cy="883073"/>
+            <a:off x="1657350" y="3842174"/>
+            <a:ext cx="9944100" cy="1766146"/>
           </a:xfrm>
         </p:spPr>
         <p:txBody>
@@ -619,39 +623,39 @@
           <a:lstStyle>
             <a:lvl1pPr marL="0" indent="0" algn="ctr">
               <a:buNone/>
-              <a:defRPr sz="1280"/>
+              <a:defRPr sz="2560"/>
             </a:lvl1pPr>
-            <a:lvl2pPr marL="243825" indent="0" algn="ctr">
-              <a:buNone/>
-              <a:defRPr sz="1067"/>
+            <a:lvl2pPr marL="487695" indent="0" algn="ctr">
+              <a:buNone/>
+              <a:defRPr sz="2133"/>
             </a:lvl2pPr>
-            <a:lvl3pPr marL="487650" indent="0" algn="ctr">
-              <a:buNone/>
-              <a:defRPr sz="960"/>
+            <a:lvl3pPr marL="975390" indent="0" algn="ctr">
+              <a:buNone/>
+              <a:defRPr sz="1920"/>
             </a:lvl3pPr>
-            <a:lvl4pPr marL="731474" indent="0" algn="ctr">
-              <a:buNone/>
-              <a:defRPr sz="853"/>
+            <a:lvl4pPr marL="1463086" indent="0" algn="ctr">
+              <a:buNone/>
+              <a:defRPr sz="1707"/>
             </a:lvl4pPr>
-            <a:lvl5pPr marL="975299" indent="0" algn="ctr">
-              <a:buNone/>
-              <a:defRPr sz="853"/>
+            <a:lvl5pPr marL="1950781" indent="0" algn="ctr">
+              <a:buNone/>
+              <a:defRPr sz="1707"/>
             </a:lvl5pPr>
-            <a:lvl6pPr marL="1219124" indent="0" algn="ctr">
-              <a:buNone/>
-              <a:defRPr sz="853"/>
+            <a:lvl6pPr marL="2438476" indent="0" algn="ctr">
+              <a:buNone/>
+              <a:defRPr sz="1707"/>
             </a:lvl6pPr>
-            <a:lvl7pPr marL="1462949" indent="0" algn="ctr">
-              <a:buNone/>
-              <a:defRPr sz="853"/>
+            <a:lvl7pPr marL="2926171" indent="0" algn="ctr">
+              <a:buNone/>
+              <a:defRPr sz="1707"/>
             </a:lvl7pPr>
-            <a:lvl8pPr marL="1706773" indent="0" algn="ctr">
-              <a:buNone/>
-              <a:defRPr sz="853"/>
+            <a:lvl8pPr marL="3413867" indent="0" algn="ctr">
+              <a:buNone/>
+              <a:defRPr sz="1707"/>
             </a:lvl8pPr>
-            <a:lvl9pPr marL="1950598" indent="0" algn="ctr">
-              <a:buNone/>
-              <a:defRPr sz="853"/>
+            <a:lvl9pPr marL="3901562" indent="0" algn="ctr">
+              <a:buNone/>
+              <a:defRPr sz="1707"/>
             </a:lvl9pPr>
           </a:lstStyle>
           <a:p>
@@ -680,7 +684,7 @@
           <a:p>
             <a:fld id="{D7255102-6478-444A-A334-5416F04ED077}" type="datetimeFigureOut">
               <a:rPr lang="en-US" smtClean="0"/>
-              <a:t>8/12/2022</a:t>
+              <a:t>8/16/2022</a:t>
             </a:fld>
             <a:endParaRPr lang="en-US"/>
           </a:p>
@@ -731,7 +735,7 @@
     </p:spTree>
     <p:extLst>
       <p:ext uri="{BB962C8B-B14F-4D97-AF65-F5344CB8AC3E}">
-        <p14:creationId xmlns:p14="http://schemas.microsoft.com/office/powerpoint/2010/main" val="2597491283"/>
+        <p14:creationId xmlns:p14="http://schemas.microsoft.com/office/powerpoint/2010/main" val="1140646750"/>
       </p:ext>
     </p:extLst>
   </p:cSld>
@@ -850,7 +854,7 @@
           <a:p>
             <a:fld id="{D7255102-6478-444A-A334-5416F04ED077}" type="datetimeFigureOut">
               <a:rPr lang="en-US" smtClean="0"/>
-              <a:t>8/12/2022</a:t>
+              <a:t>8/16/2022</a:t>
             </a:fld>
             <a:endParaRPr lang="en-US"/>
           </a:p>
@@ -901,7 +905,7 @@
     </p:spTree>
     <p:extLst>
       <p:ext uri="{BB962C8B-B14F-4D97-AF65-F5344CB8AC3E}">
-        <p14:creationId xmlns:p14="http://schemas.microsoft.com/office/powerpoint/2010/main" val="2150351632"/>
+        <p14:creationId xmlns:p14="http://schemas.microsoft.com/office/powerpoint/2010/main" val="2483943453"/>
       </p:ext>
     </p:extLst>
   </p:cSld>
@@ -940,8 +944,8 @@
         </p:nvSpPr>
         <p:spPr>
           <a:xfrm>
-            <a:off x="3926205" y="194733"/>
-            <a:ext cx="1183005" cy="3099647"/>
+            <a:off x="9488329" y="389467"/>
+            <a:ext cx="2858929" cy="6199294"/>
           </a:xfrm>
         </p:spPr>
         <p:txBody>
@@ -968,8 +972,8 @@
         </p:nvSpPr>
         <p:spPr>
           <a:xfrm>
-            <a:off x="377190" y="194733"/>
-            <a:ext cx="3480435" cy="3099647"/>
+            <a:off x="911543" y="389467"/>
+            <a:ext cx="8411051" cy="6199294"/>
           </a:xfrm>
         </p:spPr>
         <p:txBody>
@@ -1030,7 +1034,7 @@
           <a:p>
             <a:fld id="{D7255102-6478-444A-A334-5416F04ED077}" type="datetimeFigureOut">
               <a:rPr lang="en-US" smtClean="0"/>
-              <a:t>8/12/2022</a:t>
+              <a:t>8/16/2022</a:t>
             </a:fld>
             <a:endParaRPr lang="en-US"/>
           </a:p>
@@ -1081,7 +1085,7 @@
     </p:spTree>
     <p:extLst>
       <p:ext uri="{BB962C8B-B14F-4D97-AF65-F5344CB8AC3E}">
-        <p14:creationId xmlns:p14="http://schemas.microsoft.com/office/powerpoint/2010/main" val="3607282332"/>
+        <p14:creationId xmlns:p14="http://schemas.microsoft.com/office/powerpoint/2010/main" val="1363759358"/>
       </p:ext>
     </p:extLst>
   </p:cSld>
@@ -1200,7 +1204,7 @@
           <a:p>
             <a:fld id="{D7255102-6478-444A-A334-5416F04ED077}" type="datetimeFigureOut">
               <a:rPr lang="en-US" smtClean="0"/>
-              <a:t>8/12/2022</a:t>
+              <a:t>8/16/2022</a:t>
             </a:fld>
             <a:endParaRPr lang="en-US"/>
           </a:p>
@@ -1251,7 +1255,7 @@
     </p:spTree>
     <p:extLst>
       <p:ext uri="{BB962C8B-B14F-4D97-AF65-F5344CB8AC3E}">
-        <p14:creationId xmlns:p14="http://schemas.microsoft.com/office/powerpoint/2010/main" val="4148012698"/>
+        <p14:creationId xmlns:p14="http://schemas.microsoft.com/office/powerpoint/2010/main" val="3273063674"/>
       </p:ext>
     </p:extLst>
   </p:cSld>
@@ -1290,15 +1294,15 @@
         </p:nvSpPr>
         <p:spPr>
           <a:xfrm>
-            <a:off x="374333" y="911861"/>
-            <a:ext cx="4732020" cy="1521460"/>
+            <a:off x="904637" y="1823721"/>
+            <a:ext cx="11435715" cy="3042919"/>
           </a:xfrm>
         </p:spPr>
         <p:txBody>
           <a:bodyPr anchor="b"/>
           <a:lstStyle>
             <a:lvl1pPr>
-              <a:defRPr sz="3200"/>
+              <a:defRPr sz="6400"/>
             </a:lvl1pPr>
           </a:lstStyle>
           <a:p>
@@ -1322,8 +1326,8 @@
         </p:nvSpPr>
         <p:spPr>
           <a:xfrm>
-            <a:off x="374333" y="2447714"/>
-            <a:ext cx="4732020" cy="800100"/>
+            <a:off x="904637" y="4895428"/>
+            <a:ext cx="11435715" cy="1600199"/>
           </a:xfrm>
         </p:spPr>
         <p:txBody>
@@ -1331,15 +1335,17 @@
           <a:lstStyle>
             <a:lvl1pPr marL="0" indent="0">
               <a:buNone/>
-              <a:defRPr sz="1280">
+              <a:defRPr sz="2560">
                 <a:solidFill>
-                  <a:schemeClr val="tx1"/>
+                  <a:schemeClr val="tx1">
+                    <a:tint val="75000"/>
+                  </a:schemeClr>
                 </a:solidFill>
               </a:defRPr>
             </a:lvl1pPr>
-            <a:lvl2pPr marL="243825" indent="0">
-              <a:buNone/>
-              <a:defRPr sz="1067">
+            <a:lvl2pPr marL="487695" indent="0">
+              <a:buNone/>
+              <a:defRPr sz="2133">
                 <a:solidFill>
                   <a:schemeClr val="tx1">
                     <a:tint val="75000"/>
@@ -1347,9 +1353,9 @@
                 </a:solidFill>
               </a:defRPr>
             </a:lvl2pPr>
-            <a:lvl3pPr marL="487650" indent="0">
-              <a:buNone/>
-              <a:defRPr sz="960">
+            <a:lvl3pPr marL="975390" indent="0">
+              <a:buNone/>
+              <a:defRPr sz="1920">
                 <a:solidFill>
                   <a:schemeClr val="tx1">
                     <a:tint val="75000"/>
@@ -1357,9 +1363,9 @@
                 </a:solidFill>
               </a:defRPr>
             </a:lvl3pPr>
-            <a:lvl4pPr marL="731474" indent="0">
-              <a:buNone/>
-              <a:defRPr sz="853">
+            <a:lvl4pPr marL="1463086" indent="0">
+              <a:buNone/>
+              <a:defRPr sz="1707">
                 <a:solidFill>
                   <a:schemeClr val="tx1">
                     <a:tint val="75000"/>
@@ -1367,9 +1373,9 @@
                 </a:solidFill>
               </a:defRPr>
             </a:lvl4pPr>
-            <a:lvl5pPr marL="975299" indent="0">
-              <a:buNone/>
-              <a:defRPr sz="853">
+            <a:lvl5pPr marL="1950781" indent="0">
+              <a:buNone/>
+              <a:defRPr sz="1707">
                 <a:solidFill>
                   <a:schemeClr val="tx1">
                     <a:tint val="75000"/>
@@ -1377,9 +1383,9 @@
                 </a:solidFill>
               </a:defRPr>
             </a:lvl5pPr>
-            <a:lvl6pPr marL="1219124" indent="0">
-              <a:buNone/>
-              <a:defRPr sz="853">
+            <a:lvl6pPr marL="2438476" indent="0">
+              <a:buNone/>
+              <a:defRPr sz="1707">
                 <a:solidFill>
                   <a:schemeClr val="tx1">
                     <a:tint val="75000"/>
@@ -1387,9 +1393,9 @@
                 </a:solidFill>
               </a:defRPr>
             </a:lvl6pPr>
-            <a:lvl7pPr marL="1462949" indent="0">
-              <a:buNone/>
-              <a:defRPr sz="853">
+            <a:lvl7pPr marL="2926171" indent="0">
+              <a:buNone/>
+              <a:defRPr sz="1707">
                 <a:solidFill>
                   <a:schemeClr val="tx1">
                     <a:tint val="75000"/>
@@ -1397,9 +1403,9 @@
                 </a:solidFill>
               </a:defRPr>
             </a:lvl7pPr>
-            <a:lvl8pPr marL="1706773" indent="0">
-              <a:buNone/>
-              <a:defRPr sz="853">
+            <a:lvl8pPr marL="3413867" indent="0">
+              <a:buNone/>
+              <a:defRPr sz="1707">
                 <a:solidFill>
                   <a:schemeClr val="tx1">
                     <a:tint val="75000"/>
@@ -1407,9 +1413,9 @@
                 </a:solidFill>
               </a:defRPr>
             </a:lvl8pPr>
-            <a:lvl9pPr marL="1950598" indent="0">
-              <a:buNone/>
-              <a:defRPr sz="853">
+            <a:lvl9pPr marL="3901562" indent="0">
+              <a:buNone/>
+              <a:defRPr sz="1707">
                 <a:solidFill>
                   <a:schemeClr val="tx1">
                     <a:tint val="75000"/>
@@ -1444,7 +1450,7 @@
           <a:p>
             <a:fld id="{D7255102-6478-444A-A334-5416F04ED077}" type="datetimeFigureOut">
               <a:rPr lang="en-US" smtClean="0"/>
-              <a:t>8/12/2022</a:t>
+              <a:t>8/16/2022</a:t>
             </a:fld>
             <a:endParaRPr lang="en-US"/>
           </a:p>
@@ -1495,7 +1501,7 @@
     </p:spTree>
     <p:extLst>
       <p:ext uri="{BB962C8B-B14F-4D97-AF65-F5344CB8AC3E}">
-        <p14:creationId xmlns:p14="http://schemas.microsoft.com/office/powerpoint/2010/main" val="2835441286"/>
+        <p14:creationId xmlns:p14="http://schemas.microsoft.com/office/powerpoint/2010/main" val="429896781"/>
       </p:ext>
     </p:extLst>
   </p:cSld>
@@ -1557,8 +1563,8 @@
         </p:nvSpPr>
         <p:spPr>
           <a:xfrm>
-            <a:off x="377190" y="973666"/>
-            <a:ext cx="2331720" cy="2320714"/>
+            <a:off x="911543" y="1947333"/>
+            <a:ext cx="5634990" cy="4641427"/>
           </a:xfrm>
         </p:spPr>
         <p:txBody>
@@ -1614,8 +1620,8 @@
         </p:nvSpPr>
         <p:spPr>
           <a:xfrm>
-            <a:off x="2777490" y="973666"/>
-            <a:ext cx="2331720" cy="2320714"/>
+            <a:off x="6712268" y="1947333"/>
+            <a:ext cx="5634990" cy="4641427"/>
           </a:xfrm>
         </p:spPr>
         <p:txBody>
@@ -1676,7 +1682,7 @@
           <a:p>
             <a:fld id="{D7255102-6478-444A-A334-5416F04ED077}" type="datetimeFigureOut">
               <a:rPr lang="en-US" smtClean="0"/>
-              <a:t>8/12/2022</a:t>
+              <a:t>8/16/2022</a:t>
             </a:fld>
             <a:endParaRPr lang="en-US"/>
           </a:p>
@@ -1727,7 +1733,7 @@
     </p:spTree>
     <p:extLst>
       <p:ext uri="{BB962C8B-B14F-4D97-AF65-F5344CB8AC3E}">
-        <p14:creationId xmlns:p14="http://schemas.microsoft.com/office/powerpoint/2010/main" val="1196879544"/>
+        <p14:creationId xmlns:p14="http://schemas.microsoft.com/office/powerpoint/2010/main" val="2448619890"/>
       </p:ext>
     </p:extLst>
   </p:cSld>
@@ -1766,8 +1772,8 @@
         </p:nvSpPr>
         <p:spPr>
           <a:xfrm>
-            <a:off x="377905" y="194734"/>
-            <a:ext cx="4732020" cy="706967"/>
+            <a:off x="913269" y="389467"/>
+            <a:ext cx="11435715" cy="1413934"/>
           </a:xfrm>
         </p:spPr>
         <p:txBody>
@@ -1794,8 +1800,8 @@
         </p:nvSpPr>
         <p:spPr>
           <a:xfrm>
-            <a:off x="377905" y="896620"/>
-            <a:ext cx="2321004" cy="439420"/>
+            <a:off x="913270" y="1793241"/>
+            <a:ext cx="5609093" cy="878839"/>
           </a:xfrm>
         </p:spPr>
         <p:txBody>
@@ -1803,39 +1809,39 @@
           <a:lstStyle>
             <a:lvl1pPr marL="0" indent="0">
               <a:buNone/>
-              <a:defRPr sz="1280" b="1"/>
+              <a:defRPr sz="2560" b="1"/>
             </a:lvl1pPr>
-            <a:lvl2pPr marL="243825" indent="0">
-              <a:buNone/>
-              <a:defRPr sz="1067" b="1"/>
+            <a:lvl2pPr marL="487695" indent="0">
+              <a:buNone/>
+              <a:defRPr sz="2133" b="1"/>
             </a:lvl2pPr>
-            <a:lvl3pPr marL="487650" indent="0">
-              <a:buNone/>
-              <a:defRPr sz="960" b="1"/>
+            <a:lvl3pPr marL="975390" indent="0">
+              <a:buNone/>
+              <a:defRPr sz="1920" b="1"/>
             </a:lvl3pPr>
-            <a:lvl4pPr marL="731474" indent="0">
-              <a:buNone/>
-              <a:defRPr sz="853" b="1"/>
+            <a:lvl4pPr marL="1463086" indent="0">
+              <a:buNone/>
+              <a:defRPr sz="1707" b="1"/>
             </a:lvl4pPr>
-            <a:lvl5pPr marL="975299" indent="0">
-              <a:buNone/>
-              <a:defRPr sz="853" b="1"/>
+            <a:lvl5pPr marL="1950781" indent="0">
+              <a:buNone/>
+              <a:defRPr sz="1707" b="1"/>
             </a:lvl5pPr>
-            <a:lvl6pPr marL="1219124" indent="0">
-              <a:buNone/>
-              <a:defRPr sz="853" b="1"/>
+            <a:lvl6pPr marL="2438476" indent="0">
+              <a:buNone/>
+              <a:defRPr sz="1707" b="1"/>
             </a:lvl6pPr>
-            <a:lvl7pPr marL="1462949" indent="0">
-              <a:buNone/>
-              <a:defRPr sz="853" b="1"/>
+            <a:lvl7pPr marL="2926171" indent="0">
+              <a:buNone/>
+              <a:defRPr sz="1707" b="1"/>
             </a:lvl7pPr>
-            <a:lvl8pPr marL="1706773" indent="0">
-              <a:buNone/>
-              <a:defRPr sz="853" b="1"/>
+            <a:lvl8pPr marL="3413867" indent="0">
+              <a:buNone/>
+              <a:defRPr sz="1707" b="1"/>
             </a:lvl8pPr>
-            <a:lvl9pPr marL="1950598" indent="0">
-              <a:buNone/>
-              <a:defRPr sz="853" b="1"/>
+            <a:lvl9pPr marL="3901562" indent="0">
+              <a:buNone/>
+              <a:defRPr sz="1707" b="1"/>
             </a:lvl9pPr>
           </a:lstStyle>
           <a:p>
@@ -1859,8 +1865,8 @@
         </p:nvSpPr>
         <p:spPr>
           <a:xfrm>
-            <a:off x="377905" y="1336040"/>
-            <a:ext cx="2321004" cy="1965114"/>
+            <a:off x="913270" y="2672080"/>
+            <a:ext cx="5609093" cy="3930227"/>
           </a:xfrm>
         </p:spPr>
         <p:txBody>
@@ -1916,8 +1922,8 @@
         </p:nvSpPr>
         <p:spPr>
           <a:xfrm>
-            <a:off x="2777490" y="896620"/>
-            <a:ext cx="2332435" cy="439420"/>
+            <a:off x="6712267" y="1793241"/>
+            <a:ext cx="5636717" cy="878839"/>
           </a:xfrm>
         </p:spPr>
         <p:txBody>
@@ -1925,39 +1931,39 @@
           <a:lstStyle>
             <a:lvl1pPr marL="0" indent="0">
               <a:buNone/>
-              <a:defRPr sz="1280" b="1"/>
+              <a:defRPr sz="2560" b="1"/>
             </a:lvl1pPr>
-            <a:lvl2pPr marL="243825" indent="0">
-              <a:buNone/>
-              <a:defRPr sz="1067" b="1"/>
+            <a:lvl2pPr marL="487695" indent="0">
+              <a:buNone/>
+              <a:defRPr sz="2133" b="1"/>
             </a:lvl2pPr>
-            <a:lvl3pPr marL="487650" indent="0">
-              <a:buNone/>
-              <a:defRPr sz="960" b="1"/>
+            <a:lvl3pPr marL="975390" indent="0">
+              <a:buNone/>
+              <a:defRPr sz="1920" b="1"/>
             </a:lvl3pPr>
-            <a:lvl4pPr marL="731474" indent="0">
-              <a:buNone/>
-              <a:defRPr sz="853" b="1"/>
+            <a:lvl4pPr marL="1463086" indent="0">
+              <a:buNone/>
+              <a:defRPr sz="1707" b="1"/>
             </a:lvl4pPr>
-            <a:lvl5pPr marL="975299" indent="0">
-              <a:buNone/>
-              <a:defRPr sz="853" b="1"/>
+            <a:lvl5pPr marL="1950781" indent="0">
+              <a:buNone/>
+              <a:defRPr sz="1707" b="1"/>
             </a:lvl5pPr>
-            <a:lvl6pPr marL="1219124" indent="0">
-              <a:buNone/>
-              <a:defRPr sz="853" b="1"/>
+            <a:lvl6pPr marL="2438476" indent="0">
+              <a:buNone/>
+              <a:defRPr sz="1707" b="1"/>
             </a:lvl6pPr>
-            <a:lvl7pPr marL="1462949" indent="0">
-              <a:buNone/>
-              <a:defRPr sz="853" b="1"/>
+            <a:lvl7pPr marL="2926171" indent="0">
+              <a:buNone/>
+              <a:defRPr sz="1707" b="1"/>
             </a:lvl7pPr>
-            <a:lvl8pPr marL="1706773" indent="0">
-              <a:buNone/>
-              <a:defRPr sz="853" b="1"/>
+            <a:lvl8pPr marL="3413867" indent="0">
+              <a:buNone/>
+              <a:defRPr sz="1707" b="1"/>
             </a:lvl8pPr>
-            <a:lvl9pPr marL="1950598" indent="0">
-              <a:buNone/>
-              <a:defRPr sz="853" b="1"/>
+            <a:lvl9pPr marL="3901562" indent="0">
+              <a:buNone/>
+              <a:defRPr sz="1707" b="1"/>
             </a:lvl9pPr>
           </a:lstStyle>
           <a:p>
@@ -1981,8 +1987,8 @@
         </p:nvSpPr>
         <p:spPr>
           <a:xfrm>
-            <a:off x="2777490" y="1336040"/>
-            <a:ext cx="2332435" cy="1965114"/>
+            <a:off x="6712267" y="2672080"/>
+            <a:ext cx="5636717" cy="3930227"/>
           </a:xfrm>
         </p:spPr>
         <p:txBody>
@@ -2043,7 +2049,7 @@
           <a:p>
             <a:fld id="{D7255102-6478-444A-A334-5416F04ED077}" type="datetimeFigureOut">
               <a:rPr lang="en-US" smtClean="0"/>
-              <a:t>8/12/2022</a:t>
+              <a:t>8/16/2022</a:t>
             </a:fld>
             <a:endParaRPr lang="en-US"/>
           </a:p>
@@ -2094,7 +2100,7 @@
     </p:spTree>
     <p:extLst>
       <p:ext uri="{BB962C8B-B14F-4D97-AF65-F5344CB8AC3E}">
-        <p14:creationId xmlns:p14="http://schemas.microsoft.com/office/powerpoint/2010/main" val="266385019"/>
+        <p14:creationId xmlns:p14="http://schemas.microsoft.com/office/powerpoint/2010/main" val="3148360645"/>
       </p:ext>
     </p:extLst>
   </p:cSld>
@@ -2161,7 +2167,7 @@
           <a:p>
             <a:fld id="{D7255102-6478-444A-A334-5416F04ED077}" type="datetimeFigureOut">
               <a:rPr lang="en-US" smtClean="0"/>
-              <a:t>8/12/2022</a:t>
+              <a:t>8/16/2022</a:t>
             </a:fld>
             <a:endParaRPr lang="en-US"/>
           </a:p>
@@ -2212,7 +2218,7 @@
     </p:spTree>
     <p:extLst>
       <p:ext uri="{BB962C8B-B14F-4D97-AF65-F5344CB8AC3E}">
-        <p14:creationId xmlns:p14="http://schemas.microsoft.com/office/powerpoint/2010/main" val="2254481739"/>
+        <p14:creationId xmlns:p14="http://schemas.microsoft.com/office/powerpoint/2010/main" val="3164618683"/>
       </p:ext>
     </p:extLst>
   </p:cSld>
@@ -2256,7 +2262,7 @@
           <a:p>
             <a:fld id="{D7255102-6478-444A-A334-5416F04ED077}" type="datetimeFigureOut">
               <a:rPr lang="en-US" smtClean="0"/>
-              <a:t>8/12/2022</a:t>
+              <a:t>8/16/2022</a:t>
             </a:fld>
             <a:endParaRPr lang="en-US"/>
           </a:p>
@@ -2307,7 +2313,7 @@
     </p:spTree>
     <p:extLst>
       <p:ext uri="{BB962C8B-B14F-4D97-AF65-F5344CB8AC3E}">
-        <p14:creationId xmlns:p14="http://schemas.microsoft.com/office/powerpoint/2010/main" val="2780789717"/>
+        <p14:creationId xmlns:p14="http://schemas.microsoft.com/office/powerpoint/2010/main" val="1169121353"/>
       </p:ext>
     </p:extLst>
   </p:cSld>
@@ -2346,15 +2352,15 @@
         </p:nvSpPr>
         <p:spPr>
           <a:xfrm>
-            <a:off x="377905" y="243840"/>
-            <a:ext cx="1769507" cy="853440"/>
+            <a:off x="913270" y="487680"/>
+            <a:ext cx="4276308" cy="1706880"/>
           </a:xfrm>
         </p:spPr>
         <p:txBody>
           <a:bodyPr anchor="b"/>
           <a:lstStyle>
             <a:lvl1pPr>
-              <a:defRPr sz="1707"/>
+              <a:defRPr sz="3413"/>
             </a:lvl1pPr>
           </a:lstStyle>
           <a:p>
@@ -2378,38 +2384,132 @@
         </p:nvSpPr>
         <p:spPr>
           <a:xfrm>
-            <a:off x="2332435" y="526627"/>
-            <a:ext cx="2777490" cy="2599267"/>
+            <a:off x="5636717" y="1053254"/>
+            <a:ext cx="6712268" cy="5198533"/>
           </a:xfrm>
         </p:spPr>
         <p:txBody>
           <a:bodyPr/>
           <a:lstStyle>
             <a:lvl1pPr>
+              <a:defRPr sz="3413"/>
+            </a:lvl1pPr>
+            <a:lvl2pPr>
+              <a:defRPr sz="2987"/>
+            </a:lvl2pPr>
+            <a:lvl3pPr>
+              <a:defRPr sz="2560"/>
+            </a:lvl3pPr>
+            <a:lvl4pPr>
+              <a:defRPr sz="2133"/>
+            </a:lvl4pPr>
+            <a:lvl5pPr>
+              <a:defRPr sz="2133"/>
+            </a:lvl5pPr>
+            <a:lvl6pPr>
+              <a:defRPr sz="2133"/>
+            </a:lvl6pPr>
+            <a:lvl7pPr>
+              <a:defRPr sz="2133"/>
+            </a:lvl7pPr>
+            <a:lvl8pPr>
+              <a:defRPr sz="2133"/>
+            </a:lvl8pPr>
+            <a:lvl9pPr>
+              <a:defRPr sz="2133"/>
+            </a:lvl9pPr>
+          </a:lstStyle>
+          <a:p>
+            <a:pPr lvl="0"/>
+            <a:r>
+              <a:rPr lang="en-US"/>
+              <a:t>Edit Master text styles</a:t>
+            </a:r>
+          </a:p>
+          <a:p>
+            <a:pPr lvl="1"/>
+            <a:r>
+              <a:rPr lang="en-US"/>
+              <a:t>Second level</a:t>
+            </a:r>
+          </a:p>
+          <a:p>
+            <a:pPr lvl="2"/>
+            <a:r>
+              <a:rPr lang="en-US"/>
+              <a:t>Third level</a:t>
+            </a:r>
+          </a:p>
+          <a:p>
+            <a:pPr lvl="3"/>
+            <a:r>
+              <a:rPr lang="en-US"/>
+              <a:t>Fourth level</a:t>
+            </a:r>
+          </a:p>
+          <a:p>
+            <a:pPr lvl="4"/>
+            <a:r>
+              <a:rPr lang="en-US"/>
+              <a:t>Fifth level</a:t>
+            </a:r>
+            <a:endParaRPr lang="en-US" dirty="0"/>
+          </a:p>
+        </p:txBody>
+      </p:sp>
+      <p:sp>
+        <p:nvSpPr>
+          <p:cNvPr id="4" name="Text Placeholder 3"/>
+          <p:cNvSpPr>
+            <a:spLocks noGrp="1"/>
+          </p:cNvSpPr>
+          <p:nvPr>
+            <p:ph type="body" sz="half" idx="2"/>
+          </p:nvPr>
+        </p:nvSpPr>
+        <p:spPr>
+          <a:xfrm>
+            <a:off x="913270" y="2194560"/>
+            <a:ext cx="4276308" cy="4065694"/>
+          </a:xfrm>
+        </p:spPr>
+        <p:txBody>
+          <a:bodyPr/>
+          <a:lstStyle>
+            <a:lvl1pPr marL="0" indent="0">
+              <a:buNone/>
               <a:defRPr sz="1707"/>
             </a:lvl1pPr>
-            <a:lvl2pPr>
+            <a:lvl2pPr marL="487695" indent="0">
+              <a:buNone/>
               <a:defRPr sz="1493"/>
             </a:lvl2pPr>
-            <a:lvl3pPr>
+            <a:lvl3pPr marL="975390" indent="0">
+              <a:buNone/>
               <a:defRPr sz="1280"/>
             </a:lvl3pPr>
-            <a:lvl4pPr>
+            <a:lvl4pPr marL="1463086" indent="0">
+              <a:buNone/>
               <a:defRPr sz="1067"/>
             </a:lvl4pPr>
-            <a:lvl5pPr>
+            <a:lvl5pPr marL="1950781" indent="0">
+              <a:buNone/>
               <a:defRPr sz="1067"/>
             </a:lvl5pPr>
-            <a:lvl6pPr>
+            <a:lvl6pPr marL="2438476" indent="0">
+              <a:buNone/>
               <a:defRPr sz="1067"/>
             </a:lvl6pPr>
-            <a:lvl7pPr>
+            <a:lvl7pPr marL="2926171" indent="0">
+              <a:buNone/>
               <a:defRPr sz="1067"/>
             </a:lvl7pPr>
-            <a:lvl8pPr>
+            <a:lvl8pPr marL="3413867" indent="0">
+              <a:buNone/>
               <a:defRPr sz="1067"/>
             </a:lvl8pPr>
-            <a:lvl9pPr>
+            <a:lvl9pPr marL="3901562" indent="0">
+              <a:buNone/>
               <a:defRPr sz="1067"/>
             </a:lvl9pPr>
           </a:lstStyle>
@@ -2420,100 +2520,6 @@
               <a:t>Edit Master text styles</a:t>
             </a:r>
           </a:p>
-          <a:p>
-            <a:pPr lvl="1"/>
-            <a:r>
-              <a:rPr lang="en-US"/>
-              <a:t>Second level</a:t>
-            </a:r>
-          </a:p>
-          <a:p>
-            <a:pPr lvl="2"/>
-            <a:r>
-              <a:rPr lang="en-US"/>
-              <a:t>Third level</a:t>
-            </a:r>
-          </a:p>
-          <a:p>
-            <a:pPr lvl="3"/>
-            <a:r>
-              <a:rPr lang="en-US"/>
-              <a:t>Fourth level</a:t>
-            </a:r>
-          </a:p>
-          <a:p>
-            <a:pPr lvl="4"/>
-            <a:r>
-              <a:rPr lang="en-US"/>
-              <a:t>Fifth level</a:t>
-            </a:r>
-            <a:endParaRPr lang="en-US" dirty="0"/>
-          </a:p>
-        </p:txBody>
-      </p:sp>
-      <p:sp>
-        <p:nvSpPr>
-          <p:cNvPr id="4" name="Text Placeholder 3"/>
-          <p:cNvSpPr>
-            <a:spLocks noGrp="1"/>
-          </p:cNvSpPr>
-          <p:nvPr>
-            <p:ph type="body" sz="half" idx="2"/>
-          </p:nvPr>
-        </p:nvSpPr>
-        <p:spPr>
-          <a:xfrm>
-            <a:off x="377905" y="1097280"/>
-            <a:ext cx="1769507" cy="2032847"/>
-          </a:xfrm>
-        </p:spPr>
-        <p:txBody>
-          <a:bodyPr/>
-          <a:lstStyle>
-            <a:lvl1pPr marL="0" indent="0">
-              <a:buNone/>
-              <a:defRPr sz="853"/>
-            </a:lvl1pPr>
-            <a:lvl2pPr marL="243825" indent="0">
-              <a:buNone/>
-              <a:defRPr sz="747"/>
-            </a:lvl2pPr>
-            <a:lvl3pPr marL="487650" indent="0">
-              <a:buNone/>
-              <a:defRPr sz="640"/>
-            </a:lvl3pPr>
-            <a:lvl4pPr marL="731474" indent="0">
-              <a:buNone/>
-              <a:defRPr sz="533"/>
-            </a:lvl4pPr>
-            <a:lvl5pPr marL="975299" indent="0">
-              <a:buNone/>
-              <a:defRPr sz="533"/>
-            </a:lvl5pPr>
-            <a:lvl6pPr marL="1219124" indent="0">
-              <a:buNone/>
-              <a:defRPr sz="533"/>
-            </a:lvl6pPr>
-            <a:lvl7pPr marL="1462949" indent="0">
-              <a:buNone/>
-              <a:defRPr sz="533"/>
-            </a:lvl7pPr>
-            <a:lvl8pPr marL="1706773" indent="0">
-              <a:buNone/>
-              <a:defRPr sz="533"/>
-            </a:lvl8pPr>
-            <a:lvl9pPr marL="1950598" indent="0">
-              <a:buNone/>
-              <a:defRPr sz="533"/>
-            </a:lvl9pPr>
-          </a:lstStyle>
-          <a:p>
-            <a:pPr lvl="0"/>
-            <a:r>
-              <a:rPr lang="en-US"/>
-              <a:t>Edit Master text styles</a:t>
-            </a:r>
-          </a:p>
         </p:txBody>
       </p:sp>
       <p:sp>
@@ -2533,7 +2539,7 @@
           <a:p>
             <a:fld id="{D7255102-6478-444A-A334-5416F04ED077}" type="datetimeFigureOut">
               <a:rPr lang="en-US" smtClean="0"/>
-              <a:t>8/12/2022</a:t>
+              <a:t>8/16/2022</a:t>
             </a:fld>
             <a:endParaRPr lang="en-US"/>
           </a:p>
@@ -2584,7 +2590,7 @@
     </p:spTree>
     <p:extLst>
       <p:ext uri="{BB962C8B-B14F-4D97-AF65-F5344CB8AC3E}">
-        <p14:creationId xmlns:p14="http://schemas.microsoft.com/office/powerpoint/2010/main" val="1523419855"/>
+        <p14:creationId xmlns:p14="http://schemas.microsoft.com/office/powerpoint/2010/main" val="2443663957"/>
       </p:ext>
     </p:extLst>
   </p:cSld>
@@ -2623,15 +2629,15 @@
         </p:nvSpPr>
         <p:spPr>
           <a:xfrm>
-            <a:off x="377905" y="243840"/>
-            <a:ext cx="1769507" cy="853440"/>
+            <a:off x="913270" y="487680"/>
+            <a:ext cx="4276308" cy="1706880"/>
           </a:xfrm>
         </p:spPr>
         <p:txBody>
           <a:bodyPr anchor="b"/>
           <a:lstStyle>
             <a:lvl1pPr>
-              <a:defRPr sz="1707"/>
+              <a:defRPr sz="3413"/>
             </a:lvl1pPr>
           </a:lstStyle>
           <a:p>
@@ -2655,8 +2661,8 @@
         </p:nvSpPr>
         <p:spPr>
           <a:xfrm>
-            <a:off x="2332435" y="526627"/>
-            <a:ext cx="2777490" cy="2599267"/>
+            <a:off x="5636717" y="1053254"/>
+            <a:ext cx="6712268" cy="5198533"/>
           </a:xfrm>
         </p:spPr>
         <p:txBody>
@@ -2664,107 +2670,107 @@
           <a:lstStyle>
             <a:lvl1pPr marL="0" indent="0">
               <a:buNone/>
+              <a:defRPr sz="3413"/>
+            </a:lvl1pPr>
+            <a:lvl2pPr marL="487695" indent="0">
+              <a:buNone/>
+              <a:defRPr sz="2987"/>
+            </a:lvl2pPr>
+            <a:lvl3pPr marL="975390" indent="0">
+              <a:buNone/>
+              <a:defRPr sz="2560"/>
+            </a:lvl3pPr>
+            <a:lvl4pPr marL="1463086" indent="0">
+              <a:buNone/>
+              <a:defRPr sz="2133"/>
+            </a:lvl4pPr>
+            <a:lvl5pPr marL="1950781" indent="0">
+              <a:buNone/>
+              <a:defRPr sz="2133"/>
+            </a:lvl5pPr>
+            <a:lvl6pPr marL="2438476" indent="0">
+              <a:buNone/>
+              <a:defRPr sz="2133"/>
+            </a:lvl6pPr>
+            <a:lvl7pPr marL="2926171" indent="0">
+              <a:buNone/>
+              <a:defRPr sz="2133"/>
+            </a:lvl7pPr>
+            <a:lvl8pPr marL="3413867" indent="0">
+              <a:buNone/>
+              <a:defRPr sz="2133"/>
+            </a:lvl8pPr>
+            <a:lvl9pPr marL="3901562" indent="0">
+              <a:buNone/>
+              <a:defRPr sz="2133"/>
+            </a:lvl9pPr>
+          </a:lstStyle>
+          <a:p>
+            <a:r>
+              <a:rPr lang="en-US"/>
+              <a:t>Click icon to add picture</a:t>
+            </a:r>
+            <a:endParaRPr lang="en-US" dirty="0"/>
+          </a:p>
+        </p:txBody>
+      </p:sp>
+      <p:sp>
+        <p:nvSpPr>
+          <p:cNvPr id="4" name="Text Placeholder 3"/>
+          <p:cNvSpPr>
+            <a:spLocks noGrp="1"/>
+          </p:cNvSpPr>
+          <p:nvPr>
+            <p:ph type="body" sz="half" idx="2"/>
+          </p:nvPr>
+        </p:nvSpPr>
+        <p:spPr>
+          <a:xfrm>
+            <a:off x="913270" y="2194560"/>
+            <a:ext cx="4276308" cy="4065694"/>
+          </a:xfrm>
+        </p:spPr>
+        <p:txBody>
+          <a:bodyPr/>
+          <a:lstStyle>
+            <a:lvl1pPr marL="0" indent="0">
+              <a:buNone/>
               <a:defRPr sz="1707"/>
             </a:lvl1pPr>
-            <a:lvl2pPr marL="243825" indent="0">
+            <a:lvl2pPr marL="487695" indent="0">
               <a:buNone/>
               <a:defRPr sz="1493"/>
             </a:lvl2pPr>
-            <a:lvl3pPr marL="487650" indent="0">
+            <a:lvl3pPr marL="975390" indent="0">
               <a:buNone/>
               <a:defRPr sz="1280"/>
             </a:lvl3pPr>
-            <a:lvl4pPr marL="731474" indent="0">
+            <a:lvl4pPr marL="1463086" indent="0">
               <a:buNone/>
               <a:defRPr sz="1067"/>
             </a:lvl4pPr>
-            <a:lvl5pPr marL="975299" indent="0">
+            <a:lvl5pPr marL="1950781" indent="0">
               <a:buNone/>
               <a:defRPr sz="1067"/>
             </a:lvl5pPr>
-            <a:lvl6pPr marL="1219124" indent="0">
+            <a:lvl6pPr marL="2438476" indent="0">
               <a:buNone/>
               <a:defRPr sz="1067"/>
             </a:lvl6pPr>
-            <a:lvl7pPr marL="1462949" indent="0">
+            <a:lvl7pPr marL="2926171" indent="0">
               <a:buNone/>
               <a:defRPr sz="1067"/>
             </a:lvl7pPr>
-            <a:lvl8pPr marL="1706773" indent="0">
+            <a:lvl8pPr marL="3413867" indent="0">
               <a:buNone/>
               <a:defRPr sz="1067"/>
             </a:lvl8pPr>
-            <a:lvl9pPr marL="1950598" indent="0">
+            <a:lvl9pPr marL="3901562" indent="0">
               <a:buNone/>
               <a:defRPr sz="1067"/>
             </a:lvl9pPr>
           </a:lstStyle>
           <a:p>
-            <a:r>
-              <a:rPr lang="en-US"/>
-              <a:t>Click icon to add picture</a:t>
-            </a:r>
-            <a:endParaRPr lang="en-US" dirty="0"/>
-          </a:p>
-        </p:txBody>
-      </p:sp>
-      <p:sp>
-        <p:nvSpPr>
-          <p:cNvPr id="4" name="Text Placeholder 3"/>
-          <p:cNvSpPr>
-            <a:spLocks noGrp="1"/>
-          </p:cNvSpPr>
-          <p:nvPr>
-            <p:ph type="body" sz="half" idx="2"/>
-          </p:nvPr>
-        </p:nvSpPr>
-        <p:spPr>
-          <a:xfrm>
-            <a:off x="377905" y="1097280"/>
-            <a:ext cx="1769507" cy="2032847"/>
-          </a:xfrm>
-        </p:spPr>
-        <p:txBody>
-          <a:bodyPr/>
-          <a:lstStyle>
-            <a:lvl1pPr marL="0" indent="0">
-              <a:buNone/>
-              <a:defRPr sz="853"/>
-            </a:lvl1pPr>
-            <a:lvl2pPr marL="243825" indent="0">
-              <a:buNone/>
-              <a:defRPr sz="747"/>
-            </a:lvl2pPr>
-            <a:lvl3pPr marL="487650" indent="0">
-              <a:buNone/>
-              <a:defRPr sz="640"/>
-            </a:lvl3pPr>
-            <a:lvl4pPr marL="731474" indent="0">
-              <a:buNone/>
-              <a:defRPr sz="533"/>
-            </a:lvl4pPr>
-            <a:lvl5pPr marL="975299" indent="0">
-              <a:buNone/>
-              <a:defRPr sz="533"/>
-            </a:lvl5pPr>
-            <a:lvl6pPr marL="1219124" indent="0">
-              <a:buNone/>
-              <a:defRPr sz="533"/>
-            </a:lvl6pPr>
-            <a:lvl7pPr marL="1462949" indent="0">
-              <a:buNone/>
-              <a:defRPr sz="533"/>
-            </a:lvl7pPr>
-            <a:lvl8pPr marL="1706773" indent="0">
-              <a:buNone/>
-              <a:defRPr sz="533"/>
-            </a:lvl8pPr>
-            <a:lvl9pPr marL="1950598" indent="0">
-              <a:buNone/>
-              <a:defRPr sz="533"/>
-            </a:lvl9pPr>
-          </a:lstStyle>
-          <a:p>
             <a:pPr lvl="0"/>
             <a:r>
               <a:rPr lang="en-US"/>
@@ -2790,7 +2796,7 @@
           <a:p>
             <a:fld id="{D7255102-6478-444A-A334-5416F04ED077}" type="datetimeFigureOut">
               <a:rPr lang="en-US" smtClean="0"/>
-              <a:t>8/12/2022</a:t>
+              <a:t>8/16/2022</a:t>
             </a:fld>
             <a:endParaRPr lang="en-US"/>
           </a:p>
@@ -2841,7 +2847,7 @@
     </p:spTree>
     <p:extLst>
       <p:ext uri="{BB962C8B-B14F-4D97-AF65-F5344CB8AC3E}">
-        <p14:creationId xmlns:p14="http://schemas.microsoft.com/office/powerpoint/2010/main" val="3501908405"/>
+        <p14:creationId xmlns:p14="http://schemas.microsoft.com/office/powerpoint/2010/main" val="3424962918"/>
       </p:ext>
     </p:extLst>
   </p:cSld>
@@ -2885,8 +2891,8 @@
         </p:nvSpPr>
         <p:spPr>
           <a:xfrm>
-            <a:off x="377190" y="194734"/>
-            <a:ext cx="4732020" cy="706967"/>
+            <a:off x="911543" y="389467"/>
+            <a:ext cx="11435715" cy="1413934"/>
           </a:xfrm>
           <a:prstGeom prst="rect">
             <a:avLst/>
@@ -2918,8 +2924,8 @@
         </p:nvSpPr>
         <p:spPr>
           <a:xfrm>
-            <a:off x="377190" y="973666"/>
-            <a:ext cx="4732020" cy="2320714"/>
+            <a:off x="911543" y="1947333"/>
+            <a:ext cx="11435715" cy="4641427"/>
           </a:xfrm>
           <a:prstGeom prst="rect">
             <a:avLst/>
@@ -2980,8 +2986,8 @@
         </p:nvSpPr>
         <p:spPr>
           <a:xfrm>
-            <a:off x="377190" y="3390054"/>
-            <a:ext cx="1234440" cy="194733"/>
+            <a:off x="911543" y="6780107"/>
+            <a:ext cx="2983230" cy="389467"/>
           </a:xfrm>
           <a:prstGeom prst="rect">
             <a:avLst/>
@@ -2991,7 +2997,7 @@
           <a:bodyPr vert="horz" lIns="91440" tIns="45720" rIns="91440" bIns="45720" rtlCol="0" anchor="ctr"/>
           <a:lstStyle>
             <a:lvl1pPr algn="l">
-              <a:defRPr sz="640">
+              <a:defRPr sz="1280">
                 <a:solidFill>
                   <a:schemeClr val="tx1">
                     <a:tint val="75000"/>
@@ -3003,7 +3009,7 @@
           <a:p>
             <a:fld id="{D7255102-6478-444A-A334-5416F04ED077}" type="datetimeFigureOut">
               <a:rPr lang="en-US" smtClean="0"/>
-              <a:t>8/12/2022</a:t>
+              <a:t>8/16/2022</a:t>
             </a:fld>
             <a:endParaRPr lang="en-US"/>
           </a:p>
@@ -3021,8 +3027,8 @@
         </p:nvSpPr>
         <p:spPr>
           <a:xfrm>
-            <a:off x="1817370" y="3390054"/>
-            <a:ext cx="1851660" cy="194733"/>
+            <a:off x="4391978" y="6780107"/>
+            <a:ext cx="4474845" cy="389467"/>
           </a:xfrm>
           <a:prstGeom prst="rect">
             <a:avLst/>
@@ -3032,7 +3038,7 @@
           <a:bodyPr vert="horz" lIns="91440" tIns="45720" rIns="91440" bIns="45720" rtlCol="0" anchor="ctr"/>
           <a:lstStyle>
             <a:lvl1pPr algn="ctr">
-              <a:defRPr sz="640">
+              <a:defRPr sz="1280">
                 <a:solidFill>
                   <a:schemeClr val="tx1">
                     <a:tint val="75000"/>
@@ -3058,8 +3064,8 @@
         </p:nvSpPr>
         <p:spPr>
           <a:xfrm>
-            <a:off x="3874770" y="3390054"/>
-            <a:ext cx="1234440" cy="194733"/>
+            <a:off x="9364028" y="6780107"/>
+            <a:ext cx="2983230" cy="389467"/>
           </a:xfrm>
           <a:prstGeom prst="rect">
             <a:avLst/>
@@ -3069,7 +3075,7 @@
           <a:bodyPr vert="horz" lIns="91440" tIns="45720" rIns="91440" bIns="45720" rtlCol="0" anchor="ctr"/>
           <a:lstStyle>
             <a:lvl1pPr algn="r">
-              <a:defRPr sz="640">
+              <a:defRPr sz="1280">
                 <a:solidFill>
                   <a:schemeClr val="tx1">
                     <a:tint val="75000"/>
@@ -3090,27 +3096,27 @@
     </p:spTree>
     <p:extLst>
       <p:ext uri="{BB962C8B-B14F-4D97-AF65-F5344CB8AC3E}">
-        <p14:creationId xmlns:p14="http://schemas.microsoft.com/office/powerpoint/2010/main" val="3703962665"/>
+        <p14:creationId xmlns:p14="http://schemas.microsoft.com/office/powerpoint/2010/main" val="4109290910"/>
       </p:ext>
     </p:extLst>
   </p:cSld>
   <p:clrMap bg1="lt1" tx1="dk1" bg2="lt2" tx2="dk2" accent1="accent1" accent2="accent2" accent3="accent3" accent4="accent4" accent5="accent5" accent6="accent6" hlink="hlink" folHlink="folHlink"/>
   <p:sldLayoutIdLst>
-    <p:sldLayoutId id="2147483733" r:id="rId1"/>
-    <p:sldLayoutId id="2147483734" r:id="rId2"/>
-    <p:sldLayoutId id="2147483735" r:id="rId3"/>
-    <p:sldLayoutId id="2147483736" r:id="rId4"/>
-    <p:sldLayoutId id="2147483737" r:id="rId5"/>
-    <p:sldLayoutId id="2147483738" r:id="rId6"/>
-    <p:sldLayoutId id="2147483739" r:id="rId7"/>
-    <p:sldLayoutId id="2147483740" r:id="rId8"/>
-    <p:sldLayoutId id="2147483741" r:id="rId9"/>
-    <p:sldLayoutId id="2147483742" r:id="rId10"/>
-    <p:sldLayoutId id="2147483743" r:id="rId11"/>
+    <p:sldLayoutId id="2147483769" r:id="rId1"/>
+    <p:sldLayoutId id="2147483770" r:id="rId2"/>
+    <p:sldLayoutId id="2147483771" r:id="rId3"/>
+    <p:sldLayoutId id="2147483772" r:id="rId4"/>
+    <p:sldLayoutId id="2147483773" r:id="rId5"/>
+    <p:sldLayoutId id="2147483774" r:id="rId6"/>
+    <p:sldLayoutId id="2147483775" r:id="rId7"/>
+    <p:sldLayoutId id="2147483776" r:id="rId8"/>
+    <p:sldLayoutId id="2147483777" r:id="rId9"/>
+    <p:sldLayoutId id="2147483778" r:id="rId10"/>
+    <p:sldLayoutId id="2147483779" r:id="rId11"/>
   </p:sldLayoutIdLst>
   <p:txStyles>
     <p:titleStyle>
-      <a:lvl1pPr algn="l" defTabSz="487650" rtl="0" eaLnBrk="1" latinLnBrk="0" hangingPunct="1">
+      <a:lvl1pPr algn="l" defTabSz="975390" rtl="0" eaLnBrk="1" latinLnBrk="0" hangingPunct="1">
         <a:lnSpc>
           <a:spcPct val="90000"/>
         </a:lnSpc>
@@ -3118,7 +3124,7 @@
           <a:spcPct val="0"/>
         </a:spcBef>
         <a:buNone/>
-        <a:defRPr sz="2347" kern="1200">
+        <a:defRPr sz="4693" kern="1200">
           <a:solidFill>
             <a:schemeClr val="tx1"/>
           </a:solidFill>
@@ -3129,7 +3135,25 @@
       </a:lvl1pPr>
     </p:titleStyle>
     <p:bodyStyle>
-      <a:lvl1pPr marL="121912" indent="-121912" algn="l" defTabSz="487650" rtl="0" eaLnBrk="1" latinLnBrk="0" hangingPunct="1">
+      <a:lvl1pPr marL="243848" indent="-243848" algn="l" defTabSz="975390" rtl="0" eaLnBrk="1" latinLnBrk="0" hangingPunct="1">
+        <a:lnSpc>
+          <a:spcPct val="90000"/>
+        </a:lnSpc>
+        <a:spcBef>
+          <a:spcPts val="1067"/>
+        </a:spcBef>
+        <a:buFont typeface="Arial" panose="020B0604020202020204" pitchFamily="34" charset="0"/>
+        <a:buChar char="•"/>
+        <a:defRPr sz="2987" kern="1200">
+          <a:solidFill>
+            <a:schemeClr val="tx1"/>
+          </a:solidFill>
+          <a:latin typeface="+mn-lt"/>
+          <a:ea typeface="+mn-ea"/>
+          <a:cs typeface="+mn-cs"/>
+        </a:defRPr>
+      </a:lvl1pPr>
+      <a:lvl2pPr marL="731543" indent="-243848" algn="l" defTabSz="975390" rtl="0" eaLnBrk="1" latinLnBrk="0" hangingPunct="1">
         <a:lnSpc>
           <a:spcPct val="90000"/>
         </a:lnSpc>
@@ -3138,25 +3162,7 @@
         </a:spcBef>
         <a:buFont typeface="Arial" panose="020B0604020202020204" pitchFamily="34" charset="0"/>
         <a:buChar char="•"/>
-        <a:defRPr sz="1493" kern="1200">
-          <a:solidFill>
-            <a:schemeClr val="tx1"/>
-          </a:solidFill>
-          <a:latin typeface="+mn-lt"/>
-          <a:ea typeface="+mn-ea"/>
-          <a:cs typeface="+mn-cs"/>
-        </a:defRPr>
-      </a:lvl1pPr>
-      <a:lvl2pPr marL="365737" indent="-121912" algn="l" defTabSz="487650" rtl="0" eaLnBrk="1" latinLnBrk="0" hangingPunct="1">
-        <a:lnSpc>
-          <a:spcPct val="90000"/>
-        </a:lnSpc>
-        <a:spcBef>
-          <a:spcPts val="267"/>
-        </a:spcBef>
-        <a:buFont typeface="Arial" panose="020B0604020202020204" pitchFamily="34" charset="0"/>
-        <a:buChar char="•"/>
-        <a:defRPr sz="1280" kern="1200">
+        <a:defRPr sz="2560" kern="1200">
           <a:solidFill>
             <a:schemeClr val="tx1"/>
           </a:solidFill>
@@ -3165,16 +3171,16 @@
           <a:cs typeface="+mn-cs"/>
         </a:defRPr>
       </a:lvl2pPr>
-      <a:lvl3pPr marL="609562" indent="-121912" algn="l" defTabSz="487650" rtl="0" eaLnBrk="1" latinLnBrk="0" hangingPunct="1">
+      <a:lvl3pPr marL="1219238" indent="-243848" algn="l" defTabSz="975390" rtl="0" eaLnBrk="1" latinLnBrk="0" hangingPunct="1">
         <a:lnSpc>
           <a:spcPct val="90000"/>
         </a:lnSpc>
         <a:spcBef>
-          <a:spcPts val="267"/>
+          <a:spcPts val="533"/>
         </a:spcBef>
         <a:buFont typeface="Arial" panose="020B0604020202020204" pitchFamily="34" charset="0"/>
         <a:buChar char="•"/>
-        <a:defRPr sz="1067" kern="1200">
+        <a:defRPr sz="2133" kern="1200">
           <a:solidFill>
             <a:schemeClr val="tx1"/>
           </a:solidFill>
@@ -3183,16 +3189,16 @@
           <a:cs typeface="+mn-cs"/>
         </a:defRPr>
       </a:lvl3pPr>
-      <a:lvl4pPr marL="853387" indent="-121912" algn="l" defTabSz="487650" rtl="0" eaLnBrk="1" latinLnBrk="0" hangingPunct="1">
+      <a:lvl4pPr marL="1706933" indent="-243848" algn="l" defTabSz="975390" rtl="0" eaLnBrk="1" latinLnBrk="0" hangingPunct="1">
         <a:lnSpc>
           <a:spcPct val="90000"/>
         </a:lnSpc>
         <a:spcBef>
-          <a:spcPts val="267"/>
+          <a:spcPts val="533"/>
         </a:spcBef>
         <a:buFont typeface="Arial" panose="020B0604020202020204" pitchFamily="34" charset="0"/>
         <a:buChar char="•"/>
-        <a:defRPr sz="960" kern="1200">
+        <a:defRPr sz="1920" kern="1200">
           <a:solidFill>
             <a:schemeClr val="tx1"/>
           </a:solidFill>
@@ -3201,16 +3207,16 @@
           <a:cs typeface="+mn-cs"/>
         </a:defRPr>
       </a:lvl4pPr>
-      <a:lvl5pPr marL="1097211" indent="-121912" algn="l" defTabSz="487650" rtl="0" eaLnBrk="1" latinLnBrk="0" hangingPunct="1">
+      <a:lvl5pPr marL="2194629" indent="-243848" algn="l" defTabSz="975390" rtl="0" eaLnBrk="1" latinLnBrk="0" hangingPunct="1">
         <a:lnSpc>
           <a:spcPct val="90000"/>
         </a:lnSpc>
         <a:spcBef>
-          <a:spcPts val="267"/>
+          <a:spcPts val="533"/>
         </a:spcBef>
         <a:buFont typeface="Arial" panose="020B0604020202020204" pitchFamily="34" charset="0"/>
         <a:buChar char="•"/>
-        <a:defRPr sz="960" kern="1200">
+        <a:defRPr sz="1920" kern="1200">
           <a:solidFill>
             <a:schemeClr val="tx1"/>
           </a:solidFill>
@@ -3219,16 +3225,16 @@
           <a:cs typeface="+mn-cs"/>
         </a:defRPr>
       </a:lvl5pPr>
-      <a:lvl6pPr marL="1341036" indent="-121912" algn="l" defTabSz="487650" rtl="0" eaLnBrk="1" latinLnBrk="0" hangingPunct="1">
+      <a:lvl6pPr marL="2682324" indent="-243848" algn="l" defTabSz="975390" rtl="0" eaLnBrk="1" latinLnBrk="0" hangingPunct="1">
         <a:lnSpc>
           <a:spcPct val="90000"/>
         </a:lnSpc>
         <a:spcBef>
-          <a:spcPts val="267"/>
+          <a:spcPts val="533"/>
         </a:spcBef>
         <a:buFont typeface="Arial" panose="020B0604020202020204" pitchFamily="34" charset="0"/>
         <a:buChar char="•"/>
-        <a:defRPr sz="960" kern="1200">
+        <a:defRPr sz="1920" kern="1200">
           <a:solidFill>
             <a:schemeClr val="tx1"/>
           </a:solidFill>
@@ -3237,16 +3243,16 @@
           <a:cs typeface="+mn-cs"/>
         </a:defRPr>
       </a:lvl6pPr>
-      <a:lvl7pPr marL="1584861" indent="-121912" algn="l" defTabSz="487650" rtl="0" eaLnBrk="1" latinLnBrk="0" hangingPunct="1">
+      <a:lvl7pPr marL="3170019" indent="-243848" algn="l" defTabSz="975390" rtl="0" eaLnBrk="1" latinLnBrk="0" hangingPunct="1">
         <a:lnSpc>
           <a:spcPct val="90000"/>
         </a:lnSpc>
         <a:spcBef>
-          <a:spcPts val="267"/>
+          <a:spcPts val="533"/>
         </a:spcBef>
         <a:buFont typeface="Arial" panose="020B0604020202020204" pitchFamily="34" charset="0"/>
         <a:buChar char="•"/>
-        <a:defRPr sz="960" kern="1200">
+        <a:defRPr sz="1920" kern="1200">
           <a:solidFill>
             <a:schemeClr val="tx1"/>
           </a:solidFill>
@@ -3255,16 +3261,16 @@
           <a:cs typeface="+mn-cs"/>
         </a:defRPr>
       </a:lvl7pPr>
-      <a:lvl8pPr marL="1828686" indent="-121912" algn="l" defTabSz="487650" rtl="0" eaLnBrk="1" latinLnBrk="0" hangingPunct="1">
+      <a:lvl8pPr marL="3657714" indent="-243848" algn="l" defTabSz="975390" rtl="0" eaLnBrk="1" latinLnBrk="0" hangingPunct="1">
         <a:lnSpc>
           <a:spcPct val="90000"/>
         </a:lnSpc>
         <a:spcBef>
-          <a:spcPts val="267"/>
+          <a:spcPts val="533"/>
         </a:spcBef>
         <a:buFont typeface="Arial" panose="020B0604020202020204" pitchFamily="34" charset="0"/>
         <a:buChar char="•"/>
-        <a:defRPr sz="960" kern="1200">
+        <a:defRPr sz="1920" kern="1200">
           <a:solidFill>
             <a:schemeClr val="tx1"/>
           </a:solidFill>
@@ -3273,16 +3279,16 @@
           <a:cs typeface="+mn-cs"/>
         </a:defRPr>
       </a:lvl8pPr>
-      <a:lvl9pPr marL="2072510" indent="-121912" algn="l" defTabSz="487650" rtl="0" eaLnBrk="1" latinLnBrk="0" hangingPunct="1">
+      <a:lvl9pPr marL="4145410" indent="-243848" algn="l" defTabSz="975390" rtl="0" eaLnBrk="1" latinLnBrk="0" hangingPunct="1">
         <a:lnSpc>
           <a:spcPct val="90000"/>
         </a:lnSpc>
         <a:spcBef>
-          <a:spcPts val="267"/>
+          <a:spcPts val="533"/>
         </a:spcBef>
         <a:buFont typeface="Arial" panose="020B0604020202020204" pitchFamily="34" charset="0"/>
         <a:buChar char="•"/>
-        <a:defRPr sz="960" kern="1200">
+        <a:defRPr sz="1920" kern="1200">
           <a:solidFill>
             <a:schemeClr val="tx1"/>
           </a:solidFill>
@@ -3296,8 +3302,8 @@
       <a:defPPr>
         <a:defRPr lang="en-US"/>
       </a:defPPr>
-      <a:lvl1pPr marL="0" algn="l" defTabSz="487650" rtl="0" eaLnBrk="1" latinLnBrk="0" hangingPunct="1">
-        <a:defRPr sz="960" kern="1200">
+      <a:lvl1pPr marL="0" algn="l" defTabSz="975390" rtl="0" eaLnBrk="1" latinLnBrk="0" hangingPunct="1">
+        <a:defRPr sz="1920" kern="1200">
           <a:solidFill>
             <a:schemeClr val="tx1"/>
           </a:solidFill>
@@ -3306,8 +3312,8 @@
           <a:cs typeface="+mn-cs"/>
         </a:defRPr>
       </a:lvl1pPr>
-      <a:lvl2pPr marL="243825" algn="l" defTabSz="487650" rtl="0" eaLnBrk="1" latinLnBrk="0" hangingPunct="1">
-        <a:defRPr sz="960" kern="1200">
+      <a:lvl2pPr marL="487695" algn="l" defTabSz="975390" rtl="0" eaLnBrk="1" latinLnBrk="0" hangingPunct="1">
+        <a:defRPr sz="1920" kern="1200">
           <a:solidFill>
             <a:schemeClr val="tx1"/>
           </a:solidFill>
@@ -3316,8 +3322,8 @@
           <a:cs typeface="+mn-cs"/>
         </a:defRPr>
       </a:lvl2pPr>
-      <a:lvl3pPr marL="487650" algn="l" defTabSz="487650" rtl="0" eaLnBrk="1" latinLnBrk="0" hangingPunct="1">
-        <a:defRPr sz="960" kern="1200">
+      <a:lvl3pPr marL="975390" algn="l" defTabSz="975390" rtl="0" eaLnBrk="1" latinLnBrk="0" hangingPunct="1">
+        <a:defRPr sz="1920" kern="1200">
           <a:solidFill>
             <a:schemeClr val="tx1"/>
           </a:solidFill>
@@ -3326,8 +3332,8 @@
           <a:cs typeface="+mn-cs"/>
         </a:defRPr>
       </a:lvl3pPr>
-      <a:lvl4pPr marL="731474" algn="l" defTabSz="487650" rtl="0" eaLnBrk="1" latinLnBrk="0" hangingPunct="1">
-        <a:defRPr sz="960" kern="1200">
+      <a:lvl4pPr marL="1463086" algn="l" defTabSz="975390" rtl="0" eaLnBrk="1" latinLnBrk="0" hangingPunct="1">
+        <a:defRPr sz="1920" kern="1200">
           <a:solidFill>
             <a:schemeClr val="tx1"/>
           </a:solidFill>
@@ -3336,8 +3342,8 @@
           <a:cs typeface="+mn-cs"/>
         </a:defRPr>
       </a:lvl4pPr>
-      <a:lvl5pPr marL="975299" algn="l" defTabSz="487650" rtl="0" eaLnBrk="1" latinLnBrk="0" hangingPunct="1">
-        <a:defRPr sz="960" kern="1200">
+      <a:lvl5pPr marL="1950781" algn="l" defTabSz="975390" rtl="0" eaLnBrk="1" latinLnBrk="0" hangingPunct="1">
+        <a:defRPr sz="1920" kern="1200">
           <a:solidFill>
             <a:schemeClr val="tx1"/>
           </a:solidFill>
@@ -3346,8 +3352,8 @@
           <a:cs typeface="+mn-cs"/>
         </a:defRPr>
       </a:lvl5pPr>
-      <a:lvl6pPr marL="1219124" algn="l" defTabSz="487650" rtl="0" eaLnBrk="1" latinLnBrk="0" hangingPunct="1">
-        <a:defRPr sz="960" kern="1200">
+      <a:lvl6pPr marL="2438476" algn="l" defTabSz="975390" rtl="0" eaLnBrk="1" latinLnBrk="0" hangingPunct="1">
+        <a:defRPr sz="1920" kern="1200">
           <a:solidFill>
             <a:schemeClr val="tx1"/>
           </a:solidFill>
@@ -3356,8 +3362,8 @@
           <a:cs typeface="+mn-cs"/>
         </a:defRPr>
       </a:lvl6pPr>
-      <a:lvl7pPr marL="1462949" algn="l" defTabSz="487650" rtl="0" eaLnBrk="1" latinLnBrk="0" hangingPunct="1">
-        <a:defRPr sz="960" kern="1200">
+      <a:lvl7pPr marL="2926171" algn="l" defTabSz="975390" rtl="0" eaLnBrk="1" latinLnBrk="0" hangingPunct="1">
+        <a:defRPr sz="1920" kern="1200">
           <a:solidFill>
             <a:schemeClr val="tx1"/>
           </a:solidFill>
@@ -3366,8 +3372,8 @@
           <a:cs typeface="+mn-cs"/>
         </a:defRPr>
       </a:lvl7pPr>
-      <a:lvl8pPr marL="1706773" algn="l" defTabSz="487650" rtl="0" eaLnBrk="1" latinLnBrk="0" hangingPunct="1">
-        <a:defRPr sz="960" kern="1200">
+      <a:lvl8pPr marL="3413867" algn="l" defTabSz="975390" rtl="0" eaLnBrk="1" latinLnBrk="0" hangingPunct="1">
+        <a:defRPr sz="1920" kern="1200">
           <a:solidFill>
             <a:schemeClr val="tx1"/>
           </a:solidFill>
@@ -3376,8 +3382,8 @@
           <a:cs typeface="+mn-cs"/>
         </a:defRPr>
       </a:lvl8pPr>
-      <a:lvl9pPr marL="1950598" algn="l" defTabSz="487650" rtl="0" eaLnBrk="1" latinLnBrk="0" hangingPunct="1">
-        <a:defRPr sz="960" kern="1200">
+      <a:lvl9pPr marL="3901562" algn="l" defTabSz="975390" rtl="0" eaLnBrk="1" latinLnBrk="0" hangingPunct="1">
+        <a:defRPr sz="1920" kern="1200">
           <a:solidFill>
             <a:schemeClr val="tx1"/>
           </a:solidFill>
@@ -3408,380 +3414,8 @@
           <a:chExt cx="0" cy="0"/>
         </a:xfrm>
       </p:grpSpPr>
-      <p:pic>
-        <p:nvPicPr>
-          <p:cNvPr id="4" name="Picture 3">
-            <a:extLst>
-              <a:ext uri="{FF2B5EF4-FFF2-40B4-BE49-F238E27FC236}">
-                <a16:creationId xmlns:a16="http://schemas.microsoft.com/office/drawing/2014/main" id="{69877CD8-BD38-42A1-899A-A5572A4EA19A}"/>
-              </a:ext>
-            </a:extLst>
-          </p:cNvPr>
-          <p:cNvPicPr>
-            <a:picLocks noChangeAspect="1"/>
-          </p:cNvPicPr>
-          <p:nvPr/>
-        </p:nvPicPr>
-        <p:blipFill>
-          <a:blip r:embed="rId2"/>
-          <a:stretch>
-            <a:fillRect/>
-          </a:stretch>
-        </p:blipFill>
-        <p:spPr>
-          <a:xfrm>
-            <a:off x="38429" y="745320"/>
-            <a:ext cx="1420114" cy="1018580"/>
-          </a:xfrm>
-          <a:prstGeom prst="rect">
-            <a:avLst/>
-          </a:prstGeom>
-        </p:spPr>
-      </p:pic>
-      <p:pic>
-        <p:nvPicPr>
-          <p:cNvPr id="5" name="Picture 4">
-            <a:extLst>
-              <a:ext uri="{FF2B5EF4-FFF2-40B4-BE49-F238E27FC236}">
-                <a16:creationId xmlns:a16="http://schemas.microsoft.com/office/drawing/2014/main" id="{12DD1FD6-31D9-4840-AF0B-0886C728020C}"/>
-              </a:ext>
-            </a:extLst>
-          </p:cNvPr>
-          <p:cNvPicPr>
-            <a:picLocks noChangeAspect="1"/>
-          </p:cNvPicPr>
-          <p:nvPr/>
-        </p:nvPicPr>
-        <p:blipFill>
-          <a:blip r:embed="rId3"/>
-          <a:stretch>
-            <a:fillRect/>
-          </a:stretch>
-        </p:blipFill>
-        <p:spPr>
-          <a:xfrm>
-            <a:off x="2772126" y="788832"/>
-            <a:ext cx="1275388" cy="926051"/>
-          </a:xfrm>
-          <a:prstGeom prst="rect">
-            <a:avLst/>
-          </a:prstGeom>
-        </p:spPr>
-      </p:pic>
-      <p:pic>
-        <p:nvPicPr>
-          <p:cNvPr id="6" name="Picture 5">
-            <a:extLst>
-              <a:ext uri="{FF2B5EF4-FFF2-40B4-BE49-F238E27FC236}">
-                <a16:creationId xmlns:a16="http://schemas.microsoft.com/office/drawing/2014/main" id="{ACC877E0-4810-4864-B43E-64B9C5949EEA}"/>
-              </a:ext>
-            </a:extLst>
-          </p:cNvPr>
-          <p:cNvPicPr>
-            <a:picLocks noChangeAspect="1"/>
-          </p:cNvPicPr>
-          <p:nvPr/>
-        </p:nvPicPr>
-        <p:blipFill>
-          <a:blip r:embed="rId4"/>
-          <a:stretch>
-            <a:fillRect/>
-          </a:stretch>
-        </p:blipFill>
-        <p:spPr>
-          <a:xfrm>
-            <a:off x="2725097" y="1902372"/>
-            <a:ext cx="1322419" cy="991280"/>
-          </a:xfrm>
-          <a:prstGeom prst="rect">
-            <a:avLst/>
-          </a:prstGeom>
-        </p:spPr>
-      </p:pic>
-      <p:pic>
-        <p:nvPicPr>
-          <p:cNvPr id="8" name="Picture 7">
-            <a:extLst>
-              <a:ext uri="{FF2B5EF4-FFF2-40B4-BE49-F238E27FC236}">
-                <a16:creationId xmlns:a16="http://schemas.microsoft.com/office/drawing/2014/main" id="{6B3471AD-6EBA-42F9-8234-434E0521AAC8}"/>
-              </a:ext>
-            </a:extLst>
-          </p:cNvPr>
-          <p:cNvPicPr>
-            <a:picLocks noChangeAspect="1"/>
-          </p:cNvPicPr>
-          <p:nvPr/>
-        </p:nvPicPr>
-        <p:blipFill>
-          <a:blip r:embed="rId5"/>
-          <a:stretch>
-            <a:fillRect/>
-          </a:stretch>
-        </p:blipFill>
-        <p:spPr>
-          <a:xfrm>
-            <a:off x="0" y="1857683"/>
-            <a:ext cx="1542958" cy="1110236"/>
-          </a:xfrm>
-          <a:prstGeom prst="rect">
-            <a:avLst/>
-          </a:prstGeom>
-        </p:spPr>
-      </p:pic>
-      <p:pic>
-        <p:nvPicPr>
-          <p:cNvPr id="13" name="Picture 12">
-            <a:extLst>
-              <a:ext uri="{FF2B5EF4-FFF2-40B4-BE49-F238E27FC236}">
-                <a16:creationId xmlns:a16="http://schemas.microsoft.com/office/drawing/2014/main" id="{9BCF622E-D3D8-490D-B617-0F48D462CCBC}"/>
-              </a:ext>
-            </a:extLst>
-          </p:cNvPr>
-          <p:cNvPicPr>
-            <a:picLocks noChangeAspect="1"/>
-          </p:cNvPicPr>
-          <p:nvPr/>
-        </p:nvPicPr>
-        <p:blipFill>
-          <a:blip r:embed="rId6">
-            <a:extLst>
-              <a:ext uri="{28A0092B-C50C-407E-A947-70E740481C1C}">
-                <a14:useLocalDpi xmlns:a14="http://schemas.microsoft.com/office/drawing/2010/main" val="0"/>
-              </a:ext>
-            </a:extLst>
-          </a:blip>
-          <a:stretch>
-            <a:fillRect/>
-          </a:stretch>
-        </p:blipFill>
-        <p:spPr>
-          <a:xfrm>
-            <a:off x="4094546" y="722254"/>
-            <a:ext cx="1353427" cy="992626"/>
-          </a:xfrm>
-          <a:prstGeom prst="rect">
-            <a:avLst/>
-          </a:prstGeom>
-        </p:spPr>
-      </p:pic>
-      <p:pic>
-        <p:nvPicPr>
-          <p:cNvPr id="17" name="Picture 16">
-            <a:extLst>
-              <a:ext uri="{FF2B5EF4-FFF2-40B4-BE49-F238E27FC236}">
-                <a16:creationId xmlns:a16="http://schemas.microsoft.com/office/drawing/2014/main" id="{7BBF0053-E627-43A8-96DA-CCD48CBB3755}"/>
-              </a:ext>
-            </a:extLst>
-          </p:cNvPr>
-          <p:cNvPicPr>
-            <a:picLocks noChangeAspect="1"/>
-          </p:cNvPicPr>
-          <p:nvPr/>
-        </p:nvPicPr>
-        <p:blipFill>
-          <a:blip r:embed="rId7">
-            <a:extLst>
-              <a:ext uri="{28A0092B-C50C-407E-A947-70E740481C1C}">
-                <a14:useLocalDpi xmlns:a14="http://schemas.microsoft.com/office/drawing/2010/main" val="0"/>
-              </a:ext>
-            </a:extLst>
-          </a:blip>
-          <a:stretch>
-            <a:fillRect/>
-          </a:stretch>
-        </p:blipFill>
-        <p:spPr>
-          <a:xfrm>
-            <a:off x="4047514" y="1902373"/>
-            <a:ext cx="1452852" cy="1065546"/>
-          </a:xfrm>
-          <a:prstGeom prst="rect">
-            <a:avLst/>
-          </a:prstGeom>
-        </p:spPr>
-      </p:pic>
-      <p:pic>
-        <p:nvPicPr>
-          <p:cNvPr id="18" name="Picture 17">
-            <a:extLst>
-              <a:ext uri="{FF2B5EF4-FFF2-40B4-BE49-F238E27FC236}">
-                <a16:creationId xmlns:a16="http://schemas.microsoft.com/office/drawing/2014/main" id="{5930639B-446A-40DC-9387-0D07A8BEE67B}"/>
-              </a:ext>
-            </a:extLst>
-          </p:cNvPr>
-          <p:cNvPicPr>
-            <a:picLocks noChangeAspect="1"/>
-          </p:cNvPicPr>
-          <p:nvPr/>
-        </p:nvPicPr>
-        <p:blipFill>
-          <a:blip r:embed="rId8"/>
-          <a:stretch>
-            <a:fillRect/>
-          </a:stretch>
-        </p:blipFill>
-        <p:spPr>
-          <a:xfrm>
-            <a:off x="1563427" y="788832"/>
-            <a:ext cx="1179774" cy="931559"/>
-          </a:xfrm>
-          <a:prstGeom prst="rect">
-            <a:avLst/>
-          </a:prstGeom>
-        </p:spPr>
-      </p:pic>
-      <p:pic>
-        <p:nvPicPr>
-          <p:cNvPr id="19" name="Picture 18">
-            <a:extLst>
-              <a:ext uri="{FF2B5EF4-FFF2-40B4-BE49-F238E27FC236}">
-                <a16:creationId xmlns:a16="http://schemas.microsoft.com/office/drawing/2014/main" id="{5870D4AA-F674-4EB6-A275-3F762C6A0EF9}"/>
-              </a:ext>
-            </a:extLst>
-          </p:cNvPr>
-          <p:cNvPicPr>
-            <a:picLocks noChangeAspect="1"/>
-          </p:cNvPicPr>
-          <p:nvPr/>
-        </p:nvPicPr>
-        <p:blipFill>
-          <a:blip r:embed="rId9"/>
-          <a:stretch>
-            <a:fillRect/>
-          </a:stretch>
-        </p:blipFill>
-        <p:spPr>
-          <a:xfrm>
-            <a:off x="1535729" y="1901849"/>
-            <a:ext cx="1189366" cy="991804"/>
-          </a:xfrm>
-          <a:prstGeom prst="rect">
-            <a:avLst/>
-          </a:prstGeom>
-        </p:spPr>
-      </p:pic>
-    </p:spTree>
-    <p:extLst>
-      <p:ext uri="{BB962C8B-B14F-4D97-AF65-F5344CB8AC3E}">
-        <p14:creationId xmlns:p14="http://schemas.microsoft.com/office/powerpoint/2010/main" val="1326940194"/>
-      </p:ext>
-    </p:extLst>
-  </p:cSld>
-  <p:clrMapOvr>
-    <a:masterClrMapping/>
-  </p:clrMapOvr>
-</p:sld>
-</file>
-
-<file path=ppt/slides/slide2.xml><?xml version="1.0" encoding="utf-8"?>
-<p:sld xmlns:a="http://schemas.openxmlformats.org/drawingml/2006/main" xmlns:r="http://schemas.openxmlformats.org/officeDocument/2006/relationships" xmlns:p="http://schemas.openxmlformats.org/presentationml/2006/main">
-  <p:cSld>
-    <p:spTree>
-      <p:nvGrpSpPr>
-        <p:cNvPr id="1" name=""/>
-        <p:cNvGrpSpPr/>
-        <p:nvPr/>
-      </p:nvGrpSpPr>
-      <p:grpSpPr>
-        <a:xfrm>
-          <a:off x="0" y="0"/>
-          <a:ext cx="0" cy="0"/>
-          <a:chOff x="0" y="0"/>
-          <a:chExt cx="0" cy="0"/>
-        </a:xfrm>
-      </p:grpSpPr>
-      <p:pic>
-        <p:nvPicPr>
-          <p:cNvPr id="5" name="Picture 4">
-            <a:extLst>
-              <a:ext uri="{FF2B5EF4-FFF2-40B4-BE49-F238E27FC236}">
-                <a16:creationId xmlns:a16="http://schemas.microsoft.com/office/drawing/2014/main" id="{447FF812-9952-41DC-A017-DFE79ED49402}"/>
-              </a:ext>
-            </a:extLst>
-          </p:cNvPr>
-          <p:cNvPicPr>
-            <a:picLocks noChangeAspect="1"/>
-          </p:cNvPicPr>
-          <p:nvPr/>
-        </p:nvPicPr>
-        <p:blipFill>
-          <a:blip r:embed="rId3"/>
-          <a:stretch>
-            <a:fillRect/>
-          </a:stretch>
-        </p:blipFill>
-        <p:spPr>
-          <a:xfrm>
-            <a:off x="0" y="204341"/>
-            <a:ext cx="1145334" cy="857153"/>
-          </a:xfrm>
-          <a:prstGeom prst="rect">
-            <a:avLst/>
-          </a:prstGeom>
-        </p:spPr>
-      </p:pic>
-      <p:pic>
-        <p:nvPicPr>
-          <p:cNvPr id="7" name="Picture 6">
-            <a:extLst>
-              <a:ext uri="{FF2B5EF4-FFF2-40B4-BE49-F238E27FC236}">
-                <a16:creationId xmlns:a16="http://schemas.microsoft.com/office/drawing/2014/main" id="{C906962C-D35A-4420-9B8C-E437E923DBC4}"/>
-              </a:ext>
-            </a:extLst>
-          </p:cNvPr>
-          <p:cNvPicPr>
-            <a:picLocks noChangeAspect="1"/>
-          </p:cNvPicPr>
-          <p:nvPr/>
-        </p:nvPicPr>
-        <p:blipFill>
-          <a:blip r:embed="rId4"/>
-          <a:stretch>
-            <a:fillRect/>
-          </a:stretch>
-        </p:blipFill>
-        <p:spPr>
-          <a:xfrm>
-            <a:off x="1327826" y="248080"/>
-            <a:ext cx="1172947" cy="857153"/>
-          </a:xfrm>
-          <a:prstGeom prst="rect">
-            <a:avLst/>
-          </a:prstGeom>
-        </p:spPr>
-      </p:pic>
-      <p:pic>
-        <p:nvPicPr>
-          <p:cNvPr id="8" name="Picture 7">
-            <a:extLst>
-              <a:ext uri="{FF2B5EF4-FFF2-40B4-BE49-F238E27FC236}">
-                <a16:creationId xmlns:a16="http://schemas.microsoft.com/office/drawing/2014/main" id="{CE775836-D8D0-43B7-8309-68A8DE5DDC7E}"/>
-              </a:ext>
-            </a:extLst>
-          </p:cNvPr>
-          <p:cNvPicPr>
-            <a:picLocks noChangeAspect="1"/>
-          </p:cNvPicPr>
-          <p:nvPr/>
-        </p:nvPicPr>
-        <p:blipFill>
-          <a:blip r:embed="rId5"/>
-          <a:stretch>
-            <a:fillRect/>
-          </a:stretch>
-        </p:blipFill>
-        <p:spPr>
-          <a:xfrm>
-            <a:off x="2543482" y="284595"/>
-            <a:ext cx="1144738" cy="857153"/>
-          </a:xfrm>
-          <a:prstGeom prst="rect">
-            <a:avLst/>
-          </a:prstGeom>
-        </p:spPr>
-      </p:pic>
-      <mc:AlternateContent xmlns:mc="http://schemas.openxmlformats.org/markup-compatibility/2006">
-        <mc:Choice xmlns:a14="http://schemas.microsoft.com/office/drawing/2010/main" Requires="a14">
+      <mc:AlternateContent xmlns:mc="http://schemas.openxmlformats.org/markup-compatibility/2006" xmlns:a14="http://schemas.microsoft.com/office/drawing/2010/main">
+        <mc:Choice Requires="a14">
           <p:sp>
             <p:nvSpPr>
               <p:cNvPr id="11" name="TextBox 10">
@@ -3796,8 +3430,8 @@
             </p:nvSpPr>
             <p:spPr>
               <a:xfrm>
-                <a:off x="43595" y="14150"/>
-                <a:ext cx="1145334" cy="241476"/>
+                <a:off x="-505463" y="1148473"/>
+                <a:ext cx="2554976" cy="424668"/>
               </a:xfrm>
               <a:prstGeom prst="rect">
                 <a:avLst/>
@@ -3810,6 +3444,7 @@
               </a:bodyPr>
               <a:lstStyle/>
               <a:p>
+                <a:pPr/>
                 <a14:m>
                   <m:oMathPara xmlns:m="http://schemas.openxmlformats.org/officeDocument/2006/math">
                     <m:oMathParaPr>
@@ -3819,7 +3454,7 @@
                       <m:sSub>
                         <m:sSubPr>
                           <m:ctrlPr>
-                            <a:rPr lang="en-US" sz="900" i="1" dirty="0">
+                            <a:rPr lang="en-US" sz="2007" i="1" dirty="0" smtClean="0">
                               <a:latin typeface="Cambria Math" panose="02040503050406030204" pitchFamily="18" charset="0"/>
                               <a:cs typeface="Times New Roman" panose="02020603050405020304" pitchFamily="18" charset="0"/>
                             </a:rPr>
@@ -3827,7 +3462,7 @@
                         </m:sSubPr>
                         <m:e>
                           <m:r>
-                            <a:rPr lang="en-US" sz="900" i="1" dirty="0">
+                            <a:rPr lang="en-US" sz="2007" i="1" dirty="0">
                               <a:latin typeface="Cambria Math" panose="02040503050406030204" pitchFamily="18" charset="0"/>
                               <a:cs typeface="Times New Roman" panose="02020603050405020304" pitchFamily="18" charset="0"/>
                             </a:rPr>
@@ -3836,7 +3471,7 @@
                         </m:e>
                         <m:sub>
                           <m:r>
-                            <a:rPr lang="en-US" sz="900" i="1" dirty="0">
+                            <a:rPr lang="en-US" sz="2007" i="1" dirty="0">
                               <a:latin typeface="Cambria Math" panose="02040503050406030204" pitchFamily="18" charset="0"/>
                               <a:cs typeface="Times New Roman" panose="02020603050405020304" pitchFamily="18" charset="0"/>
                             </a:rPr>
@@ -3845,14 +3480,14 @@
                         </m:sub>
                       </m:sSub>
                       <m:r>
-                        <a:rPr lang="en-US" sz="900" i="1" dirty="0">
+                        <a:rPr lang="en-US" sz="2007" i="1" dirty="0">
                           <a:latin typeface="Cambria Math" panose="02040503050406030204" pitchFamily="18" charset="0"/>
                           <a:cs typeface="Times New Roman" panose="02020603050405020304" pitchFamily="18" charset="0"/>
                         </a:rPr>
                         <m:t>𝑡</m:t>
                       </m:r>
                       <m:r>
-                        <a:rPr lang="en-US" sz="900" i="1" dirty="0">
+                        <a:rPr lang="en-US" sz="2007" i="1" dirty="0">
                           <a:latin typeface="Cambria Math" panose="02040503050406030204" pitchFamily="18" charset="0"/>
                           <a:cs typeface="Times New Roman" panose="02020603050405020304" pitchFamily="18" charset="0"/>
                         </a:rPr>
@@ -3861,7 +3496,7 @@
                     </m:oMath>
                   </m:oMathPara>
                 </a14:m>
-                <a:endParaRPr lang="en-US" sz="1200" dirty="0">
+                <a:endParaRPr lang="en-US" sz="2677" dirty="0">
                   <a:latin typeface="Times New Roman" panose="02020603050405020304" pitchFamily="18" charset="0"/>
                   <a:cs typeface="Times New Roman" panose="02020603050405020304" pitchFamily="18" charset="0"/>
                 </a:endParaRPr>
@@ -3869,7 +3504,7 @@
             </p:txBody>
           </p:sp>
         </mc:Choice>
-        <mc:Fallback>
+        <mc:Fallback xmlns="">
           <p:sp>
             <p:nvSpPr>
               <p:cNvPr id="11" name="TextBox 10">
@@ -3886,16 +3521,16 @@
             </p:nvSpPr>
             <p:spPr>
               <a:xfrm>
-                <a:off x="43595" y="14150"/>
-                <a:ext cx="1145334" cy="241476"/>
+                <a:off x="-505463" y="1148473"/>
+                <a:ext cx="2554976" cy="424668"/>
               </a:xfrm>
               <a:prstGeom prst="rect">
                 <a:avLst/>
               </a:prstGeom>
               <a:blipFill>
-                <a:blip r:embed="rId6"/>
+                <a:blip r:embed="rId3"/>
                 <a:stretch>
-                  <a:fillRect/>
+                  <a:fillRect b="-5714"/>
                 </a:stretch>
               </a:blipFill>
             </p:spPr>
@@ -3914,8 +3549,8 @@
           </p:sp>
         </mc:Fallback>
       </mc:AlternateContent>
-      <mc:AlternateContent xmlns:mc="http://schemas.openxmlformats.org/markup-compatibility/2006">
-        <mc:Choice xmlns:a14="http://schemas.microsoft.com/office/drawing/2010/main" Requires="a14">
+      <mc:AlternateContent xmlns:mc="http://schemas.openxmlformats.org/markup-compatibility/2006" xmlns:a14="http://schemas.microsoft.com/office/drawing/2010/main">
+        <mc:Choice Requires="a14">
           <p:sp>
             <p:nvSpPr>
               <p:cNvPr id="12" name="TextBox 11">
@@ -3930,8 +3565,8 @@
             </p:nvSpPr>
             <p:spPr>
               <a:xfrm>
-                <a:off x="1373214" y="29849"/>
-                <a:ext cx="1145334" cy="241476"/>
+                <a:off x="-505463" y="3606681"/>
+                <a:ext cx="2554976" cy="424668"/>
               </a:xfrm>
               <a:prstGeom prst="rect">
                 <a:avLst/>
@@ -3944,6 +3579,7 @@
               </a:bodyPr>
               <a:lstStyle/>
               <a:p>
+                <a:pPr/>
                 <a14:m>
                   <m:oMathPara xmlns:m="http://schemas.openxmlformats.org/officeDocument/2006/math">
                     <m:oMathParaPr>
@@ -3953,7 +3589,7 @@
                       <m:sSub>
                         <m:sSubPr>
                           <m:ctrlPr>
-                            <a:rPr lang="en-US" sz="900" i="1" dirty="0">
+                            <a:rPr lang="en-US" sz="2007" i="1" dirty="0">
                               <a:latin typeface="Cambria Math" panose="02040503050406030204" pitchFamily="18" charset="0"/>
                               <a:cs typeface="Times New Roman" panose="02020603050405020304" pitchFamily="18" charset="0"/>
                             </a:rPr>
@@ -3961,7 +3597,7 @@
                         </m:sSubPr>
                         <m:e>
                           <m:r>
-                            <a:rPr lang="en-US" sz="900" i="1" dirty="0">
+                            <a:rPr lang="en-US" sz="2007" i="1" dirty="0">
                               <a:latin typeface="Cambria Math" panose="02040503050406030204" pitchFamily="18" charset="0"/>
                               <a:cs typeface="Times New Roman" panose="02020603050405020304" pitchFamily="18" charset="0"/>
                             </a:rPr>
@@ -3970,7 +3606,7 @@
                         </m:e>
                         <m:sub>
                           <m:r>
-                            <a:rPr lang="en-US" sz="900" i="1" dirty="0">
+                            <a:rPr lang="en-US" sz="2007" i="1" dirty="0">
                               <a:latin typeface="Cambria Math" panose="02040503050406030204" pitchFamily="18" charset="0"/>
                               <a:cs typeface="Times New Roman" panose="02020603050405020304" pitchFamily="18" charset="0"/>
                             </a:rPr>
@@ -3979,14 +3615,14 @@
                         </m:sub>
                       </m:sSub>
                       <m:r>
-                        <a:rPr lang="en-US" sz="900" i="1" dirty="0">
+                        <a:rPr lang="en-US" sz="2007" i="1" dirty="0">
                           <a:latin typeface="Cambria Math" panose="02040503050406030204" pitchFamily="18" charset="0"/>
                           <a:cs typeface="Times New Roman" panose="02020603050405020304" pitchFamily="18" charset="0"/>
                         </a:rPr>
                         <m:t>𝑡</m:t>
                       </m:r>
                       <m:r>
-                        <a:rPr lang="en-US" sz="900" i="1" dirty="0">
+                        <a:rPr lang="en-US" sz="2007" i="1" dirty="0">
                           <a:latin typeface="Cambria Math" panose="02040503050406030204" pitchFamily="18" charset="0"/>
                           <a:cs typeface="Times New Roman" panose="02020603050405020304" pitchFamily="18" charset="0"/>
                         </a:rPr>
@@ -3995,7 +3631,7 @@
                     </m:oMath>
                   </m:oMathPara>
                 </a14:m>
-                <a:endParaRPr lang="en-US" sz="1200" dirty="0">
+                <a:endParaRPr lang="en-US" sz="2677" dirty="0">
                   <a:latin typeface="Times New Roman" panose="02020603050405020304" pitchFamily="18" charset="0"/>
                   <a:cs typeface="Times New Roman" panose="02020603050405020304" pitchFamily="18" charset="0"/>
                 </a:endParaRPr>
@@ -4003,7 +3639,7 @@
             </p:txBody>
           </p:sp>
         </mc:Choice>
-        <mc:Fallback>
+        <mc:Fallback xmlns="">
           <p:sp>
             <p:nvSpPr>
               <p:cNvPr id="12" name="TextBox 11">
@@ -4020,16 +3656,16 @@
             </p:nvSpPr>
             <p:spPr>
               <a:xfrm>
-                <a:off x="1373214" y="29849"/>
-                <a:ext cx="1145334" cy="241476"/>
+                <a:off x="-505463" y="3606681"/>
+                <a:ext cx="2554976" cy="424668"/>
               </a:xfrm>
               <a:prstGeom prst="rect">
                 <a:avLst/>
               </a:prstGeom>
               <a:blipFill>
-                <a:blip r:embed="rId7"/>
+                <a:blip r:embed="rId4"/>
                 <a:stretch>
-                  <a:fillRect/>
+                  <a:fillRect b="-5797"/>
                 </a:stretch>
               </a:blipFill>
             </p:spPr>
@@ -4048,8 +3684,8 @@
           </p:sp>
         </mc:Fallback>
       </mc:AlternateContent>
-      <mc:AlternateContent xmlns:mc="http://schemas.openxmlformats.org/markup-compatibility/2006">
-        <mc:Choice xmlns:a14="http://schemas.microsoft.com/office/drawing/2010/main" Requires="a14">
+      <mc:AlternateContent xmlns:mc="http://schemas.openxmlformats.org/markup-compatibility/2006" xmlns:a14="http://schemas.microsoft.com/office/drawing/2010/main">
+        <mc:Choice Requires="a14">
           <p:sp>
             <p:nvSpPr>
               <p:cNvPr id="13" name="TextBox 12">
@@ -4064,8 +3700,8 @@
             </p:nvSpPr>
             <p:spPr>
               <a:xfrm>
-                <a:off x="2546161" y="56317"/>
-                <a:ext cx="1145334" cy="241476"/>
+                <a:off x="-505463" y="5935709"/>
+                <a:ext cx="2554976" cy="424668"/>
               </a:xfrm>
               <a:prstGeom prst="rect">
                 <a:avLst/>
@@ -4078,6 +3714,7 @@
               </a:bodyPr>
               <a:lstStyle/>
               <a:p>
+                <a:pPr/>
                 <a14:m>
                   <m:oMathPara xmlns:m="http://schemas.openxmlformats.org/officeDocument/2006/math">
                     <m:oMathParaPr>
@@ -4087,7 +3724,7 @@
                       <m:sSub>
                         <m:sSubPr>
                           <m:ctrlPr>
-                            <a:rPr lang="en-US" sz="900" i="1" dirty="0">
+                            <a:rPr lang="en-US" sz="2007" i="1" dirty="0">
                               <a:latin typeface="Cambria Math" panose="02040503050406030204" pitchFamily="18" charset="0"/>
                               <a:cs typeface="Times New Roman" panose="02020603050405020304" pitchFamily="18" charset="0"/>
                             </a:rPr>
@@ -4095,7 +3732,7 @@
                         </m:sSubPr>
                         <m:e>
                           <m:r>
-                            <a:rPr lang="en-US" sz="900" i="1" dirty="0">
+                            <a:rPr lang="en-US" sz="2007" i="1" dirty="0">
                               <a:latin typeface="Cambria Math" panose="02040503050406030204" pitchFamily="18" charset="0"/>
                               <a:cs typeface="Times New Roman" panose="02020603050405020304" pitchFamily="18" charset="0"/>
                             </a:rPr>
@@ -4104,7 +3741,7 @@
                         </m:e>
                         <m:sub>
                           <m:r>
-                            <a:rPr lang="en-US" sz="900" i="1" dirty="0">
+                            <a:rPr lang="en-US" sz="2007" i="1" dirty="0">
                               <a:latin typeface="Cambria Math" panose="02040503050406030204" pitchFamily="18" charset="0"/>
                               <a:cs typeface="Times New Roman" panose="02020603050405020304" pitchFamily="18" charset="0"/>
                             </a:rPr>
@@ -4113,14 +3750,14 @@
                         </m:sub>
                       </m:sSub>
                       <m:r>
-                        <a:rPr lang="en-US" sz="900" i="1" dirty="0">
+                        <a:rPr lang="en-US" sz="2007" i="1" dirty="0">
                           <a:latin typeface="Cambria Math" panose="02040503050406030204" pitchFamily="18" charset="0"/>
                           <a:cs typeface="Times New Roman" panose="02020603050405020304" pitchFamily="18" charset="0"/>
                         </a:rPr>
                         <m:t>𝑡</m:t>
                       </m:r>
                       <m:r>
-                        <a:rPr lang="en-US" sz="900" i="1" dirty="0">
+                        <a:rPr lang="en-US" sz="2007" i="1" dirty="0">
                           <a:latin typeface="Cambria Math" panose="02040503050406030204" pitchFamily="18" charset="0"/>
                           <a:cs typeface="Times New Roman" panose="02020603050405020304" pitchFamily="18" charset="0"/>
                         </a:rPr>
@@ -4129,7 +3766,7 @@
                     </m:oMath>
                   </m:oMathPara>
                 </a14:m>
-                <a:endParaRPr lang="en-US" sz="1200" dirty="0">
+                <a:endParaRPr lang="en-US" sz="2677" dirty="0">
                   <a:latin typeface="Times New Roman" panose="02020603050405020304" pitchFamily="18" charset="0"/>
                   <a:cs typeface="Times New Roman" panose="02020603050405020304" pitchFamily="18" charset="0"/>
                 </a:endParaRPr>
@@ -4137,7 +3774,7 @@
             </p:txBody>
           </p:sp>
         </mc:Choice>
-        <mc:Fallback>
+        <mc:Fallback xmlns="">
           <p:sp>
             <p:nvSpPr>
               <p:cNvPr id="13" name="TextBox 12">
@@ -4154,16 +3791,16 @@
             </p:nvSpPr>
             <p:spPr>
               <a:xfrm>
-                <a:off x="2546161" y="56317"/>
-                <a:ext cx="1145334" cy="241476"/>
+                <a:off x="-505463" y="5935709"/>
+                <a:ext cx="2554976" cy="424668"/>
               </a:xfrm>
               <a:prstGeom prst="rect">
                 <a:avLst/>
               </a:prstGeom>
               <a:blipFill>
-                <a:blip r:embed="rId8"/>
+                <a:blip r:embed="rId5"/>
                 <a:stretch>
-                  <a:fillRect/>
+                  <a:fillRect b="-5797"/>
                 </a:stretch>
               </a:blipFill>
             </p:spPr>
@@ -4184,10 +3821,129 @@
       </mc:AlternateContent>
       <p:pic>
         <p:nvPicPr>
-          <p:cNvPr id="14" name="Picture 13">
+          <p:cNvPr id="2" name="Picture 1">
             <a:extLst>
               <a:ext uri="{FF2B5EF4-FFF2-40B4-BE49-F238E27FC236}">
-                <a16:creationId xmlns:a16="http://schemas.microsoft.com/office/drawing/2014/main" id="{E643B57C-CC62-4EFF-ACD2-A3E8C4096AAC}"/>
+                <a16:creationId xmlns:a16="http://schemas.microsoft.com/office/drawing/2014/main" id="{14078DD5-004C-4D0D-82A9-E44F96D0EFF1}"/>
+              </a:ext>
+            </a:extLst>
+          </p:cNvPr>
+          <p:cNvPicPr>
+            <a:picLocks noChangeAspect="1"/>
+          </p:cNvPicPr>
+          <p:nvPr/>
+        </p:nvPicPr>
+        <p:blipFill>
+          <a:blip r:embed="rId6"/>
+          <a:stretch>
+            <a:fillRect/>
+          </a:stretch>
+        </p:blipFill>
+        <p:spPr>
+          <a:xfrm>
+            <a:off x="10566700" y="328312"/>
+            <a:ext cx="2665275" cy="2194560"/>
+          </a:xfrm>
+          <a:prstGeom prst="rect">
+            <a:avLst/>
+          </a:prstGeom>
+        </p:spPr>
+      </p:pic>
+      <p:pic>
+        <p:nvPicPr>
+          <p:cNvPr id="3" name="Picture 2">
+            <a:extLst>
+              <a:ext uri="{FF2B5EF4-FFF2-40B4-BE49-F238E27FC236}">
+                <a16:creationId xmlns:a16="http://schemas.microsoft.com/office/drawing/2014/main" id="{DE6EC3BA-0876-4B07-A2B0-9A869AF032F6}"/>
+              </a:ext>
+            </a:extLst>
+          </p:cNvPr>
+          <p:cNvPicPr>
+            <a:picLocks noChangeAspect="1"/>
+          </p:cNvPicPr>
+          <p:nvPr/>
+        </p:nvPicPr>
+        <p:blipFill>
+          <a:blip r:embed="rId7"/>
+          <a:stretch>
+            <a:fillRect/>
+          </a:stretch>
+        </p:blipFill>
+        <p:spPr>
+          <a:xfrm>
+            <a:off x="10845445" y="2764155"/>
+            <a:ext cx="2235588" cy="1920240"/>
+          </a:xfrm>
+          <a:prstGeom prst="rect">
+            <a:avLst/>
+          </a:prstGeom>
+        </p:spPr>
+      </p:pic>
+      <p:pic>
+        <p:nvPicPr>
+          <p:cNvPr id="50" name="Picture 49">
+            <a:extLst>
+              <a:ext uri="{FF2B5EF4-FFF2-40B4-BE49-F238E27FC236}">
+                <a16:creationId xmlns:a16="http://schemas.microsoft.com/office/drawing/2014/main" id="{2B04D733-5698-4644-9FD7-B2565AE4FC4A}"/>
+              </a:ext>
+            </a:extLst>
+          </p:cNvPr>
+          <p:cNvPicPr>
+            <a:picLocks noChangeAspect="1"/>
+          </p:cNvPicPr>
+          <p:nvPr/>
+        </p:nvPicPr>
+        <p:blipFill>
+          <a:blip r:embed="rId7"/>
+          <a:stretch>
+            <a:fillRect/>
+          </a:stretch>
+        </p:blipFill>
+        <p:spPr>
+          <a:xfrm>
+            <a:off x="10621859" y="2645380"/>
+            <a:ext cx="2554958" cy="2194560"/>
+          </a:xfrm>
+          <a:prstGeom prst="rect">
+            <a:avLst/>
+          </a:prstGeom>
+        </p:spPr>
+      </p:pic>
+      <p:pic>
+        <p:nvPicPr>
+          <p:cNvPr id="51" name="Picture 50">
+            <a:extLst>
+              <a:ext uri="{FF2B5EF4-FFF2-40B4-BE49-F238E27FC236}">
+                <a16:creationId xmlns:a16="http://schemas.microsoft.com/office/drawing/2014/main" id="{58918214-D279-4E15-B987-CB1B8AFE2584}"/>
+              </a:ext>
+            </a:extLst>
+          </p:cNvPr>
+          <p:cNvPicPr>
+            <a:picLocks noChangeAspect="1"/>
+          </p:cNvPicPr>
+          <p:nvPr/>
+        </p:nvPicPr>
+        <p:blipFill rotWithShape="1">
+          <a:blip r:embed="rId8"/>
+          <a:srcRect b="649"/>
+          <a:stretch/>
+        </p:blipFill>
+        <p:spPr>
+          <a:xfrm>
+            <a:off x="4562340" y="2650521"/>
+            <a:ext cx="2899443" cy="2255739"/>
+          </a:xfrm>
+          <a:prstGeom prst="rect">
+            <a:avLst/>
+          </a:prstGeom>
+        </p:spPr>
+      </p:pic>
+      <p:pic>
+        <p:nvPicPr>
+          <p:cNvPr id="52" name="Picture 51">
+            <a:extLst>
+              <a:ext uri="{FF2B5EF4-FFF2-40B4-BE49-F238E27FC236}">
+                <a16:creationId xmlns:a16="http://schemas.microsoft.com/office/drawing/2014/main" id="{0123B745-85DF-4CA5-A295-1754AD9E8753}"/>
               </a:ext>
             </a:extLst>
           </p:cNvPr>
@@ -4204,8 +3960,8 @@
         </p:blipFill>
         <p:spPr>
           <a:xfrm>
-            <a:off x="1276528" y="1178760"/>
-            <a:ext cx="1224245" cy="902387"/>
+            <a:off x="4510227" y="378988"/>
+            <a:ext cx="2960496" cy="2194560"/>
           </a:xfrm>
           <a:prstGeom prst="rect">
             <a:avLst/>
@@ -4214,10 +3970,10 @@
       </p:pic>
       <p:pic>
         <p:nvPicPr>
-          <p:cNvPr id="15" name="Picture 14">
+          <p:cNvPr id="53" name="Picture 52">
             <a:extLst>
               <a:ext uri="{FF2B5EF4-FFF2-40B4-BE49-F238E27FC236}">
-                <a16:creationId xmlns:a16="http://schemas.microsoft.com/office/drawing/2014/main" id="{560E9376-F95B-4417-998C-80FBFB85203E}"/>
+                <a16:creationId xmlns:a16="http://schemas.microsoft.com/office/drawing/2014/main" id="{DD81BA56-010E-450B-9E57-A81C014D34B8}"/>
               </a:ext>
             </a:extLst>
           </p:cNvPr>
@@ -4234,8 +3990,8 @@
         </p:blipFill>
         <p:spPr>
           <a:xfrm>
-            <a:off x="-14850" y="1148197"/>
-            <a:ext cx="1301364" cy="963510"/>
+            <a:off x="10536335" y="5047284"/>
+            <a:ext cx="2718923" cy="2194560"/>
           </a:xfrm>
           <a:prstGeom prst="rect">
             <a:avLst/>
@@ -4244,10 +4000,10 @@
       </p:pic>
       <p:pic>
         <p:nvPicPr>
-          <p:cNvPr id="17" name="Picture 16">
+          <p:cNvPr id="54" name="Picture 53">
             <a:extLst>
               <a:ext uri="{FF2B5EF4-FFF2-40B4-BE49-F238E27FC236}">
-                <a16:creationId xmlns:a16="http://schemas.microsoft.com/office/drawing/2014/main" id="{27C3BDD0-98DE-4A6B-A8E8-930A72EC3E33}"/>
+                <a16:creationId xmlns:a16="http://schemas.microsoft.com/office/drawing/2014/main" id="{16DE6855-087E-489B-BEAD-65DC40BE7F43}"/>
               </a:ext>
             </a:extLst>
           </p:cNvPr>
@@ -4256,16 +4012,15 @@
           </p:cNvPicPr>
           <p:nvPr/>
         </p:nvPicPr>
-        <p:blipFill>
+        <p:blipFill rotWithShape="1">
           <a:blip r:embed="rId11"/>
-          <a:stretch>
-            <a:fillRect/>
-          </a:stretch>
+          <a:srcRect b="565"/>
+          <a:stretch/>
         </p:blipFill>
         <p:spPr>
           <a:xfrm>
-            <a:off x="2608935" y="1221737"/>
-            <a:ext cx="1128057" cy="816429"/>
+            <a:off x="7526662" y="5074780"/>
+            <a:ext cx="2986390" cy="2194560"/>
           </a:xfrm>
           <a:prstGeom prst="rect">
             <a:avLst/>
@@ -4274,10 +4029,10 @@
       </p:pic>
       <p:pic>
         <p:nvPicPr>
-          <p:cNvPr id="18" name="Picture 17">
+          <p:cNvPr id="55" name="Picture 54">
             <a:extLst>
               <a:ext uri="{FF2B5EF4-FFF2-40B4-BE49-F238E27FC236}">
-                <a16:creationId xmlns:a16="http://schemas.microsoft.com/office/drawing/2014/main" id="{E9951EB7-A44E-41CD-9D00-D316971BC978}"/>
+                <a16:creationId xmlns:a16="http://schemas.microsoft.com/office/drawing/2014/main" id="{BE1C92D8-39A5-47C5-91A0-90E0EF7F99EE}"/>
               </a:ext>
             </a:extLst>
           </p:cNvPr>
@@ -4294,8 +4049,8 @@
         </p:blipFill>
         <p:spPr>
           <a:xfrm>
-            <a:off x="2619771" y="2309808"/>
-            <a:ext cx="1127541" cy="826137"/>
+            <a:off x="7500432" y="437839"/>
+            <a:ext cx="2957777" cy="2194560"/>
           </a:xfrm>
           <a:prstGeom prst="rect">
             <a:avLst/>
@@ -4304,10 +4059,10 @@
       </p:pic>
       <p:pic>
         <p:nvPicPr>
-          <p:cNvPr id="20" name="Picture 19">
+          <p:cNvPr id="56" name="Picture 55">
             <a:extLst>
               <a:ext uri="{FF2B5EF4-FFF2-40B4-BE49-F238E27FC236}">
-                <a16:creationId xmlns:a16="http://schemas.microsoft.com/office/drawing/2014/main" id="{5BAD4EEC-9441-4B62-B5CD-24EDE8E1A520}"/>
+                <a16:creationId xmlns:a16="http://schemas.microsoft.com/office/drawing/2014/main" id="{728EBB3F-F975-40AD-8843-2607E625384A}"/>
               </a:ext>
             </a:extLst>
           </p:cNvPr>
@@ -4316,16 +4071,15 @@
           </p:cNvPicPr>
           <p:nvPr/>
         </p:nvPicPr>
-        <p:blipFill>
+        <p:blipFill rotWithShape="1">
           <a:blip r:embed="rId13"/>
-          <a:stretch>
-            <a:fillRect/>
-          </a:stretch>
+          <a:srcRect b="1283"/>
+          <a:stretch/>
         </p:blipFill>
         <p:spPr>
           <a:xfrm>
-            <a:off x="1276528" y="2289862"/>
-            <a:ext cx="1217142" cy="892571"/>
+            <a:off x="7483771" y="2695245"/>
+            <a:ext cx="2991100" cy="2194560"/>
           </a:xfrm>
           <a:prstGeom prst="rect">
             <a:avLst/>
@@ -4334,10 +4088,10 @@
       </p:pic>
       <p:pic>
         <p:nvPicPr>
-          <p:cNvPr id="21" name="Picture 20">
+          <p:cNvPr id="57" name="Picture 56">
             <a:extLst>
               <a:ext uri="{FF2B5EF4-FFF2-40B4-BE49-F238E27FC236}">
-                <a16:creationId xmlns:a16="http://schemas.microsoft.com/office/drawing/2014/main" id="{4220CD36-12EE-4652-AA9B-DCEF2DAC2D51}"/>
+                <a16:creationId xmlns:a16="http://schemas.microsoft.com/office/drawing/2014/main" id="{C6A5724C-D337-4F24-A609-F93A0268B06A}"/>
               </a:ext>
             </a:extLst>
           </p:cNvPr>
@@ -4354,8 +4108,8 @@
         </p:blipFill>
         <p:spPr>
           <a:xfrm>
-            <a:off x="44919" y="2271684"/>
-            <a:ext cx="1231609" cy="902387"/>
+            <a:off x="1532374" y="5012114"/>
+            <a:ext cx="3029966" cy="2271858"/>
           </a:xfrm>
           <a:prstGeom prst="rect">
             <a:avLst/>
@@ -4364,10 +4118,10 @@
       </p:pic>
       <p:pic>
         <p:nvPicPr>
-          <p:cNvPr id="23" name="Picture 22">
+          <p:cNvPr id="58" name="Picture 57">
             <a:extLst>
               <a:ext uri="{FF2B5EF4-FFF2-40B4-BE49-F238E27FC236}">
-                <a16:creationId xmlns:a16="http://schemas.microsoft.com/office/drawing/2014/main" id="{8129196B-855A-4D9E-964C-25F428231A32}"/>
+                <a16:creationId xmlns:a16="http://schemas.microsoft.com/office/drawing/2014/main" id="{9E963979-2A17-4A3D-B5C1-7A03C143870F}"/>
               </a:ext>
             </a:extLst>
           </p:cNvPr>
@@ -4377,21 +4131,15 @@
           <p:nvPr/>
         </p:nvPicPr>
         <p:blipFill>
-          <a:blip r:embed="rId15">
-            <a:extLst>
-              <a:ext uri="{28A0092B-C50C-407E-A947-70E740481C1C}">
-                <a14:useLocalDpi xmlns:a14="http://schemas.microsoft.com/office/drawing/2010/main" val="0"/>
-              </a:ext>
-            </a:extLst>
-          </a:blip>
+          <a:blip r:embed="rId15"/>
           <a:stretch>
             <a:fillRect/>
           </a:stretch>
         </p:blipFill>
         <p:spPr>
           <a:xfrm>
-            <a:off x="3732382" y="1520216"/>
-            <a:ext cx="1224246" cy="1035900"/>
+            <a:off x="4602876" y="4983233"/>
+            <a:ext cx="2969137" cy="2269654"/>
           </a:xfrm>
           <a:prstGeom prst="rect">
             <a:avLst/>
@@ -4400,10 +4148,39 @@
       </p:pic>
       <p:pic>
         <p:nvPicPr>
-          <p:cNvPr id="24" name="Picture 23">
+          <p:cNvPr id="59" name="Picture 58">
             <a:extLst>
               <a:ext uri="{FF2B5EF4-FFF2-40B4-BE49-F238E27FC236}">
-                <a16:creationId xmlns:a16="http://schemas.microsoft.com/office/drawing/2014/main" id="{76C6835E-4390-4120-B0D3-0FEBBCD48824}"/>
+                <a16:creationId xmlns:a16="http://schemas.microsoft.com/office/drawing/2014/main" id="{86FAB750-41B7-440F-B7D6-AFCB04EACB40}"/>
+              </a:ext>
+            </a:extLst>
+          </p:cNvPr>
+          <p:cNvPicPr>
+            <a:picLocks noChangeAspect="1"/>
+          </p:cNvPicPr>
+          <p:nvPr/>
+        </p:nvPicPr>
+        <p:blipFill rotWithShape="1">
+          <a:blip r:embed="rId16"/>
+          <a:srcRect t="-1" r="1227" b="818"/>
+          <a:stretch/>
+        </p:blipFill>
+        <p:spPr>
+          <a:xfrm>
+            <a:off x="1499702" y="390213"/>
+            <a:ext cx="2854275" cy="2194560"/>
+          </a:xfrm>
+          <a:prstGeom prst="rect">
+            <a:avLst/>
+          </a:prstGeom>
+        </p:spPr>
+      </p:pic>
+      <p:pic>
+        <p:nvPicPr>
+          <p:cNvPr id="60" name="Picture 59">
+            <a:extLst>
+              <a:ext uri="{FF2B5EF4-FFF2-40B4-BE49-F238E27FC236}">
+                <a16:creationId xmlns:a16="http://schemas.microsoft.com/office/drawing/2014/main" id="{913FC0B7-1FF9-4A0B-9788-276DFBCF363D}"/>
               </a:ext>
             </a:extLst>
           </p:cNvPr>
@@ -4413,21 +4190,303 @@
           <p:nvPr/>
         </p:nvPicPr>
         <p:blipFill>
-          <a:blip r:embed="rId16"/>
+          <a:blip r:embed="rId17"/>
           <a:stretch>
             <a:fillRect/>
           </a:stretch>
         </p:blipFill>
         <p:spPr>
           <a:xfrm>
-            <a:off x="3946818" y="442083"/>
-            <a:ext cx="1231609" cy="996607"/>
+            <a:off x="1499702" y="2749285"/>
+            <a:ext cx="2886947" cy="2194560"/>
           </a:xfrm>
           <a:prstGeom prst="rect">
             <a:avLst/>
           </a:prstGeom>
         </p:spPr>
       </p:pic>
+      <mc:AlternateContent xmlns:mc="http://schemas.openxmlformats.org/markup-compatibility/2006" xmlns:a14="http://schemas.microsoft.com/office/drawing/2010/main">
+        <mc:Choice Requires="a14">
+          <p:sp>
+            <p:nvSpPr>
+              <p:cNvPr id="63" name="TextBox 62">
+                <a:extLst>
+                  <a:ext uri="{FF2B5EF4-FFF2-40B4-BE49-F238E27FC236}">
+                    <a16:creationId xmlns:a16="http://schemas.microsoft.com/office/drawing/2014/main" id="{7F98DA3B-C9BF-4CC6-9257-BE33D4CE9B02}"/>
+                  </a:ext>
+                </a:extLst>
+              </p:cNvPr>
+              <p:cNvSpPr txBox="1"/>
+              <p:nvPr/>
+            </p:nvSpPr>
+            <p:spPr>
+              <a:xfrm>
+                <a:off x="1784298" y="73356"/>
+                <a:ext cx="11372850" cy="378758"/>
+              </a:xfrm>
+              <a:prstGeom prst="rect">
+                <a:avLst/>
+              </a:prstGeom>
+              <a:noFill/>
+            </p:spPr>
+            <p:txBody>
+              <a:bodyPr wrap="square" rtlCol="0">
+                <a:spAutoFit/>
+              </a:bodyPr>
+              <a:lstStyle/>
+              <a:p>
+                <a:r>
+                  <a:rPr lang="en-US" sz="1600" b="1" dirty="0">
+                    <a:latin typeface="Times New Roman" panose="02020603050405020304" pitchFamily="18" charset="0"/>
+                    <a:cs typeface="Times New Roman" panose="02020603050405020304" pitchFamily="18" charset="0"/>
+                  </a:rPr>
+                  <a:t>Electron phase space </a:t>
+                </a:r>
+                <a14:m>
+                  <m:oMath xmlns:m="http://schemas.openxmlformats.org/officeDocument/2006/math">
+                    <m:d>
+                      <m:dPr>
+                        <m:ctrlPr>
+                          <a:rPr lang="en-US" sz="1600" b="1" i="1" dirty="0" smtClean="0">
+                            <a:latin typeface="Cambria Math" panose="02040503050406030204" pitchFamily="18" charset="0"/>
+                          </a:rPr>
+                        </m:ctrlPr>
+                      </m:dPr>
+                      <m:e>
+                        <m:r>
+                          <a:rPr lang="en-US" sz="1600" b="1" i="1" dirty="0" err="1" smtClean="0">
+                            <a:latin typeface="Cambria Math" panose="02040503050406030204" pitchFamily="18" charset="0"/>
+                          </a:rPr>
+                          <m:t>𝒛</m:t>
+                        </m:r>
+                        <m:r>
+                          <a:rPr lang="en-US" sz="1600" b="1" i="1" dirty="0" err="1" smtClean="0">
+                            <a:latin typeface="Cambria Math" panose="02040503050406030204" pitchFamily="18" charset="0"/>
+                          </a:rPr>
+                          <m:t>,</m:t>
+                        </m:r>
+                        <m:sSub>
+                          <m:sSubPr>
+                            <m:ctrlPr>
+                              <a:rPr lang="en-US" sz="1600" b="1" i="1" dirty="0" err="1" smtClean="0">
+                                <a:latin typeface="Cambria Math" panose="02040503050406030204" pitchFamily="18" charset="0"/>
+                              </a:rPr>
+                            </m:ctrlPr>
+                          </m:sSubPr>
+                          <m:e>
+                            <m:r>
+                              <a:rPr lang="en-US" sz="1600" b="1" i="1" dirty="0" err="1" smtClean="0">
+                                <a:latin typeface="Cambria Math" panose="02040503050406030204" pitchFamily="18" charset="0"/>
+                              </a:rPr>
+                              <m:t>𝒗</m:t>
+                            </m:r>
+                          </m:e>
+                          <m:sub>
+                            <m:r>
+                              <a:rPr lang="en-US" sz="1600" b="1" i="1" dirty="0" err="1" smtClean="0">
+                                <a:latin typeface="Cambria Math" panose="02040503050406030204" pitchFamily="18" charset="0"/>
+                              </a:rPr>
+                              <m:t>𝒛</m:t>
+                            </m:r>
+                          </m:sub>
+                        </m:sSub>
+                      </m:e>
+                    </m:d>
+                  </m:oMath>
+                </a14:m>
+                <a:r>
+                  <a:rPr lang="en-US" sz="1600" b="1" dirty="0">
+                    <a:latin typeface="Times New Roman" panose="02020603050405020304" pitchFamily="18" charset="0"/>
+                    <a:cs typeface="Times New Roman" panose="02020603050405020304" pitchFamily="18" charset="0"/>
+                  </a:rPr>
+                  <a:t>            Ion phase space </a:t>
+                </a:r>
+                <a14:m>
+                  <m:oMath xmlns:m="http://schemas.openxmlformats.org/officeDocument/2006/math">
+                    <m:d>
+                      <m:dPr>
+                        <m:ctrlPr>
+                          <a:rPr lang="en-US" sz="1600" b="1" i="1" dirty="0">
+                            <a:latin typeface="Cambria Math" panose="02040503050406030204" pitchFamily="18" charset="0"/>
+                          </a:rPr>
+                        </m:ctrlPr>
+                      </m:dPr>
+                      <m:e>
+                        <m:r>
+                          <a:rPr lang="en-US" sz="1600" b="1" i="1" dirty="0" err="1">
+                            <a:latin typeface="Cambria Math" panose="02040503050406030204" pitchFamily="18" charset="0"/>
+                          </a:rPr>
+                          <m:t>𝒛</m:t>
+                        </m:r>
+                        <m:r>
+                          <a:rPr lang="en-US" sz="1600" b="1" i="1" dirty="0" err="1">
+                            <a:latin typeface="Cambria Math" panose="02040503050406030204" pitchFamily="18" charset="0"/>
+                          </a:rPr>
+                          <m:t>,</m:t>
+                        </m:r>
+                        <m:sSub>
+                          <m:sSubPr>
+                            <m:ctrlPr>
+                              <a:rPr lang="en-US" sz="1600" b="1" i="1" dirty="0" err="1">
+                                <a:latin typeface="Cambria Math" panose="02040503050406030204" pitchFamily="18" charset="0"/>
+                              </a:rPr>
+                            </m:ctrlPr>
+                          </m:sSubPr>
+                          <m:e>
+                            <m:r>
+                              <a:rPr lang="en-US" sz="1600" b="1" i="1" dirty="0" err="1">
+                                <a:latin typeface="Cambria Math" panose="02040503050406030204" pitchFamily="18" charset="0"/>
+                              </a:rPr>
+                              <m:t>𝒗</m:t>
+                            </m:r>
+                          </m:e>
+                          <m:sub>
+                            <m:r>
+                              <a:rPr lang="en-US" sz="1600" b="1" i="1" dirty="0" err="1">
+                                <a:latin typeface="Cambria Math" panose="02040503050406030204" pitchFamily="18" charset="0"/>
+                              </a:rPr>
+                              <m:t>𝒛</m:t>
+                            </m:r>
+                          </m:sub>
+                        </m:sSub>
+                      </m:e>
+                    </m:d>
+                  </m:oMath>
+                </a14:m>
+                <a:r>
+                  <a:rPr lang="en-US" sz="1600" b="1" dirty="0">
+                    <a:latin typeface="Times New Roman" panose="02020603050405020304" pitchFamily="18" charset="0"/>
+                    <a:cs typeface="Times New Roman" panose="02020603050405020304" pitchFamily="18" charset="0"/>
+                  </a:rPr>
+                  <a:t>                  Electron distribution </a:t>
+                </a:r>
+                <a14:m>
+                  <m:oMath xmlns:m="http://schemas.openxmlformats.org/officeDocument/2006/math">
+                    <m:d>
+                      <m:dPr>
+                        <m:ctrlPr>
+                          <a:rPr lang="en-US" sz="1600" b="1" i="1" dirty="0">
+                            <a:latin typeface="Cambria Math" panose="02040503050406030204" pitchFamily="18" charset="0"/>
+                          </a:rPr>
+                        </m:ctrlPr>
+                      </m:dPr>
+                      <m:e>
+                        <m:sSub>
+                          <m:sSubPr>
+                            <m:ctrlPr>
+                              <a:rPr lang="en-US" sz="1600" b="1" i="1" dirty="0" smtClean="0">
+                                <a:latin typeface="Cambria Math" panose="02040503050406030204" pitchFamily="18" charset="0"/>
+                              </a:rPr>
+                            </m:ctrlPr>
+                          </m:sSubPr>
+                          <m:e>
+                            <m:r>
+                              <a:rPr lang="en-US" sz="1600" b="1" i="1" dirty="0" smtClean="0">
+                                <a:latin typeface="Cambria Math" panose="02040503050406030204" pitchFamily="18" charset="0"/>
+                              </a:rPr>
+                              <m:t>𝒗</m:t>
+                            </m:r>
+                          </m:e>
+                          <m:sub>
+                            <m:r>
+                              <a:rPr lang="en-US" sz="1600" b="1" i="1" dirty="0" smtClean="0">
+                                <a:latin typeface="Cambria Math" panose="02040503050406030204" pitchFamily="18" charset="0"/>
+                              </a:rPr>
+                              <m:t>𝒛</m:t>
+                            </m:r>
+                          </m:sub>
+                        </m:sSub>
+                        <m:r>
+                          <a:rPr lang="en-US" sz="1600" b="1" i="1" dirty="0" err="1">
+                            <a:latin typeface="Cambria Math" panose="02040503050406030204" pitchFamily="18" charset="0"/>
+                          </a:rPr>
+                          <m:t>,</m:t>
+                        </m:r>
+                        <m:sSub>
+                          <m:sSubPr>
+                            <m:ctrlPr>
+                              <a:rPr lang="en-US" sz="1600" b="1" i="1" dirty="0" err="1">
+                                <a:latin typeface="Cambria Math" panose="02040503050406030204" pitchFamily="18" charset="0"/>
+                              </a:rPr>
+                            </m:ctrlPr>
+                          </m:sSubPr>
+                          <m:e>
+                            <m:r>
+                              <a:rPr lang="en-US" sz="1600" b="1" i="1" dirty="0" err="1">
+                                <a:latin typeface="Cambria Math" panose="02040503050406030204" pitchFamily="18" charset="0"/>
+                              </a:rPr>
+                              <m:t>𝒗</m:t>
+                            </m:r>
+                          </m:e>
+                          <m:sub>
+                            <m:r>
+                              <a:rPr lang="en-US" sz="1600" b="1" i="1" dirty="0" smtClean="0">
+                                <a:latin typeface="Cambria Math" panose="02040503050406030204" pitchFamily="18" charset="0"/>
+                              </a:rPr>
+                              <m:t>𝒚</m:t>
+                            </m:r>
+                          </m:sub>
+                        </m:sSub>
+                      </m:e>
+                    </m:d>
+                  </m:oMath>
+                </a14:m>
+                <a:r>
+                  <a:rPr lang="en-US" sz="1600" b="1" dirty="0">
+                    <a:latin typeface="Times New Roman" panose="02020603050405020304" pitchFamily="18" charset="0"/>
+                    <a:cs typeface="Times New Roman" panose="02020603050405020304" pitchFamily="18" charset="0"/>
+                  </a:rPr>
+                  <a:t>            Electric potential  </a:t>
+                </a:r>
+              </a:p>
+            </p:txBody>
+          </p:sp>
+        </mc:Choice>
+        <mc:Fallback xmlns="">
+          <p:sp>
+            <p:nvSpPr>
+              <p:cNvPr id="63" name="TextBox 62">
+                <a:extLst>
+                  <a:ext uri="{FF2B5EF4-FFF2-40B4-BE49-F238E27FC236}">
+                    <a16:creationId xmlns:a16="http://schemas.microsoft.com/office/drawing/2014/main" id="{7F98DA3B-C9BF-4CC6-9257-BE33D4CE9B02}"/>
+                  </a:ext>
+                </a:extLst>
+              </p:cNvPr>
+              <p:cNvSpPr txBox="1">
+                <a:spLocks noRot="1" noChangeAspect="1" noMove="1" noResize="1" noEditPoints="1" noAdjustHandles="1" noChangeArrowheads="1" noChangeShapeType="1" noTextEdit="1"/>
+              </p:cNvSpPr>
+              <p:nvPr/>
+            </p:nvSpPr>
+            <p:spPr>
+              <a:xfrm>
+                <a:off x="1784298" y="73356"/>
+                <a:ext cx="11372850" cy="378758"/>
+              </a:xfrm>
+              <a:prstGeom prst="rect">
+                <a:avLst/>
+              </a:prstGeom>
+              <a:blipFill>
+                <a:blip r:embed="rId18"/>
+                <a:stretch>
+                  <a:fillRect l="-322" b="-14516"/>
+                </a:stretch>
+              </a:blipFill>
+            </p:spPr>
+            <p:txBody>
+              <a:bodyPr/>
+              <a:lstStyle/>
+              <a:p>
+                <a:r>
+                  <a:rPr lang="en-US">
+                    <a:noFill/>
+                  </a:rPr>
+                  <a:t> </a:t>
+                </a:r>
+              </a:p>
+            </p:txBody>
+          </p:sp>
+        </mc:Fallback>
+      </mc:AlternateContent>
     </p:spTree>
     <p:extLst>
       <p:ext uri="{BB962C8B-B14F-4D97-AF65-F5344CB8AC3E}">
